--- a/Final Presentation/final presentation ppt.pptx
+++ b/Final Presentation/final presentation ppt.pptx
@@ -6,10 +6,10 @@
     <p:sldMasterId id="2147483656" r:id="rId2"/>
   </p:sldMasterIdLst>
   <p:notesMasterIdLst>
-    <p:notesMasterId r:id="rId16"/>
+    <p:notesMasterId r:id="rId19"/>
   </p:notesMasterIdLst>
   <p:handoutMasterIdLst>
-    <p:handoutMasterId r:id="rId17"/>
+    <p:handoutMasterId r:id="rId20"/>
   </p:handoutMasterIdLst>
   <p:sldIdLst>
     <p:sldId id="256" r:id="rId3"/>
@@ -20,11 +20,14 @@
     <p:sldId id="263" r:id="rId8"/>
     <p:sldId id="264" r:id="rId9"/>
     <p:sldId id="265" r:id="rId10"/>
-    <p:sldId id="267" r:id="rId11"/>
-    <p:sldId id="269" r:id="rId12"/>
-    <p:sldId id="276" r:id="rId13"/>
-    <p:sldId id="277" r:id="rId14"/>
-    <p:sldId id="278" r:id="rId15"/>
+    <p:sldId id="281" r:id="rId11"/>
+    <p:sldId id="282" r:id="rId12"/>
+    <p:sldId id="280" r:id="rId13"/>
+    <p:sldId id="267" r:id="rId14"/>
+    <p:sldId id="269" r:id="rId15"/>
+    <p:sldId id="276" r:id="rId16"/>
+    <p:sldId id="277" r:id="rId17"/>
+    <p:sldId id="278" r:id="rId18"/>
   </p:sldIdLst>
   <p:sldSz cx="9144000" cy="5143500" type="screen16x9"/>
   <p:notesSz cx="6858000" cy="9144000"/>
@@ -324,7 +327,7 @@
           <a:p>
             <a:fld id="{7B39674F-4B0E-DA42-8186-0A7D4E7C2CE8}" type="slidenum">
               <a:rPr lang="de-DE" smtClean="0"/>
-              <a:t>‹#›</a:t>
+              <a:t>‹Nr.›</a:t>
             </a:fld>
             <a:endParaRPr lang="de-DE"/>
           </a:p>
@@ -721,7 +724,7 @@
           <a:p>
             <a:fld id="{E2B266EF-51AE-2C40-8C95-8EB2C49369B2}" type="slidenum">
               <a:rPr lang="de-DE" smtClean="0"/>
-              <a:t>‹#›</a:t>
+              <a:t>‹Nr.›</a:t>
             </a:fld>
             <a:endParaRPr lang="de-DE"/>
           </a:p>
@@ -1011,7 +1014,7 @@
           <a:p>
             <a:fld id="{8271DC61-FD4F-6F42-810D-876D2F91EC3B}" type="slidenum">
               <a:rPr lang="de-DE" smtClean="0"/>
-              <a:t>‹#›</a:t>
+              <a:t>‹Nr.›</a:t>
             </a:fld>
             <a:endParaRPr lang="de-DE"/>
           </a:p>
@@ -1127,7 +1130,7 @@
           <a:p>
             <a:fld id="{8271DC61-FD4F-6F42-810D-876D2F91EC3B}" type="slidenum">
               <a:rPr lang="de-DE" smtClean="0"/>
-              <a:t>‹#›</a:t>
+              <a:t>‹Nr.›</a:t>
             </a:fld>
             <a:endParaRPr lang="de-DE"/>
           </a:p>
@@ -1327,7 +1330,7 @@
           <a:p>
             <a:fld id="{8271DC61-FD4F-6F42-810D-876D2F91EC3B}" type="slidenum">
               <a:rPr lang="de-DE" smtClean="0"/>
-              <a:t>‹#›</a:t>
+              <a:t>‹Nr.›</a:t>
             </a:fld>
             <a:endParaRPr lang="de-DE"/>
           </a:p>
@@ -1533,7 +1536,7 @@
           <a:p>
             <a:fld id="{8271DC61-FD4F-6F42-810D-876D2F91EC3B}" type="slidenum">
               <a:rPr lang="de-DE" smtClean="0"/>
-              <a:t>‹#›</a:t>
+              <a:t>‹Nr.›</a:t>
             </a:fld>
             <a:endParaRPr lang="de-DE"/>
           </a:p>
@@ -1649,7 +1652,7 @@
           <a:p>
             <a:fld id="{8271DC61-FD4F-6F42-810D-876D2F91EC3B}" type="slidenum">
               <a:rPr lang="de-DE" smtClean="0"/>
-              <a:t>‹#›</a:t>
+              <a:t>‹Nr.›</a:t>
             </a:fld>
             <a:endParaRPr lang="de-DE"/>
           </a:p>
@@ -1806,7 +1809,7 @@
             <a:fld id="{8271DC61-FD4F-6F42-810D-876D2F91EC3B}" type="slidenum">
               <a:rPr lang="de-DE" smtClean="0"/>
               <a:pPr/>
-              <a:t>‹#›</a:t>
+              <a:t>‹Nr.›</a:t>
             </a:fld>
             <a:endParaRPr lang="de-DE"/>
           </a:p>
@@ -1882,7 +1885,7 @@
           <a:p>
             <a:fld id="{8271DC61-FD4F-6F42-810D-876D2F91EC3B}" type="slidenum">
               <a:rPr lang="de-DE" smtClean="0"/>
-              <a:t>‹#›</a:t>
+              <a:t>‹Nr.›</a:t>
             </a:fld>
             <a:endParaRPr lang="de-DE"/>
           </a:p>
@@ -2121,7 +2124,7 @@
           <a:p>
             <a:fld id="{8271DC61-FD4F-6F42-810D-876D2F91EC3B}" type="slidenum">
               <a:rPr lang="de-DE" smtClean="0"/>
-              <a:t>‹#›</a:t>
+              <a:t>‹Nr.›</a:t>
             </a:fld>
             <a:endParaRPr lang="de-DE"/>
           </a:p>
@@ -2361,7 +2364,7 @@
           <a:p>
             <a:fld id="{8271DC61-FD4F-6F42-810D-876D2F91EC3B}" type="slidenum">
               <a:rPr lang="de-DE" smtClean="0"/>
-              <a:t>‹#›</a:t>
+              <a:t>‹Nr.›</a:t>
             </a:fld>
             <a:endParaRPr lang="de-DE"/>
           </a:p>
@@ -2567,7 +2570,7 @@
           <a:p>
             <a:fld id="{8271DC61-FD4F-6F42-810D-876D2F91EC3B}" type="slidenum">
               <a:rPr lang="de-DE" smtClean="0"/>
-              <a:t>‹#›</a:t>
+              <a:t>‹Nr.›</a:t>
             </a:fld>
             <a:endParaRPr lang="de-DE"/>
           </a:p>
@@ -2773,7 +2776,7 @@
             <a:fld id="{8271DC61-FD4F-6F42-810D-876D2F91EC3B}" type="slidenum">
               <a:rPr lang="de-DE" smtClean="0"/>
               <a:pPr/>
-              <a:t>‹#›</a:t>
+              <a:t>‹Nr.›</a:t>
             </a:fld>
             <a:endParaRPr lang="de-DE"/>
           </a:p>
@@ -3204,7 +3207,7 @@
             <a:fld id="{8271DC61-FD4F-6F42-810D-876D2F91EC3B}" type="slidenum">
               <a:rPr lang="de-DE" smtClean="0"/>
               <a:pPr/>
-              <a:t>‹#›</a:t>
+              <a:t>‹Nr.›</a:t>
             </a:fld>
             <a:endParaRPr lang="de-DE"/>
           </a:p>
@@ -3781,7 +3784,7 @@
           <p:cNvPr id="2" name="Subtitle 1">
             <a:extLst>
               <a:ext uri="{FF2B5EF4-FFF2-40B4-BE49-F238E27FC236}">
-                <a16:creationId xmlns:a16="http://schemas.microsoft.com/office/drawing/2014/main" id="{FB098B44-46A9-438B-9B0A-6B52AC43FF8F}"/>
+                <a16:creationId xmlns:a16="http://schemas.microsoft.com/office/drawing/2014/main" id="{69C70F9B-BE0A-46A3-B511-ED765C376E65}"/>
               </a:ext>
             </a:extLst>
           </p:cNvPr>
@@ -3792,42 +3795,103 @@
             <p:ph type="subTitle" idx="1"/>
           </p:nvPr>
         </p:nvSpPr>
-        <p:spPr/>
-        <p:txBody>
-          <a:bodyPr/>
+        <p:spPr>
+          <a:xfrm>
+            <a:off x="1642905" y="1551632"/>
+            <a:ext cx="7501094" cy="3135923"/>
+          </a:xfrm>
+        </p:spPr>
+        <p:txBody>
+          <a:bodyPr>
+            <a:normAutofit/>
+          </a:bodyPr>
           <a:lstStyle/>
           <a:p>
-            <a:pPr lvl="0"/>
-            <a:r>
-              <a:rPr lang="en-US" dirty="0"/>
-              <a:t>YCSB helps to benchmark the database using workloads. There are six different core workload available in YCSB. Also we can create customized workload to run benchmark. Below are the few workload properties:</a:t>
-            </a:r>
-          </a:p>
-          <a:p>
-            <a:pPr lvl="0"/>
-            <a:endParaRPr lang="en-US" dirty="0"/>
-          </a:p>
-          <a:p>
-            <a:pPr lvl="0"/>
-            <a:r>
-              <a:rPr lang="en-US" dirty="0" err="1"/>
-              <a:t>readproportion</a:t>
-            </a:r>
-            <a:r>
-              <a:rPr lang="en-US" dirty="0"/>
-              <a:t>, </a:t>
-            </a:r>
-            <a:r>
-              <a:rPr lang="en-US" dirty="0" err="1"/>
-              <a:t>updateproportion,maxscanlength,exportfile,etc</a:t>
-            </a:r>
-            <a:r>
-              <a:rPr lang="en-US" dirty="0"/>
-              <a:t>.,</a:t>
-            </a:r>
-          </a:p>
-          <a:p>
+            <a:r>
+              <a:rPr lang="en-GB" dirty="0"/>
+              <a:t>We used a modified version of the Antidote Docker Image</a:t>
+            </a:r>
+          </a:p>
+          <a:p>
+            <a:pPr marL="285750" indent="-285750">
+              <a:buFont typeface="Wingdings" panose="05000000000000000000" pitchFamily="2" charset="2"/>
+              <a:buChar char="Ø"/>
+            </a:pPr>
             <a:endParaRPr lang="en-GB" dirty="0"/>
+          </a:p>
+          <a:p>
+            <a:pPr marL="285750" indent="-285750">
+              <a:buFont typeface="Wingdings" panose="05000000000000000000" pitchFamily="2" charset="2"/>
+              <a:buChar char="Ø"/>
+            </a:pPr>
+            <a:endParaRPr lang="en-GB" dirty="0"/>
+          </a:p>
+          <a:p>
+            <a:pPr marL="285750" indent="-285750">
+              <a:buFont typeface="Wingdings" panose="05000000000000000000" pitchFamily="2" charset="2"/>
+              <a:buChar char="Ø"/>
+            </a:pPr>
+            <a:r>
+              <a:rPr lang="en-GB" dirty="0"/>
+              <a:t>Benefits: Rebuilding Antidote inside the container takes only a few seconds</a:t>
+            </a:r>
+          </a:p>
+          <a:p>
+            <a:pPr marL="285750" indent="-285750">
+              <a:buFont typeface="Wingdings" panose="05000000000000000000" pitchFamily="2" charset="2"/>
+              <a:buChar char="Ø"/>
+            </a:pPr>
+            <a:endParaRPr lang="en-GB" dirty="0"/>
+          </a:p>
+          <a:p>
+            <a:pPr marL="285750" indent="-285750">
+              <a:buFont typeface="Wingdings" panose="05000000000000000000" pitchFamily="2" charset="2"/>
+              <a:buChar char="Ø"/>
+            </a:pPr>
+            <a:endParaRPr lang="en-GB" dirty="0"/>
+          </a:p>
+          <a:p>
+            <a:pPr marL="285750" indent="-285750">
+              <a:buFont typeface="Wingdings" panose="05000000000000000000" pitchFamily="2" charset="2"/>
+              <a:buChar char="Ø"/>
+            </a:pPr>
+            <a:r>
+              <a:rPr lang="en-GB" dirty="0"/>
+              <a:t>Problem: Antidote Dependencies may cause issues because our build is not clean!</a:t>
+            </a:r>
+          </a:p>
+          <a:p>
+            <a:pPr marL="285750" indent="-285750">
+              <a:buFont typeface="Wingdings" panose="05000000000000000000" pitchFamily="2" charset="2"/>
+              <a:buChar char="Ø"/>
+            </a:pPr>
+            <a:endParaRPr lang="en-GB" dirty="0"/>
+          </a:p>
+          <a:p>
+            <a:pPr marL="285750" indent="-285750">
+              <a:buFont typeface="Wingdings" panose="05000000000000000000" pitchFamily="2" charset="2"/>
+              <a:buChar char="Ø"/>
+            </a:pPr>
+            <a:endParaRPr lang="en-GB" dirty="0"/>
+          </a:p>
+          <a:p>
+            <a:pPr marL="285750" indent="-285750">
+              <a:buFont typeface="Wingdings" panose="05000000000000000000" pitchFamily="2" charset="2"/>
+              <a:buChar char="Ø"/>
+            </a:pPr>
+            <a:r>
+              <a:rPr lang="en-GB" dirty="0"/>
+              <a:t>Solution: Make sure that Antidote is in a valid state* and rebuild clean if necessary</a:t>
+            </a:r>
+          </a:p>
+          <a:p>
+            <a:endParaRPr lang="en-GB" dirty="0"/>
+          </a:p>
+          <a:p>
+            <a:r>
+              <a:rPr lang="en-GB" sz="1200" dirty="0"/>
+              <a:t>*not fully implemented yet  </a:t>
+            </a:r>
           </a:p>
         </p:txBody>
       </p:sp>
@@ -3836,7 +3900,7 @@
           <p:cNvPr id="3" name="Date Placeholder 2">
             <a:extLst>
               <a:ext uri="{FF2B5EF4-FFF2-40B4-BE49-F238E27FC236}">
-                <a16:creationId xmlns:a16="http://schemas.microsoft.com/office/drawing/2014/main" id="{332C01DB-1C21-49F2-B294-2634846223BC}"/>
+                <a16:creationId xmlns:a16="http://schemas.microsoft.com/office/drawing/2014/main" id="{C62BC312-27D7-4C9B-AA5B-BE16828B37B0}"/>
               </a:ext>
             </a:extLst>
           </p:cNvPr>
@@ -3865,7 +3929,7 @@
           <p:cNvPr id="4" name="Slide Number Placeholder 3">
             <a:extLst>
               <a:ext uri="{FF2B5EF4-FFF2-40B4-BE49-F238E27FC236}">
-                <a16:creationId xmlns:a16="http://schemas.microsoft.com/office/drawing/2014/main" id="{A65CB15D-74F1-45DC-A7FD-5C6610B30195}"/>
+                <a16:creationId xmlns:a16="http://schemas.microsoft.com/office/drawing/2014/main" id="{FDD79EA4-7569-4CF6-88A9-590271AE617C}"/>
               </a:ext>
             </a:extLst>
           </p:cNvPr>
@@ -3894,7 +3958,7 @@
           <p:cNvPr id="5" name="Title 4">
             <a:extLst>
               <a:ext uri="{FF2B5EF4-FFF2-40B4-BE49-F238E27FC236}">
-                <a16:creationId xmlns:a16="http://schemas.microsoft.com/office/drawing/2014/main" id="{3C0B74F9-2D29-4159-9538-1D2EAFE2A319}"/>
+                <a16:creationId xmlns:a16="http://schemas.microsoft.com/office/drawing/2014/main" id="{7A995DC8-A655-4DFD-B19A-6262BE6879CF}"/>
               </a:ext>
             </a:extLst>
           </p:cNvPr>
@@ -3905,24 +3969,22 @@
             <p:ph type="ctrTitle"/>
           </p:nvPr>
         </p:nvSpPr>
-        <p:spPr/>
+        <p:spPr>
+          <a:xfrm>
+            <a:off x="0" y="685957"/>
+            <a:ext cx="9143999" cy="853210"/>
+          </a:xfrm>
+        </p:spPr>
         <p:txBody>
           <a:bodyPr>
-            <a:normAutofit fontScale="90000"/>
+            <a:normAutofit/>
           </a:bodyPr>
           <a:lstStyle/>
           <a:p>
+            <a:pPr algn="ctr"/>
             <a:r>
               <a:rPr lang="de-DE" dirty="0"/>
-              <a:t>Benchmarking </a:t>
-            </a:r>
-            <a:r>
-              <a:rPr lang="de-DE" dirty="0" err="1"/>
-              <a:t>using</a:t>
-            </a:r>
-            <a:r>
-              <a:rPr lang="de-DE" dirty="0"/>
-              <a:t> YCSB (2/2)</a:t>
+              <a:t>Docker Manager (3/4)</a:t>
             </a:r>
             <a:endParaRPr lang="en-GB" dirty="0"/>
           </a:p>
@@ -3931,7 +3993,7 @@
     </p:spTree>
     <p:extLst>
       <p:ext uri="{BB962C8B-B14F-4D97-AF65-F5344CB8AC3E}">
-        <p14:creationId xmlns:p14="http://schemas.microsoft.com/office/powerpoint/2010/main" val="1491786639"/>
+        <p14:creationId xmlns:p14="http://schemas.microsoft.com/office/powerpoint/2010/main" val="3885052901"/>
       </p:ext>
     </p:extLst>
   </p:cSld>
@@ -3963,7 +4025,7 @@
           <p:cNvPr id="2" name="Subtitle 1">
             <a:extLst>
               <a:ext uri="{FF2B5EF4-FFF2-40B4-BE49-F238E27FC236}">
-                <a16:creationId xmlns:a16="http://schemas.microsoft.com/office/drawing/2014/main" id="{64CAD8B4-7A59-4A38-9057-4AC916D23596}"/>
+                <a16:creationId xmlns:a16="http://schemas.microsoft.com/office/drawing/2014/main" id="{69C70F9B-BE0A-46A3-B511-ED765C376E65}"/>
               </a:ext>
             </a:extLst>
           </p:cNvPr>
@@ -3974,176 +4036,90 @@
             <p:ph type="subTitle" idx="1"/>
           </p:nvPr>
         </p:nvSpPr>
-        <p:spPr/>
-        <p:txBody>
-          <a:bodyPr>
-            <a:noAutofit/>
-          </a:bodyPr>
+        <p:spPr>
+          <a:xfrm>
+            <a:off x="1642905" y="1551632"/>
+            <a:ext cx="7501094" cy="3135923"/>
+          </a:xfrm>
+        </p:spPr>
+        <p:txBody>
+          <a:bodyPr/>
           <a:lstStyle/>
           <a:p>
-            <a:pPr marL="285750" indent="-285750" algn="just">
-              <a:buFont typeface="Arial" panose="020B0604020202020204" pitchFamily="34" charset="0"/>
-              <a:buChar char="•"/>
+            <a:r>
+              <a:rPr lang="en-GB" dirty="0"/>
+              <a:t>Uses of the implementation</a:t>
+            </a:r>
+          </a:p>
+          <a:p>
+            <a:endParaRPr lang="en-GB" dirty="0"/>
+          </a:p>
+          <a:p>
+            <a:pPr marL="285750" indent="-285750">
+              <a:buFont typeface="Wingdings" panose="05000000000000000000" pitchFamily="2" charset="2"/>
+              <a:buChar char="Ø"/>
             </a:pPr>
             <a:r>
-              <a:rPr lang="en-GB" sz="1400" dirty="0"/>
-              <a:t>Interface between Antidote Database and any Benchmarking Tool</a:t>
-            </a:r>
-          </a:p>
-          <a:p>
-            <a:pPr algn="just"/>
-            <a:endParaRPr lang="en-GB" sz="1400" dirty="0"/>
-          </a:p>
-          <a:p>
-            <a:pPr marL="285750" indent="-285750" algn="just">
-              <a:buFont typeface="Arial" panose="020B0604020202020204" pitchFamily="34" charset="0"/>
-              <a:buChar char="•"/>
+              <a:rPr lang="en-GB" dirty="0"/>
+              <a:t>All basic interactions with containers (run, start, stop, remove)</a:t>
+            </a:r>
+          </a:p>
+          <a:p>
+            <a:pPr marL="285750" indent="-285750">
+              <a:buFont typeface="Wingdings" panose="05000000000000000000" pitchFamily="2" charset="2"/>
+              <a:buChar char="Ø"/>
             </a:pPr>
-            <a:r>
-              <a:rPr lang="en-GB" sz="1400" dirty="0"/>
-              <a:t>In the Antidote Client Wrapper</a:t>
-            </a:r>
-            <a:endParaRPr lang="de-DE" sz="1400" dirty="0"/>
-          </a:p>
-          <a:p>
-            <a:pPr marL="800100" lvl="1" indent="-342900" algn="just">
-              <a:buFont typeface="+mj-lt"/>
-              <a:buAutoNum type="arabicPeriod"/>
+            <a:endParaRPr lang="en-GB" dirty="0"/>
+          </a:p>
+          <a:p>
+            <a:pPr marL="285750" indent="-285750">
+              <a:buFont typeface="Wingdings" panose="05000000000000000000" pitchFamily="2" charset="2"/>
+              <a:buChar char="Ø"/>
             </a:pPr>
             <a:r>
-              <a:rPr lang="de-DE" sz="1400" b="0" dirty="0">
-                <a:solidFill>
-                  <a:schemeClr val="tx1"/>
-                </a:solidFill>
-              </a:rPr>
-              <a:t>Start </a:t>
-            </a:r>
-            <a:r>
-              <a:rPr lang="de-DE" sz="1400" b="0" dirty="0" err="1">
-                <a:solidFill>
-                  <a:schemeClr val="tx1"/>
-                </a:solidFill>
-              </a:rPr>
-              <a:t>the</a:t>
-            </a:r>
-            <a:r>
-              <a:rPr lang="de-DE" sz="1400" b="0" dirty="0">
-                <a:solidFill>
-                  <a:schemeClr val="tx1"/>
-                </a:solidFill>
-              </a:rPr>
-              <a:t> Container</a:t>
-            </a:r>
-          </a:p>
-          <a:p>
-            <a:pPr marL="800100" lvl="1" indent="-342900" algn="just">
-              <a:buFont typeface="+mj-lt"/>
-              <a:buAutoNum type="arabicPeriod"/>
+              <a:rPr lang="en-GB" dirty="0"/>
+              <a:t>Building our special Antidote Benchmark Image</a:t>
+            </a:r>
+          </a:p>
+          <a:p>
+            <a:pPr marL="285750" indent="-285750">
+              <a:buFont typeface="Wingdings" panose="05000000000000000000" pitchFamily="2" charset="2"/>
+              <a:buChar char="Ø"/>
             </a:pPr>
-            <a:r>
-              <a:rPr lang="de-DE" sz="1400" b="0" dirty="0" err="1">
-                <a:solidFill>
-                  <a:schemeClr val="tx1"/>
-                </a:solidFill>
-              </a:rPr>
-              <a:t>Get</a:t>
-            </a:r>
-            <a:r>
-              <a:rPr lang="de-DE" sz="1400" b="0" dirty="0">
-                <a:solidFill>
-                  <a:schemeClr val="tx1"/>
-                </a:solidFill>
-              </a:rPr>
-              <a:t> </a:t>
-            </a:r>
-            <a:r>
-              <a:rPr lang="de-DE" sz="1400" b="0" dirty="0" err="1">
-                <a:solidFill>
-                  <a:schemeClr val="tx1"/>
-                </a:solidFill>
-              </a:rPr>
-              <a:t>the</a:t>
-            </a:r>
-            <a:r>
-              <a:rPr lang="de-DE" sz="1400" b="0" dirty="0">
-                <a:solidFill>
-                  <a:schemeClr val="tx1"/>
-                </a:solidFill>
-              </a:rPr>
-              <a:t> </a:t>
-            </a:r>
-            <a:r>
-              <a:rPr lang="de-DE" sz="1400" b="0" dirty="0" err="1">
-                <a:solidFill>
-                  <a:schemeClr val="tx1"/>
-                </a:solidFill>
-              </a:rPr>
-              <a:t>HostPort</a:t>
-            </a:r>
-            <a:endParaRPr lang="de-DE" sz="1400" b="0" dirty="0">
-              <a:solidFill>
-                <a:schemeClr val="tx1"/>
-              </a:solidFill>
-            </a:endParaRPr>
-          </a:p>
-          <a:p>
-            <a:pPr marL="800100" lvl="1" indent="-342900" algn="just">
-              <a:buFont typeface="+mj-lt"/>
-              <a:buAutoNum type="arabicPeriod"/>
+            <a:endParaRPr lang="en-GB" dirty="0"/>
+          </a:p>
+          <a:p>
+            <a:pPr marL="285750" indent="-285750">
+              <a:buFont typeface="Wingdings" panose="05000000000000000000" pitchFamily="2" charset="2"/>
+              <a:buChar char="Ø"/>
             </a:pPr>
             <a:r>
-              <a:rPr lang="de-DE" sz="1400" b="0" dirty="0">
-                <a:solidFill>
-                  <a:schemeClr val="tx1"/>
-                </a:solidFill>
-              </a:rPr>
-              <a:t>Start </a:t>
-            </a:r>
-            <a:r>
-              <a:rPr lang="de-DE" sz="1400" b="0" dirty="0" err="1">
-                <a:solidFill>
-                  <a:schemeClr val="tx1"/>
-                </a:solidFill>
-              </a:rPr>
-              <a:t>the</a:t>
-            </a:r>
-            <a:r>
-              <a:rPr lang="de-DE" sz="1400" b="0" dirty="0">
-                <a:solidFill>
-                  <a:schemeClr val="tx1"/>
-                </a:solidFill>
-              </a:rPr>
-              <a:t> Antidote Client</a:t>
-            </a:r>
-          </a:p>
-          <a:p>
-            <a:pPr lvl="1" algn="just"/>
-            <a:endParaRPr lang="en-GB" sz="1400" b="0" dirty="0">
-              <a:solidFill>
-                <a:schemeClr val="tx1"/>
-              </a:solidFill>
-            </a:endParaRPr>
-          </a:p>
-          <a:p>
-            <a:pPr marL="285750" indent="-285750" algn="just">
-              <a:buFont typeface="Arial" panose="020B0604020202020204" pitchFamily="34" charset="0"/>
-              <a:buChar char="•"/>
+              <a:rPr lang="en-GB" dirty="0"/>
+              <a:t>Executing commands directly on the container (like rebuilding Antidote in the running container)</a:t>
+            </a:r>
+          </a:p>
+          <a:p>
+            <a:pPr marL="285750" indent="-285750">
+              <a:buFont typeface="Wingdings" panose="05000000000000000000" pitchFamily="2" charset="2"/>
+              <a:buChar char="Ø"/>
             </a:pPr>
-            <a:r>
-              <a:rPr lang="en-GB" sz="1400" dirty="0"/>
-              <a:t>Read and Write Operations</a:t>
-            </a:r>
-          </a:p>
-          <a:p>
-            <a:pPr algn="just"/>
-            <a:endParaRPr lang="en-GB" sz="1400" dirty="0"/>
-          </a:p>
-          <a:p>
-            <a:pPr marL="285750" indent="-285750" algn="just">
-              <a:buFont typeface="Arial" panose="020B0604020202020204" pitchFamily="34" charset="0"/>
-              <a:buChar char="•"/>
+            <a:endParaRPr lang="en-GB" dirty="0"/>
+          </a:p>
+          <a:p>
+            <a:pPr marL="285750" indent="-285750">
+              <a:buFont typeface="Wingdings" panose="05000000000000000000" pitchFamily="2" charset="2"/>
+              <a:buChar char="Ø"/>
             </a:pPr>
-            <a:endParaRPr lang="en-GB" sz="1400" dirty="0"/>
+            <a:r>
+              <a:rPr lang="en-GB" dirty="0"/>
+              <a:t>Ensuring that the Antidote database is in a valid state before running benchmarks</a:t>
+            </a:r>
+          </a:p>
+          <a:p>
+            <a:endParaRPr lang="en-GB" dirty="0"/>
+          </a:p>
+          <a:p>
+            <a:endParaRPr lang="en-GB" dirty="0"/>
           </a:p>
         </p:txBody>
       </p:sp>
@@ -4152,7 +4128,7 @@
           <p:cNvPr id="3" name="Date Placeholder 2">
             <a:extLst>
               <a:ext uri="{FF2B5EF4-FFF2-40B4-BE49-F238E27FC236}">
-                <a16:creationId xmlns:a16="http://schemas.microsoft.com/office/drawing/2014/main" id="{552D0E73-294C-49D6-922B-EB49D5435395}"/>
+                <a16:creationId xmlns:a16="http://schemas.microsoft.com/office/drawing/2014/main" id="{C62BC312-27D7-4C9B-AA5B-BE16828B37B0}"/>
               </a:ext>
             </a:extLst>
           </p:cNvPr>
@@ -4181,7 +4157,7 @@
           <p:cNvPr id="4" name="Slide Number Placeholder 3">
             <a:extLst>
               <a:ext uri="{FF2B5EF4-FFF2-40B4-BE49-F238E27FC236}">
-                <a16:creationId xmlns:a16="http://schemas.microsoft.com/office/drawing/2014/main" id="{CAB3C53D-CC94-45F7-9874-3C12F5ED0BB3}"/>
+                <a16:creationId xmlns:a16="http://schemas.microsoft.com/office/drawing/2014/main" id="{FDD79EA4-7569-4CF6-88A9-590271AE617C}"/>
               </a:ext>
             </a:extLst>
           </p:cNvPr>
@@ -4210,7 +4186,7 @@
           <p:cNvPr id="5" name="Title 4">
             <a:extLst>
               <a:ext uri="{FF2B5EF4-FFF2-40B4-BE49-F238E27FC236}">
-                <a16:creationId xmlns:a16="http://schemas.microsoft.com/office/drawing/2014/main" id="{28277C3F-4CEE-4B5F-A496-C5BDC543E412}"/>
+                <a16:creationId xmlns:a16="http://schemas.microsoft.com/office/drawing/2014/main" id="{7A995DC8-A655-4DFD-B19A-6262BE6879CF}"/>
               </a:ext>
             </a:extLst>
           </p:cNvPr>
@@ -4221,16 +4197,22 @@
             <p:ph type="ctrTitle"/>
           </p:nvPr>
         </p:nvSpPr>
-        <p:spPr/>
+        <p:spPr>
+          <a:xfrm>
+            <a:off x="0" y="685957"/>
+            <a:ext cx="9143999" cy="853210"/>
+          </a:xfrm>
+        </p:spPr>
         <p:txBody>
           <a:bodyPr>
             <a:normAutofit/>
           </a:bodyPr>
           <a:lstStyle/>
           <a:p>
+            <a:pPr algn="ctr"/>
             <a:r>
               <a:rPr lang="de-DE" dirty="0"/>
-              <a:t>Antidote Client Wrapper (1/2)</a:t>
+              <a:t>Docker Manager (4/4)</a:t>
             </a:r>
             <a:endParaRPr lang="en-GB" dirty="0"/>
           </a:p>
@@ -4239,7 +4221,7 @@
     </p:spTree>
     <p:extLst>
       <p:ext uri="{BB962C8B-B14F-4D97-AF65-F5344CB8AC3E}">
-        <p14:creationId xmlns:p14="http://schemas.microsoft.com/office/powerpoint/2010/main" val="3127103690"/>
+        <p14:creationId xmlns:p14="http://schemas.microsoft.com/office/powerpoint/2010/main" val="1783776304"/>
       </p:ext>
     </p:extLst>
   </p:cSld>
@@ -4271,6 +4253,697 @@
           <p:cNvPr id="2" name="Subtitle 1">
             <a:extLst>
               <a:ext uri="{FF2B5EF4-FFF2-40B4-BE49-F238E27FC236}">
+                <a16:creationId xmlns:a16="http://schemas.microsoft.com/office/drawing/2014/main" id="{D8123F8E-6D24-430D-A62C-5E8F618227C0}"/>
+              </a:ext>
+            </a:extLst>
+          </p:cNvPr>
+          <p:cNvSpPr>
+            <a:spLocks noGrp="1"/>
+          </p:cNvSpPr>
+          <p:nvPr>
+            <p:ph type="subTitle" idx="1"/>
+          </p:nvPr>
+        </p:nvSpPr>
+        <p:spPr/>
+        <p:txBody>
+          <a:bodyPr>
+            <a:normAutofit fontScale="92500" lnSpcReduction="10000"/>
+          </a:bodyPr>
+          <a:lstStyle/>
+          <a:p>
+            <a:r>
+              <a:rPr lang="en-US" b="1" dirty="0"/>
+              <a:t>What is YCSB?</a:t>
+            </a:r>
+          </a:p>
+          <a:p>
+            <a:endParaRPr lang="en-US" b="1" dirty="0"/>
+          </a:p>
+          <a:p>
+            <a:r>
+              <a:rPr lang="en-US" dirty="0"/>
+              <a:t>YCSB – Yahoo! Cloud Serving Benchmark</a:t>
+            </a:r>
+          </a:p>
+          <a:p>
+            <a:endParaRPr lang="en-US" dirty="0"/>
+          </a:p>
+          <a:p>
+            <a:r>
+              <a:rPr lang="en-US" dirty="0"/>
+              <a:t>YCSB is a framework for bench-marking systems. The primary goal of YCSB is to develop framework and common set of workloads to evaluate the different ‘Key – value’ and ‘Could’ serving stores.</a:t>
+            </a:r>
+          </a:p>
+          <a:p>
+            <a:endParaRPr lang="en-US" dirty="0"/>
+          </a:p>
+          <a:p>
+            <a:r>
+              <a:rPr lang="en-US" dirty="0"/>
+              <a:t>YCSB mainly benchmarks the throughput and latency of the database operation.</a:t>
+            </a:r>
+          </a:p>
+          <a:p>
+            <a:endParaRPr lang="en-US" dirty="0"/>
+          </a:p>
+          <a:p>
+            <a:r>
+              <a:rPr lang="en-US" dirty="0"/>
+              <a:t>We have to create the DB interface layer to add any new database. This interface layer will have few operations(Insert, delete, </a:t>
+            </a:r>
+            <a:r>
+              <a:rPr lang="en-US" dirty="0" err="1"/>
+              <a:t>update,scan</a:t>
+            </a:r>
+            <a:r>
+              <a:rPr lang="en-US" dirty="0"/>
+              <a:t>) available in YCSB.</a:t>
+            </a:r>
+          </a:p>
+        </p:txBody>
+      </p:sp>
+      <p:sp>
+        <p:nvSpPr>
+          <p:cNvPr id="3" name="Date Placeholder 2">
+            <a:extLst>
+              <a:ext uri="{FF2B5EF4-FFF2-40B4-BE49-F238E27FC236}">
+                <a16:creationId xmlns:a16="http://schemas.microsoft.com/office/drawing/2014/main" id="{542C8D2B-0DF3-4F3A-85FD-59E45C84AFFB}"/>
+              </a:ext>
+            </a:extLst>
+          </p:cNvPr>
+          <p:cNvSpPr>
+            <a:spLocks noGrp="1"/>
+          </p:cNvSpPr>
+          <p:nvPr>
+            <p:ph type="dt" sz="half" idx="10"/>
+          </p:nvPr>
+        </p:nvSpPr>
+        <p:spPr/>
+        <p:txBody>
+          <a:bodyPr/>
+          <a:lstStyle/>
+          <a:p>
+            <a:r>
+              <a:rPr lang="en-US"/>
+              <a:t>06.03.2018</a:t>
+            </a:r>
+            <a:endParaRPr lang="de-DE"/>
+          </a:p>
+        </p:txBody>
+      </p:sp>
+      <p:sp>
+        <p:nvSpPr>
+          <p:cNvPr id="4" name="Slide Number Placeholder 3">
+            <a:extLst>
+              <a:ext uri="{FF2B5EF4-FFF2-40B4-BE49-F238E27FC236}">
+                <a16:creationId xmlns:a16="http://schemas.microsoft.com/office/drawing/2014/main" id="{65D2A83F-332E-4B00-97F8-032DFF062BA4}"/>
+              </a:ext>
+            </a:extLst>
+          </p:cNvPr>
+          <p:cNvSpPr>
+            <a:spLocks noGrp="1"/>
+          </p:cNvSpPr>
+          <p:nvPr>
+            <p:ph type="sldNum" sz="quarter" idx="12"/>
+          </p:nvPr>
+        </p:nvSpPr>
+        <p:spPr/>
+        <p:txBody>
+          <a:bodyPr/>
+          <a:lstStyle/>
+          <a:p>
+            <a:fld id="{8271DC61-FD4F-6F42-810D-876D2F91EC3B}" type="slidenum">
+              <a:rPr lang="de-DE" smtClean="0"/>
+              <a:t>12</a:t>
+            </a:fld>
+            <a:endParaRPr lang="de-DE"/>
+          </a:p>
+        </p:txBody>
+      </p:sp>
+      <p:sp>
+        <p:nvSpPr>
+          <p:cNvPr id="5" name="Title 4">
+            <a:extLst>
+              <a:ext uri="{FF2B5EF4-FFF2-40B4-BE49-F238E27FC236}">
+                <a16:creationId xmlns:a16="http://schemas.microsoft.com/office/drawing/2014/main" id="{C19E49C0-2BCB-4461-8360-857C24861F20}"/>
+              </a:ext>
+            </a:extLst>
+          </p:cNvPr>
+          <p:cNvSpPr>
+            <a:spLocks noGrp="1"/>
+          </p:cNvSpPr>
+          <p:nvPr>
+            <p:ph type="ctrTitle"/>
+          </p:nvPr>
+        </p:nvSpPr>
+        <p:spPr/>
+        <p:txBody>
+          <a:bodyPr>
+            <a:normAutofit fontScale="90000"/>
+          </a:bodyPr>
+          <a:lstStyle/>
+          <a:p>
+            <a:r>
+              <a:rPr lang="de-DE" dirty="0"/>
+              <a:t>Benchmarking </a:t>
+            </a:r>
+            <a:r>
+              <a:rPr lang="de-DE" dirty="0" err="1"/>
+              <a:t>using</a:t>
+            </a:r>
+            <a:r>
+              <a:rPr lang="de-DE" dirty="0"/>
+              <a:t> YCSB (1/2)</a:t>
+            </a:r>
+            <a:endParaRPr lang="en-GB" dirty="0"/>
+          </a:p>
+        </p:txBody>
+      </p:sp>
+    </p:spTree>
+    <p:extLst>
+      <p:ext uri="{BB962C8B-B14F-4D97-AF65-F5344CB8AC3E}">
+        <p14:creationId xmlns:p14="http://schemas.microsoft.com/office/powerpoint/2010/main" val="4016305660"/>
+      </p:ext>
+    </p:extLst>
+  </p:cSld>
+  <p:clrMapOvr>
+    <a:masterClrMapping/>
+  </p:clrMapOvr>
+</p:sld>
+</file>
+
+<file path=ppt/slides/slide13.xml><?xml version="1.0" encoding="utf-8"?>
+<p:sld xmlns:a="http://schemas.openxmlformats.org/drawingml/2006/main" xmlns:r="http://schemas.openxmlformats.org/officeDocument/2006/relationships" xmlns:p="http://schemas.openxmlformats.org/presentationml/2006/main">
+  <p:cSld>
+    <p:spTree>
+      <p:nvGrpSpPr>
+        <p:cNvPr id="1" name=""/>
+        <p:cNvGrpSpPr/>
+        <p:nvPr/>
+      </p:nvGrpSpPr>
+      <p:grpSpPr>
+        <a:xfrm>
+          <a:off x="0" y="0"/>
+          <a:ext cx="0" cy="0"/>
+          <a:chOff x="0" y="0"/>
+          <a:chExt cx="0" cy="0"/>
+        </a:xfrm>
+      </p:grpSpPr>
+      <p:sp>
+        <p:nvSpPr>
+          <p:cNvPr id="2" name="Subtitle 1">
+            <a:extLst>
+              <a:ext uri="{FF2B5EF4-FFF2-40B4-BE49-F238E27FC236}">
+                <a16:creationId xmlns:a16="http://schemas.microsoft.com/office/drawing/2014/main" id="{FB098B44-46A9-438B-9B0A-6B52AC43FF8F}"/>
+              </a:ext>
+            </a:extLst>
+          </p:cNvPr>
+          <p:cNvSpPr>
+            <a:spLocks noGrp="1"/>
+          </p:cNvSpPr>
+          <p:nvPr>
+            <p:ph type="subTitle" idx="1"/>
+          </p:nvPr>
+        </p:nvSpPr>
+        <p:spPr/>
+        <p:txBody>
+          <a:bodyPr/>
+          <a:lstStyle/>
+          <a:p>
+            <a:pPr lvl="0"/>
+            <a:r>
+              <a:rPr lang="en-US" dirty="0"/>
+              <a:t>YCSB helps to benchmark the database using workloads. There are six different core workload available in YCSB. Also we can create customized workload to run benchmark. Below are the few workload properties:</a:t>
+            </a:r>
+          </a:p>
+          <a:p>
+            <a:pPr lvl="0"/>
+            <a:endParaRPr lang="en-US" dirty="0"/>
+          </a:p>
+          <a:p>
+            <a:pPr lvl="0"/>
+            <a:r>
+              <a:rPr lang="en-US" dirty="0" err="1"/>
+              <a:t>readproportion</a:t>
+            </a:r>
+            <a:r>
+              <a:rPr lang="en-US" dirty="0"/>
+              <a:t>, </a:t>
+            </a:r>
+            <a:r>
+              <a:rPr lang="en-US" dirty="0" err="1"/>
+              <a:t>updateproportion,maxscanlength,exportfile,etc</a:t>
+            </a:r>
+            <a:r>
+              <a:rPr lang="en-US" dirty="0"/>
+              <a:t>.,</a:t>
+            </a:r>
+          </a:p>
+          <a:p>
+            <a:endParaRPr lang="en-GB" dirty="0"/>
+          </a:p>
+        </p:txBody>
+      </p:sp>
+      <p:sp>
+        <p:nvSpPr>
+          <p:cNvPr id="3" name="Date Placeholder 2">
+            <a:extLst>
+              <a:ext uri="{FF2B5EF4-FFF2-40B4-BE49-F238E27FC236}">
+                <a16:creationId xmlns:a16="http://schemas.microsoft.com/office/drawing/2014/main" id="{332C01DB-1C21-49F2-B294-2634846223BC}"/>
+              </a:ext>
+            </a:extLst>
+          </p:cNvPr>
+          <p:cNvSpPr>
+            <a:spLocks noGrp="1"/>
+          </p:cNvSpPr>
+          <p:nvPr>
+            <p:ph type="dt" sz="half" idx="10"/>
+          </p:nvPr>
+        </p:nvSpPr>
+        <p:spPr/>
+        <p:txBody>
+          <a:bodyPr/>
+          <a:lstStyle/>
+          <a:p>
+            <a:r>
+              <a:rPr lang="en-US"/>
+              <a:t>06.03.2018</a:t>
+            </a:r>
+            <a:endParaRPr lang="de-DE"/>
+          </a:p>
+        </p:txBody>
+      </p:sp>
+      <p:sp>
+        <p:nvSpPr>
+          <p:cNvPr id="4" name="Slide Number Placeholder 3">
+            <a:extLst>
+              <a:ext uri="{FF2B5EF4-FFF2-40B4-BE49-F238E27FC236}">
+                <a16:creationId xmlns:a16="http://schemas.microsoft.com/office/drawing/2014/main" id="{A65CB15D-74F1-45DC-A7FD-5C6610B30195}"/>
+              </a:ext>
+            </a:extLst>
+          </p:cNvPr>
+          <p:cNvSpPr>
+            <a:spLocks noGrp="1"/>
+          </p:cNvSpPr>
+          <p:nvPr>
+            <p:ph type="sldNum" sz="quarter" idx="12"/>
+          </p:nvPr>
+        </p:nvSpPr>
+        <p:spPr/>
+        <p:txBody>
+          <a:bodyPr/>
+          <a:lstStyle/>
+          <a:p>
+            <a:fld id="{8271DC61-FD4F-6F42-810D-876D2F91EC3B}" type="slidenum">
+              <a:rPr lang="de-DE" smtClean="0"/>
+              <a:t>13</a:t>
+            </a:fld>
+            <a:endParaRPr lang="de-DE"/>
+          </a:p>
+        </p:txBody>
+      </p:sp>
+      <p:sp>
+        <p:nvSpPr>
+          <p:cNvPr id="5" name="Title 4">
+            <a:extLst>
+              <a:ext uri="{FF2B5EF4-FFF2-40B4-BE49-F238E27FC236}">
+                <a16:creationId xmlns:a16="http://schemas.microsoft.com/office/drawing/2014/main" id="{3C0B74F9-2D29-4159-9538-1D2EAFE2A319}"/>
+              </a:ext>
+            </a:extLst>
+          </p:cNvPr>
+          <p:cNvSpPr>
+            <a:spLocks noGrp="1"/>
+          </p:cNvSpPr>
+          <p:nvPr>
+            <p:ph type="ctrTitle"/>
+          </p:nvPr>
+        </p:nvSpPr>
+        <p:spPr/>
+        <p:txBody>
+          <a:bodyPr>
+            <a:normAutofit fontScale="90000"/>
+          </a:bodyPr>
+          <a:lstStyle/>
+          <a:p>
+            <a:r>
+              <a:rPr lang="de-DE" dirty="0"/>
+              <a:t>Benchmarking </a:t>
+            </a:r>
+            <a:r>
+              <a:rPr lang="de-DE" dirty="0" err="1"/>
+              <a:t>using</a:t>
+            </a:r>
+            <a:r>
+              <a:rPr lang="de-DE" dirty="0"/>
+              <a:t> YCSB (2/2)</a:t>
+            </a:r>
+            <a:endParaRPr lang="en-GB" dirty="0"/>
+          </a:p>
+        </p:txBody>
+      </p:sp>
+    </p:spTree>
+    <p:extLst>
+      <p:ext uri="{BB962C8B-B14F-4D97-AF65-F5344CB8AC3E}">
+        <p14:creationId xmlns:p14="http://schemas.microsoft.com/office/powerpoint/2010/main" val="1491786639"/>
+      </p:ext>
+    </p:extLst>
+  </p:cSld>
+  <p:clrMapOvr>
+    <a:masterClrMapping/>
+  </p:clrMapOvr>
+</p:sld>
+</file>
+
+<file path=ppt/slides/slide14.xml><?xml version="1.0" encoding="utf-8"?>
+<p:sld xmlns:a="http://schemas.openxmlformats.org/drawingml/2006/main" xmlns:r="http://schemas.openxmlformats.org/officeDocument/2006/relationships" xmlns:p="http://schemas.openxmlformats.org/presentationml/2006/main">
+  <p:cSld>
+    <p:spTree>
+      <p:nvGrpSpPr>
+        <p:cNvPr id="1" name=""/>
+        <p:cNvGrpSpPr/>
+        <p:nvPr/>
+      </p:nvGrpSpPr>
+      <p:grpSpPr>
+        <a:xfrm>
+          <a:off x="0" y="0"/>
+          <a:ext cx="0" cy="0"/>
+          <a:chOff x="0" y="0"/>
+          <a:chExt cx="0" cy="0"/>
+        </a:xfrm>
+      </p:grpSpPr>
+      <p:sp>
+        <p:nvSpPr>
+          <p:cNvPr id="2" name="Subtitle 1">
+            <a:extLst>
+              <a:ext uri="{FF2B5EF4-FFF2-40B4-BE49-F238E27FC236}">
+                <a16:creationId xmlns:a16="http://schemas.microsoft.com/office/drawing/2014/main" id="{64CAD8B4-7A59-4A38-9057-4AC916D23596}"/>
+              </a:ext>
+            </a:extLst>
+          </p:cNvPr>
+          <p:cNvSpPr>
+            <a:spLocks noGrp="1"/>
+          </p:cNvSpPr>
+          <p:nvPr>
+            <p:ph type="subTitle" idx="1"/>
+          </p:nvPr>
+        </p:nvSpPr>
+        <p:spPr/>
+        <p:txBody>
+          <a:bodyPr>
+            <a:noAutofit/>
+          </a:bodyPr>
+          <a:lstStyle/>
+          <a:p>
+            <a:pPr marL="285750" indent="-285750" algn="just">
+              <a:buFont typeface="Arial" panose="020B0604020202020204" pitchFamily="34" charset="0"/>
+              <a:buChar char="•"/>
+            </a:pPr>
+            <a:r>
+              <a:rPr lang="en-GB" sz="1400" dirty="0"/>
+              <a:t>Interface between Antidote Database and any Benchmarking Tool</a:t>
+            </a:r>
+          </a:p>
+          <a:p>
+            <a:pPr algn="just"/>
+            <a:endParaRPr lang="en-GB" sz="1400" dirty="0"/>
+          </a:p>
+          <a:p>
+            <a:pPr marL="285750" indent="-285750" algn="just">
+              <a:buFont typeface="Arial" panose="020B0604020202020204" pitchFamily="34" charset="0"/>
+              <a:buChar char="•"/>
+            </a:pPr>
+            <a:r>
+              <a:rPr lang="en-GB" sz="1400" dirty="0"/>
+              <a:t>In the Antidote Client Wrapper</a:t>
+            </a:r>
+            <a:endParaRPr lang="de-DE" sz="1400" dirty="0"/>
+          </a:p>
+          <a:p>
+            <a:pPr marL="800100" lvl="1" indent="-342900" algn="just">
+              <a:buFont typeface="+mj-lt"/>
+              <a:buAutoNum type="arabicPeriod"/>
+            </a:pPr>
+            <a:r>
+              <a:rPr lang="de-DE" sz="1400" b="0" dirty="0">
+                <a:solidFill>
+                  <a:schemeClr val="tx1"/>
+                </a:solidFill>
+              </a:rPr>
+              <a:t>Start </a:t>
+            </a:r>
+            <a:r>
+              <a:rPr lang="de-DE" sz="1400" b="0" dirty="0" err="1">
+                <a:solidFill>
+                  <a:schemeClr val="tx1"/>
+                </a:solidFill>
+              </a:rPr>
+              <a:t>the</a:t>
+            </a:r>
+            <a:r>
+              <a:rPr lang="de-DE" sz="1400" b="0" dirty="0">
+                <a:solidFill>
+                  <a:schemeClr val="tx1"/>
+                </a:solidFill>
+              </a:rPr>
+              <a:t> Container</a:t>
+            </a:r>
+          </a:p>
+          <a:p>
+            <a:pPr marL="800100" lvl="1" indent="-342900" algn="just">
+              <a:buFont typeface="+mj-lt"/>
+              <a:buAutoNum type="arabicPeriod"/>
+            </a:pPr>
+            <a:r>
+              <a:rPr lang="de-DE" sz="1400" b="0" dirty="0" err="1">
+                <a:solidFill>
+                  <a:schemeClr val="tx1"/>
+                </a:solidFill>
+              </a:rPr>
+              <a:t>Get</a:t>
+            </a:r>
+            <a:r>
+              <a:rPr lang="de-DE" sz="1400" b="0" dirty="0">
+                <a:solidFill>
+                  <a:schemeClr val="tx1"/>
+                </a:solidFill>
+              </a:rPr>
+              <a:t> </a:t>
+            </a:r>
+            <a:r>
+              <a:rPr lang="de-DE" sz="1400" b="0" dirty="0" err="1">
+                <a:solidFill>
+                  <a:schemeClr val="tx1"/>
+                </a:solidFill>
+              </a:rPr>
+              <a:t>the</a:t>
+            </a:r>
+            <a:r>
+              <a:rPr lang="de-DE" sz="1400" b="0" dirty="0">
+                <a:solidFill>
+                  <a:schemeClr val="tx1"/>
+                </a:solidFill>
+              </a:rPr>
+              <a:t> </a:t>
+            </a:r>
+            <a:r>
+              <a:rPr lang="de-DE" sz="1400" b="0" dirty="0" err="1">
+                <a:solidFill>
+                  <a:schemeClr val="tx1"/>
+                </a:solidFill>
+              </a:rPr>
+              <a:t>HostPort</a:t>
+            </a:r>
+            <a:endParaRPr lang="de-DE" sz="1400" b="0" dirty="0">
+              <a:solidFill>
+                <a:schemeClr val="tx1"/>
+              </a:solidFill>
+            </a:endParaRPr>
+          </a:p>
+          <a:p>
+            <a:pPr marL="800100" lvl="1" indent="-342900" algn="just">
+              <a:buFont typeface="+mj-lt"/>
+              <a:buAutoNum type="arabicPeriod"/>
+            </a:pPr>
+            <a:r>
+              <a:rPr lang="de-DE" sz="1400" b="0" dirty="0">
+                <a:solidFill>
+                  <a:schemeClr val="tx1"/>
+                </a:solidFill>
+              </a:rPr>
+              <a:t>Start </a:t>
+            </a:r>
+            <a:r>
+              <a:rPr lang="de-DE" sz="1400" b="0" dirty="0" err="1">
+                <a:solidFill>
+                  <a:schemeClr val="tx1"/>
+                </a:solidFill>
+              </a:rPr>
+              <a:t>the</a:t>
+            </a:r>
+            <a:r>
+              <a:rPr lang="de-DE" sz="1400" b="0" dirty="0">
+                <a:solidFill>
+                  <a:schemeClr val="tx1"/>
+                </a:solidFill>
+              </a:rPr>
+              <a:t> Antidote Client</a:t>
+            </a:r>
+          </a:p>
+          <a:p>
+            <a:pPr lvl="1" algn="just"/>
+            <a:endParaRPr lang="en-GB" sz="1400" b="0" dirty="0">
+              <a:solidFill>
+                <a:schemeClr val="tx1"/>
+              </a:solidFill>
+            </a:endParaRPr>
+          </a:p>
+          <a:p>
+            <a:pPr marL="285750" indent="-285750" algn="just">
+              <a:buFont typeface="Arial" panose="020B0604020202020204" pitchFamily="34" charset="0"/>
+              <a:buChar char="•"/>
+            </a:pPr>
+            <a:r>
+              <a:rPr lang="en-GB" sz="1400" dirty="0"/>
+              <a:t>Read and Write Operations</a:t>
+            </a:r>
+          </a:p>
+          <a:p>
+            <a:pPr algn="just"/>
+            <a:endParaRPr lang="en-GB" sz="1400" dirty="0"/>
+          </a:p>
+          <a:p>
+            <a:pPr marL="285750" indent="-285750" algn="just">
+              <a:buFont typeface="Arial" panose="020B0604020202020204" pitchFamily="34" charset="0"/>
+              <a:buChar char="•"/>
+            </a:pPr>
+            <a:endParaRPr lang="en-GB" sz="1400" dirty="0"/>
+          </a:p>
+        </p:txBody>
+      </p:sp>
+      <p:sp>
+        <p:nvSpPr>
+          <p:cNvPr id="3" name="Date Placeholder 2">
+            <a:extLst>
+              <a:ext uri="{FF2B5EF4-FFF2-40B4-BE49-F238E27FC236}">
+                <a16:creationId xmlns:a16="http://schemas.microsoft.com/office/drawing/2014/main" id="{552D0E73-294C-49D6-922B-EB49D5435395}"/>
+              </a:ext>
+            </a:extLst>
+          </p:cNvPr>
+          <p:cNvSpPr>
+            <a:spLocks noGrp="1"/>
+          </p:cNvSpPr>
+          <p:nvPr>
+            <p:ph type="dt" sz="half" idx="10"/>
+          </p:nvPr>
+        </p:nvSpPr>
+        <p:spPr/>
+        <p:txBody>
+          <a:bodyPr/>
+          <a:lstStyle/>
+          <a:p>
+            <a:r>
+              <a:rPr lang="en-US"/>
+              <a:t>06.03.2018</a:t>
+            </a:r>
+            <a:endParaRPr lang="de-DE"/>
+          </a:p>
+        </p:txBody>
+      </p:sp>
+      <p:sp>
+        <p:nvSpPr>
+          <p:cNvPr id="4" name="Slide Number Placeholder 3">
+            <a:extLst>
+              <a:ext uri="{FF2B5EF4-FFF2-40B4-BE49-F238E27FC236}">
+                <a16:creationId xmlns:a16="http://schemas.microsoft.com/office/drawing/2014/main" id="{CAB3C53D-CC94-45F7-9874-3C12F5ED0BB3}"/>
+              </a:ext>
+            </a:extLst>
+          </p:cNvPr>
+          <p:cNvSpPr>
+            <a:spLocks noGrp="1"/>
+          </p:cNvSpPr>
+          <p:nvPr>
+            <p:ph type="sldNum" sz="quarter" idx="12"/>
+          </p:nvPr>
+        </p:nvSpPr>
+        <p:spPr/>
+        <p:txBody>
+          <a:bodyPr/>
+          <a:lstStyle/>
+          <a:p>
+            <a:fld id="{8271DC61-FD4F-6F42-810D-876D2F91EC3B}" type="slidenum">
+              <a:rPr lang="de-DE" smtClean="0"/>
+              <a:t>14</a:t>
+            </a:fld>
+            <a:endParaRPr lang="de-DE"/>
+          </a:p>
+        </p:txBody>
+      </p:sp>
+      <p:sp>
+        <p:nvSpPr>
+          <p:cNvPr id="5" name="Title 4">
+            <a:extLst>
+              <a:ext uri="{FF2B5EF4-FFF2-40B4-BE49-F238E27FC236}">
+                <a16:creationId xmlns:a16="http://schemas.microsoft.com/office/drawing/2014/main" id="{28277C3F-4CEE-4B5F-A496-C5BDC543E412}"/>
+              </a:ext>
+            </a:extLst>
+          </p:cNvPr>
+          <p:cNvSpPr>
+            <a:spLocks noGrp="1"/>
+          </p:cNvSpPr>
+          <p:nvPr>
+            <p:ph type="ctrTitle"/>
+          </p:nvPr>
+        </p:nvSpPr>
+        <p:spPr/>
+        <p:txBody>
+          <a:bodyPr>
+            <a:normAutofit/>
+          </a:bodyPr>
+          <a:lstStyle/>
+          <a:p>
+            <a:r>
+              <a:rPr lang="de-DE" dirty="0"/>
+              <a:t>Antidote Client Wrapper (1/2)</a:t>
+            </a:r>
+            <a:endParaRPr lang="en-GB" dirty="0"/>
+          </a:p>
+        </p:txBody>
+      </p:sp>
+    </p:spTree>
+    <p:extLst>
+      <p:ext uri="{BB962C8B-B14F-4D97-AF65-F5344CB8AC3E}">
+        <p14:creationId xmlns:p14="http://schemas.microsoft.com/office/powerpoint/2010/main" val="3127103690"/>
+      </p:ext>
+    </p:extLst>
+  </p:cSld>
+  <p:clrMapOvr>
+    <a:masterClrMapping/>
+  </p:clrMapOvr>
+</p:sld>
+</file>
+
+<file path=ppt/slides/slide15.xml><?xml version="1.0" encoding="utf-8"?>
+<p:sld xmlns:a="http://schemas.openxmlformats.org/drawingml/2006/main" xmlns:r="http://schemas.openxmlformats.org/officeDocument/2006/relationships" xmlns:p="http://schemas.openxmlformats.org/presentationml/2006/main">
+  <p:cSld>
+    <p:spTree>
+      <p:nvGrpSpPr>
+        <p:cNvPr id="1" name=""/>
+        <p:cNvGrpSpPr/>
+        <p:nvPr/>
+      </p:nvGrpSpPr>
+      <p:grpSpPr>
+        <a:xfrm>
+          <a:off x="0" y="0"/>
+          <a:ext cx="0" cy="0"/>
+          <a:chOff x="0" y="0"/>
+          <a:chExt cx="0" cy="0"/>
+        </a:xfrm>
+      </p:grpSpPr>
+      <p:sp>
+        <p:nvSpPr>
+          <p:cNvPr id="2" name="Subtitle 1">
+            <a:extLst>
+              <a:ext uri="{FF2B5EF4-FFF2-40B4-BE49-F238E27FC236}">
                 <a16:creationId xmlns:a16="http://schemas.microsoft.com/office/drawing/2014/main" id="{BD2BC735-4E05-46BE-AA6A-17F59E903933}"/>
               </a:ext>
             </a:extLst>
@@ -4447,7 +5120,7 @@
           <a:p>
             <a:fld id="{8271DC61-FD4F-6F42-810D-876D2F91EC3B}" type="slidenum">
               <a:rPr lang="de-DE" smtClean="0"/>
-              <a:t>12</a:t>
+              <a:t>15</a:t>
             </a:fld>
             <a:endParaRPr lang="de-DE"/>
           </a:p>
@@ -5444,7 +6117,7 @@
 </p:sld>
 </file>
 
-<file path=ppt/slides/slide13.xml><?xml version="1.0" encoding="utf-8"?>
+<file path=ppt/slides/slide16.xml><?xml version="1.0" encoding="utf-8"?>
 <p:sld xmlns:a="http://schemas.openxmlformats.org/drawingml/2006/main" xmlns:r="http://schemas.openxmlformats.org/officeDocument/2006/relationships" xmlns:p="http://schemas.openxmlformats.org/presentationml/2006/main">
   <p:cSld>
     <p:spTree>
@@ -5484,6 +6157,19 @@
           </a:bodyPr>
           <a:lstStyle/>
           <a:p>
+            <a:r>
+              <a:rPr lang="en-US" dirty="0" err="1"/>
+              <a:t>JFreeChart</a:t>
+            </a:r>
+            <a:r>
+              <a:rPr lang="en-US" dirty="0"/>
+              <a:t> for the Visualization of Results</a:t>
+            </a:r>
+          </a:p>
+          <a:p>
+            <a:endParaRPr lang="en-US" dirty="0"/>
+          </a:p>
+          <a:p>
             <a:endParaRPr lang="en-US" dirty="0"/>
           </a:p>
         </p:txBody>
@@ -5540,7 +6226,7 @@
           <a:p>
             <a:fld id="{8271DC61-FD4F-6F42-810D-876D2F91EC3B}" type="slidenum">
               <a:rPr lang="de-DE" smtClean="0"/>
-              <a:t>13</a:t>
+              <a:t>16</a:t>
             </a:fld>
             <a:endParaRPr lang="de-DE"/>
           </a:p>
@@ -5641,8 +6327,8 @@
         </p:nvSpPr>
         <p:spPr>
           <a:xfrm>
-            <a:off x="1998828" y="1551633"/>
-            <a:ext cx="6687972" cy="2191378"/>
+            <a:off x="1998828" y="1551632"/>
+            <a:ext cx="6687972" cy="2566632"/>
           </a:xfrm>
         </p:spPr>
         <p:txBody>
@@ -5741,106 +6427,7 @@
               <a:buFont typeface="Arial" panose="020B0604020202020204" pitchFamily="34" charset="0"/>
               <a:buChar char="•"/>
             </a:pPr>
-            <a:r>
-              <a:rPr lang="de-DE" dirty="0"/>
-              <a:t>Work – </a:t>
-            </a:r>
-            <a:r>
-              <a:rPr lang="de-DE" dirty="0" err="1"/>
-              <a:t>load</a:t>
-            </a:r>
-            <a:r>
-              <a:rPr lang="de-DE" dirty="0"/>
-              <a:t> </a:t>
-            </a:r>
-            <a:r>
-              <a:rPr lang="de-DE" dirty="0" err="1"/>
-              <a:t>generated</a:t>
-            </a:r>
-            <a:r>
-              <a:rPr lang="de-DE" dirty="0"/>
-              <a:t> </a:t>
-            </a:r>
-            <a:r>
-              <a:rPr lang="de-DE" dirty="0" err="1"/>
-              <a:t>should</a:t>
-            </a:r>
-            <a:r>
-              <a:rPr lang="de-DE" dirty="0"/>
-              <a:t> </a:t>
-            </a:r>
-            <a:r>
-              <a:rPr lang="de-DE" dirty="0" err="1"/>
-              <a:t>be</a:t>
-            </a:r>
-            <a:r>
-              <a:rPr lang="de-DE" dirty="0"/>
-              <a:t> </a:t>
-            </a:r>
-            <a:r>
-              <a:rPr lang="de-DE" dirty="0" err="1"/>
-              <a:t>suitable</a:t>
-            </a:r>
-            <a:r>
-              <a:rPr lang="de-DE" dirty="0"/>
-              <a:t> </a:t>
-            </a:r>
-            <a:r>
-              <a:rPr lang="de-DE" dirty="0" err="1"/>
-              <a:t>to</a:t>
-            </a:r>
-            <a:r>
-              <a:rPr lang="de-DE" dirty="0"/>
-              <a:t> </a:t>
-            </a:r>
-            <a:r>
-              <a:rPr lang="de-DE" dirty="0" err="1"/>
-              <a:t>compare</a:t>
-            </a:r>
-            <a:r>
-              <a:rPr lang="de-DE" dirty="0"/>
-              <a:t> </a:t>
-            </a:r>
-            <a:r>
-              <a:rPr lang="de-DE" dirty="0" err="1"/>
-              <a:t>the</a:t>
-            </a:r>
-            <a:r>
-              <a:rPr lang="de-DE" dirty="0"/>
-              <a:t> </a:t>
-            </a:r>
-            <a:r>
-              <a:rPr lang="de-DE" dirty="0" err="1"/>
-              <a:t>performance</a:t>
-            </a:r>
-            <a:r>
-              <a:rPr lang="de-DE" dirty="0"/>
-              <a:t> </a:t>
-            </a:r>
-            <a:r>
-              <a:rPr lang="de-DE" dirty="0" err="1"/>
-              <a:t>of</a:t>
-            </a:r>
-            <a:r>
-              <a:rPr lang="de-DE" dirty="0"/>
-              <a:t> different </a:t>
-            </a:r>
-            <a:r>
-              <a:rPr lang="de-DE" dirty="0" err="1"/>
-              <a:t>parts</a:t>
-            </a:r>
-            <a:r>
-              <a:rPr lang="de-DE" dirty="0"/>
-              <a:t> </a:t>
-            </a:r>
-            <a:r>
-              <a:rPr lang="de-DE" dirty="0" err="1"/>
-              <a:t>of</a:t>
-            </a:r>
-            <a:r>
-              <a:rPr lang="de-DE" dirty="0"/>
-              <a:t> Antidote</a:t>
-            </a:r>
+            <a:endParaRPr lang="de-DE" dirty="0"/>
           </a:p>
           <a:p>
             <a:pPr marL="285750" indent="-285750" algn="just">
@@ -5849,6 +6436,119 @@
             </a:pPr>
             <a:r>
               <a:rPr lang="de-DE" dirty="0"/>
+              <a:t>Work – </a:t>
+            </a:r>
+            <a:r>
+              <a:rPr lang="de-DE" dirty="0" err="1"/>
+              <a:t>load</a:t>
+            </a:r>
+            <a:r>
+              <a:rPr lang="de-DE" dirty="0"/>
+              <a:t> </a:t>
+            </a:r>
+            <a:r>
+              <a:rPr lang="de-DE" dirty="0" err="1"/>
+              <a:t>generated</a:t>
+            </a:r>
+            <a:r>
+              <a:rPr lang="de-DE" dirty="0"/>
+              <a:t> </a:t>
+            </a:r>
+            <a:r>
+              <a:rPr lang="de-DE" dirty="0" err="1"/>
+              <a:t>should</a:t>
+            </a:r>
+            <a:r>
+              <a:rPr lang="de-DE" dirty="0"/>
+              <a:t> </a:t>
+            </a:r>
+            <a:r>
+              <a:rPr lang="de-DE" dirty="0" err="1"/>
+              <a:t>be</a:t>
+            </a:r>
+            <a:r>
+              <a:rPr lang="de-DE" dirty="0"/>
+              <a:t> </a:t>
+            </a:r>
+            <a:r>
+              <a:rPr lang="de-DE" dirty="0" err="1"/>
+              <a:t>suitable</a:t>
+            </a:r>
+            <a:r>
+              <a:rPr lang="de-DE" dirty="0"/>
+              <a:t> </a:t>
+            </a:r>
+            <a:r>
+              <a:rPr lang="de-DE" dirty="0" err="1"/>
+              <a:t>to</a:t>
+            </a:r>
+            <a:r>
+              <a:rPr lang="de-DE" dirty="0"/>
+              <a:t> </a:t>
+            </a:r>
+            <a:r>
+              <a:rPr lang="de-DE" dirty="0" err="1"/>
+              <a:t>compare</a:t>
+            </a:r>
+            <a:r>
+              <a:rPr lang="de-DE" dirty="0"/>
+              <a:t> </a:t>
+            </a:r>
+            <a:r>
+              <a:rPr lang="de-DE" dirty="0" err="1"/>
+              <a:t>the</a:t>
+            </a:r>
+            <a:r>
+              <a:rPr lang="de-DE" dirty="0"/>
+              <a:t> </a:t>
+            </a:r>
+            <a:r>
+              <a:rPr lang="de-DE" dirty="0" err="1"/>
+              <a:t>performance</a:t>
+            </a:r>
+            <a:r>
+              <a:rPr lang="de-DE" dirty="0"/>
+              <a:t> </a:t>
+            </a:r>
+            <a:r>
+              <a:rPr lang="de-DE" dirty="0" err="1"/>
+              <a:t>of</a:t>
+            </a:r>
+            <a:r>
+              <a:rPr lang="de-DE" dirty="0"/>
+              <a:t> different </a:t>
+            </a:r>
+            <a:r>
+              <a:rPr lang="de-DE" dirty="0" err="1"/>
+              <a:t>parts</a:t>
+            </a:r>
+            <a:r>
+              <a:rPr lang="de-DE" dirty="0"/>
+              <a:t> </a:t>
+            </a:r>
+            <a:r>
+              <a:rPr lang="de-DE" dirty="0" err="1"/>
+              <a:t>of</a:t>
+            </a:r>
+            <a:r>
+              <a:rPr lang="de-DE" dirty="0"/>
+              <a:t> Antidote</a:t>
+            </a:r>
+          </a:p>
+          <a:p>
+            <a:pPr marL="285750" indent="-285750" algn="just">
+              <a:buFont typeface="Arial" panose="020B0604020202020204" pitchFamily="34" charset="0"/>
+              <a:buChar char="•"/>
+            </a:pPr>
+            <a:endParaRPr lang="de-DE" dirty="0"/>
+          </a:p>
+          <a:p>
+            <a:pPr marL="285750" indent="-285750" algn="just">
+              <a:buFont typeface="Arial" panose="020B0604020202020204" pitchFamily="34" charset="0"/>
+              <a:buChar char="•"/>
+            </a:pPr>
+            <a:r>
+              <a:rPr lang="de-DE" dirty="0"/>
               <a:t>Generate a </a:t>
             </a:r>
             <a:r>
@@ -5875,6 +6575,13 @@
               <a:rPr lang="de-DE" dirty="0"/>
               <a:t> </a:t>
             </a:r>
+          </a:p>
+          <a:p>
+            <a:pPr marL="285750" indent="-285750" algn="just">
+              <a:buFont typeface="Arial" panose="020B0604020202020204" pitchFamily="34" charset="0"/>
+              <a:buChar char="•"/>
+            </a:pPr>
+            <a:endParaRPr lang="de-DE" dirty="0"/>
           </a:p>
           <a:p>
             <a:pPr marL="285750" indent="-285750" algn="just">
@@ -8086,8 +8793,8 @@
           </a:fontRef>
         </p:style>
       </p:cxnSp>
-      <mc:AlternateContent xmlns:mc="http://schemas.openxmlformats.org/markup-compatibility/2006">
-        <mc:Choice xmlns:p14="http://schemas.microsoft.com/office/powerpoint/2010/main" Requires="p14">
+      <mc:AlternateContent xmlns:mc="http://schemas.openxmlformats.org/markup-compatibility/2006" xmlns:p14="http://schemas.microsoft.com/office/powerpoint/2010/main">
+        <mc:Choice Requires="p14">
           <p:contentPart p14:bwMode="auto" r:id="rId2">
             <p14:nvContentPartPr>
               <p14:cNvPr id="45" name="Ink 44">
@@ -8106,7 +8813,7 @@
             </p14:xfrm>
           </p:contentPart>
         </mc:Choice>
-        <mc:Fallback>
+        <mc:Fallback xmlns="">
           <p:pic>
             <p:nvPicPr>
               <p:cNvPr id="45" name="Ink 44">
@@ -8137,8 +8844,8 @@
           </p:pic>
         </mc:Fallback>
       </mc:AlternateContent>
-      <mc:AlternateContent xmlns:mc="http://schemas.openxmlformats.org/markup-compatibility/2006">
-        <mc:Choice xmlns:p14="http://schemas.microsoft.com/office/powerpoint/2010/main" Requires="p14">
+      <mc:AlternateContent xmlns:mc="http://schemas.openxmlformats.org/markup-compatibility/2006" xmlns:p14="http://schemas.microsoft.com/office/powerpoint/2010/main">
+        <mc:Choice Requires="p14">
           <p:contentPart p14:bwMode="auto" r:id="rId4">
             <p14:nvContentPartPr>
               <p14:cNvPr id="46" name="Ink 45">
@@ -8157,7 +8864,7 @@
             </p14:xfrm>
           </p:contentPart>
         </mc:Choice>
-        <mc:Fallback>
+        <mc:Fallback xmlns="">
           <p:pic>
             <p:nvPicPr>
               <p:cNvPr id="46" name="Ink 45">
@@ -8188,8 +8895,8 @@
           </p:pic>
         </mc:Fallback>
       </mc:AlternateContent>
-      <mc:AlternateContent xmlns:mc="http://schemas.openxmlformats.org/markup-compatibility/2006">
-        <mc:Choice xmlns:p14="http://schemas.microsoft.com/office/powerpoint/2010/main" Requires="p14">
+      <mc:AlternateContent xmlns:mc="http://schemas.openxmlformats.org/markup-compatibility/2006" xmlns:p14="http://schemas.microsoft.com/office/powerpoint/2010/main">
+        <mc:Choice Requires="p14">
           <p:contentPart p14:bwMode="auto" r:id="rId5">
             <p14:nvContentPartPr>
               <p14:cNvPr id="47" name="Ink 46">
@@ -8208,7 +8915,7 @@
             </p14:xfrm>
           </p:contentPart>
         </mc:Choice>
-        <mc:Fallback>
+        <mc:Fallback xmlns="">
           <p:pic>
             <p:nvPicPr>
               <p:cNvPr id="47" name="Ink 46">
@@ -8239,8 +8946,8 @@
           </p:pic>
         </mc:Fallback>
       </mc:AlternateContent>
-      <mc:AlternateContent xmlns:mc="http://schemas.openxmlformats.org/markup-compatibility/2006">
-        <mc:Choice xmlns:p14="http://schemas.microsoft.com/office/powerpoint/2010/main" Requires="p14">
+      <mc:AlternateContent xmlns:mc="http://schemas.openxmlformats.org/markup-compatibility/2006" xmlns:p14="http://schemas.microsoft.com/office/powerpoint/2010/main">
+        <mc:Choice Requires="p14">
           <p:contentPart p14:bwMode="auto" r:id="rId6">
             <p14:nvContentPartPr>
               <p14:cNvPr id="52" name="Ink 51">
@@ -8259,7 +8966,7 @@
             </p14:xfrm>
           </p:contentPart>
         </mc:Choice>
-        <mc:Fallback>
+        <mc:Fallback xmlns="">
           <p:pic>
             <p:nvPicPr>
               <p:cNvPr id="52" name="Ink 51">
@@ -8290,8 +8997,8 @@
           </p:pic>
         </mc:Fallback>
       </mc:AlternateContent>
-      <mc:AlternateContent xmlns:mc="http://schemas.openxmlformats.org/markup-compatibility/2006">
-        <mc:Choice xmlns:p14="http://schemas.microsoft.com/office/powerpoint/2010/main" Requires="p14">
+      <mc:AlternateContent xmlns:mc="http://schemas.openxmlformats.org/markup-compatibility/2006" xmlns:p14="http://schemas.microsoft.com/office/powerpoint/2010/main">
+        <mc:Choice Requires="p14">
           <p:contentPart p14:bwMode="auto" r:id="rId7">
             <p14:nvContentPartPr>
               <p14:cNvPr id="53" name="Ink 52">
@@ -8310,7 +9017,7 @@
             </p14:xfrm>
           </p:contentPart>
         </mc:Choice>
-        <mc:Fallback>
+        <mc:Fallback xmlns="">
           <p:pic>
             <p:nvPicPr>
               <p:cNvPr id="53" name="Ink 52">
@@ -10174,15 +10881,7 @@
             </a:pPr>
             <a:r>
               <a:rPr lang="de-DE" dirty="0"/>
-              <a:t>Docker Connection </a:t>
-            </a:r>
-            <a:r>
-              <a:rPr lang="de-DE" dirty="0" err="1"/>
-              <a:t>to</a:t>
-            </a:r>
-            <a:r>
-              <a:rPr lang="de-DE" dirty="0"/>
-              <a:t> Antidote Client</a:t>
+              <a:t>Docker Manager</a:t>
             </a:r>
           </a:p>
           <a:p>
@@ -10190,10 +10889,7 @@
               <a:buFont typeface="+mj-lt"/>
               <a:buAutoNum type="arabicPeriod"/>
             </a:pPr>
-            <a:r>
-              <a:rPr lang="de-DE" dirty="0"/>
-              <a:t>Antidote Client Wrapper</a:t>
-            </a:r>
+            <a:endParaRPr lang="de-DE" dirty="0"/>
           </a:p>
           <a:p>
             <a:pPr marL="342900" indent="-342900">
@@ -10202,15 +10898,7 @@
             </a:pPr>
             <a:r>
               <a:rPr lang="de-DE" dirty="0"/>
-              <a:t>Benchmarking </a:t>
-            </a:r>
-            <a:r>
-              <a:rPr lang="de-DE" dirty="0" err="1"/>
-              <a:t>using</a:t>
-            </a:r>
-            <a:r>
-              <a:rPr lang="de-DE" dirty="0"/>
-              <a:t> YCSB</a:t>
+              <a:t>Antidote Client Wrapper</a:t>
             </a:r>
           </a:p>
           <a:p>
@@ -10218,13 +10906,41 @@
               <a:buFont typeface="+mj-lt"/>
               <a:buAutoNum type="arabicPeriod"/>
             </a:pPr>
+            <a:endParaRPr lang="de-DE" dirty="0"/>
+          </a:p>
+          <a:p>
+            <a:pPr marL="342900" indent="-342900">
+              <a:buFont typeface="+mj-lt"/>
+              <a:buAutoNum type="arabicPeriod"/>
+            </a:pPr>
+            <a:r>
+              <a:rPr lang="de-DE" dirty="0"/>
+              <a:t>Benchmarking </a:t>
+            </a:r>
             <a:r>
               <a:rPr lang="de-DE" dirty="0" err="1"/>
-              <a:t>Visualization</a:t>
+              <a:t>using</a:t>
             </a:r>
             <a:r>
               <a:rPr lang="de-DE" dirty="0"/>
-              <a:t> </a:t>
+              <a:t> YCSB</a:t>
+            </a:r>
+          </a:p>
+          <a:p>
+            <a:pPr marL="342900" indent="-342900">
+              <a:buFont typeface="+mj-lt"/>
+              <a:buAutoNum type="arabicPeriod"/>
+            </a:pPr>
+            <a:endParaRPr lang="de-DE" dirty="0"/>
+          </a:p>
+          <a:p>
+            <a:pPr marL="342900" indent="-342900">
+              <a:buFont typeface="+mj-lt"/>
+              <a:buAutoNum type="arabicPeriod"/>
+            </a:pPr>
+            <a:r>
+              <a:rPr lang="de-DE" dirty="0"/>
+              <a:t>Visualization </a:t>
             </a:r>
             <a:r>
               <a:rPr lang="de-DE" dirty="0" err="1"/>
@@ -10401,7 +11117,74 @@
           <a:bodyPr/>
           <a:lstStyle/>
           <a:p>
+            <a:r>
+              <a:rPr lang="en-GB" dirty="0"/>
+              <a:t>Docker management was difficult using Docker-Compose and CLI</a:t>
+            </a:r>
+          </a:p>
+          <a:p>
             <a:endParaRPr lang="en-GB" dirty="0"/>
+          </a:p>
+          <a:p>
+            <a:endParaRPr lang="en-GB" dirty="0"/>
+          </a:p>
+          <a:p>
+            <a:pPr marL="285750" indent="-285750">
+              <a:buFont typeface="Wingdings" panose="05000000000000000000" pitchFamily="2" charset="2"/>
+              <a:buChar char="Ø"/>
+            </a:pPr>
+            <a:r>
+              <a:rPr lang="en-GB" dirty="0"/>
+              <a:t>Goal: We wanted something that integrated well with the project</a:t>
+            </a:r>
+          </a:p>
+          <a:p>
+            <a:pPr marL="285750" indent="-285750">
+              <a:buFont typeface="Wingdings" panose="05000000000000000000" pitchFamily="2" charset="2"/>
+              <a:buChar char="Ø"/>
+            </a:pPr>
+            <a:endParaRPr lang="en-GB" dirty="0"/>
+          </a:p>
+          <a:p>
+            <a:pPr marL="285750" indent="-285750">
+              <a:buFont typeface="Wingdings" panose="05000000000000000000" pitchFamily="2" charset="2"/>
+              <a:buChar char="Ø"/>
+            </a:pPr>
+            <a:endParaRPr lang="en-GB" dirty="0"/>
+          </a:p>
+          <a:p>
+            <a:pPr marL="285750" indent="-285750">
+              <a:buFont typeface="Wingdings" panose="05000000000000000000" pitchFamily="2" charset="2"/>
+              <a:buChar char="Ø"/>
+            </a:pPr>
+            <a:r>
+              <a:rPr lang="en-GB" dirty="0"/>
+              <a:t>Solution: Docker Java API (Spotify Docker Client)</a:t>
+            </a:r>
+          </a:p>
+          <a:p>
+            <a:pPr marL="285750" indent="-285750">
+              <a:buFont typeface="Wingdings" panose="05000000000000000000" pitchFamily="2" charset="2"/>
+              <a:buChar char="Ø"/>
+            </a:pPr>
+            <a:endParaRPr lang="en-GB" dirty="0"/>
+          </a:p>
+          <a:p>
+            <a:pPr marL="285750" indent="-285750">
+              <a:buFont typeface="Wingdings" panose="05000000000000000000" pitchFamily="2" charset="2"/>
+              <a:buChar char="Ø"/>
+            </a:pPr>
+            <a:endParaRPr lang="en-GB" dirty="0"/>
+          </a:p>
+          <a:p>
+            <a:pPr marL="285750" indent="-285750">
+              <a:buFont typeface="Wingdings" panose="05000000000000000000" pitchFamily="2" charset="2"/>
+              <a:buChar char="Ø"/>
+            </a:pPr>
+            <a:r>
+              <a:rPr lang="en-GB" dirty="0"/>
+              <a:t>Benefits: Allows us to interact with Docker containers dynamically at runtime</a:t>
+            </a:r>
           </a:p>
         </p:txBody>
       </p:sp>
@@ -10487,26 +11270,15 @@
         </p:spPr>
         <p:txBody>
           <a:bodyPr>
-            <a:normAutofit fontScale="90000"/>
+            <a:normAutofit/>
           </a:bodyPr>
           <a:lstStyle/>
           <a:p>
             <a:pPr algn="ctr"/>
             <a:r>
               <a:rPr lang="de-DE" dirty="0"/>
-              <a:t>Docker Connection </a:t>
-            </a:r>
-            <a:r>
-              <a:rPr lang="de-DE" dirty="0" err="1"/>
-              <a:t>to</a:t>
-            </a:r>
-            <a:r>
-              <a:rPr lang="de-DE" dirty="0"/>
-              <a:t> Antidote Client (/)</a:t>
-            </a:r>
-            <a:br>
-              <a:rPr lang="de-DE" dirty="0"/>
-            </a:br>
+              <a:t>Docker Manager (1/4)</a:t>
+            </a:r>
             <a:endParaRPr lang="en-GB" dirty="0"/>
           </a:p>
         </p:txBody>
@@ -10546,7 +11318,7 @@
           <p:cNvPr id="2" name="Subtitle 1">
             <a:extLst>
               <a:ext uri="{FF2B5EF4-FFF2-40B4-BE49-F238E27FC236}">
-                <a16:creationId xmlns:a16="http://schemas.microsoft.com/office/drawing/2014/main" id="{D8123F8E-6D24-430D-A62C-5E8F618227C0}"/>
+                <a16:creationId xmlns:a16="http://schemas.microsoft.com/office/drawing/2014/main" id="{69C70F9B-BE0A-46A3-B511-ED765C376E65}"/>
               </a:ext>
             </a:extLst>
           </p:cNvPr>
@@ -10557,61 +11329,93 @@
             <p:ph type="subTitle" idx="1"/>
           </p:nvPr>
         </p:nvSpPr>
-        <p:spPr/>
+        <p:spPr>
+          <a:xfrm>
+            <a:off x="1642905" y="1551632"/>
+            <a:ext cx="7501094" cy="3135923"/>
+          </a:xfrm>
+        </p:spPr>
         <p:txBody>
           <a:bodyPr>
-            <a:normAutofit fontScale="92500" lnSpcReduction="10000"/>
+            <a:normAutofit/>
           </a:bodyPr>
           <a:lstStyle/>
           <a:p>
             <a:r>
-              <a:rPr lang="en-US" b="1" dirty="0"/>
-              <a:t>What is YCSB?</a:t>
-            </a:r>
-          </a:p>
-          <a:p>
-            <a:endParaRPr lang="en-US" b="1" dirty="0"/>
-          </a:p>
-          <a:p>
-            <a:r>
-              <a:rPr lang="en-US" dirty="0"/>
-              <a:t>YCSB – Yahoo! Cloud Serving Benchmark</a:t>
-            </a:r>
-          </a:p>
-          <a:p>
-            <a:endParaRPr lang="en-US" dirty="0"/>
-          </a:p>
-          <a:p>
-            <a:r>
-              <a:rPr lang="en-US" dirty="0"/>
-              <a:t>YCSB is a framework for bench-marking systems. The primary goal of YCSB is to develop framework and common set of workloads to evaluate the different ‘Key – value’ and ‘Could’ serving stores.</a:t>
-            </a:r>
-          </a:p>
-          <a:p>
-            <a:endParaRPr lang="en-US" dirty="0"/>
-          </a:p>
-          <a:p>
-            <a:r>
-              <a:rPr lang="en-US" dirty="0"/>
-              <a:t>YCSB mainly benchmarks the throughput and latency of the database operation.</a:t>
-            </a:r>
-          </a:p>
-          <a:p>
-            <a:endParaRPr lang="en-US" dirty="0"/>
-          </a:p>
-          <a:p>
-            <a:r>
-              <a:rPr lang="en-US" dirty="0"/>
-              <a:t>We have to create the DB interface layer to add any new database. This interface layer will have few operations(Insert, delete, </a:t>
-            </a:r>
-            <a:r>
-              <a:rPr lang="en-US" dirty="0" err="1"/>
-              <a:t>update,scan</a:t>
-            </a:r>
-            <a:r>
-              <a:rPr lang="en-US" dirty="0"/>
-              <a:t>) available in YCSB.</a:t>
-            </a:r>
+              <a:rPr lang="en-GB" dirty="0"/>
+              <a:t>We used a modified version of the Antidote Docker Image</a:t>
+            </a:r>
+          </a:p>
+          <a:p>
+            <a:endParaRPr lang="en-GB" dirty="0"/>
+          </a:p>
+          <a:p>
+            <a:pPr marL="285750" indent="-285750">
+              <a:buFont typeface="Wingdings" panose="05000000000000000000" pitchFamily="2" charset="2"/>
+              <a:buChar char="Ø"/>
+            </a:pPr>
+            <a:endParaRPr lang="en-GB" dirty="0"/>
+          </a:p>
+          <a:p>
+            <a:pPr marL="285750" indent="-285750">
+              <a:buFont typeface="Wingdings" panose="05000000000000000000" pitchFamily="2" charset="2"/>
+              <a:buChar char="Ø"/>
+            </a:pPr>
+            <a:r>
+              <a:rPr lang="en-GB" dirty="0"/>
+              <a:t>Goal: Rebuild Antidote quickly for benchmarking different versions</a:t>
+            </a:r>
+          </a:p>
+          <a:p>
+            <a:pPr marL="285750" indent="-285750">
+              <a:buFont typeface="Wingdings" panose="05000000000000000000" pitchFamily="2" charset="2"/>
+              <a:buChar char="Ø"/>
+            </a:pPr>
+            <a:endParaRPr lang="en-GB" dirty="0"/>
+          </a:p>
+          <a:p>
+            <a:pPr marL="285750" indent="-285750">
+              <a:buFont typeface="Wingdings" panose="05000000000000000000" pitchFamily="2" charset="2"/>
+              <a:buChar char="Ø"/>
+            </a:pPr>
+            <a:endParaRPr lang="en-GB" dirty="0"/>
+          </a:p>
+          <a:p>
+            <a:pPr marL="285750" indent="-285750">
+              <a:buFont typeface="Wingdings" panose="05000000000000000000" pitchFamily="2" charset="2"/>
+              <a:buChar char="Ø"/>
+            </a:pPr>
+            <a:r>
+              <a:rPr lang="en-GB" dirty="0"/>
+              <a:t>Problem: Regular Image building takes several minutes</a:t>
+            </a:r>
+          </a:p>
+          <a:p>
+            <a:pPr marL="285750" indent="-285750">
+              <a:buFont typeface="Wingdings" panose="05000000000000000000" pitchFamily="2" charset="2"/>
+              <a:buChar char="Ø"/>
+            </a:pPr>
+            <a:endParaRPr lang="en-GB" dirty="0"/>
+          </a:p>
+          <a:p>
+            <a:pPr marL="285750" indent="-285750">
+              <a:buFont typeface="Wingdings" panose="05000000000000000000" pitchFamily="2" charset="2"/>
+              <a:buChar char="Ø"/>
+            </a:pPr>
+            <a:endParaRPr lang="en-GB" dirty="0"/>
+          </a:p>
+          <a:p>
+            <a:pPr marL="285750" indent="-285750">
+              <a:buFont typeface="Wingdings" panose="05000000000000000000" pitchFamily="2" charset="2"/>
+              <a:buChar char="Ø"/>
+            </a:pPr>
+            <a:r>
+              <a:rPr lang="en-GB" dirty="0"/>
+              <a:t>Solution: Rebuild Antidote in running container with original files </a:t>
+            </a:r>
+          </a:p>
+          <a:p>
+            <a:endParaRPr lang="en-GB" dirty="0"/>
           </a:p>
         </p:txBody>
       </p:sp>
@@ -10620,7 +11424,7 @@
           <p:cNvPr id="3" name="Date Placeholder 2">
             <a:extLst>
               <a:ext uri="{FF2B5EF4-FFF2-40B4-BE49-F238E27FC236}">
-                <a16:creationId xmlns:a16="http://schemas.microsoft.com/office/drawing/2014/main" id="{542C8D2B-0DF3-4F3A-85FD-59E45C84AFFB}"/>
+                <a16:creationId xmlns:a16="http://schemas.microsoft.com/office/drawing/2014/main" id="{C62BC312-27D7-4C9B-AA5B-BE16828B37B0}"/>
               </a:ext>
             </a:extLst>
           </p:cNvPr>
@@ -10649,7 +11453,7 @@
           <p:cNvPr id="4" name="Slide Number Placeholder 3">
             <a:extLst>
               <a:ext uri="{FF2B5EF4-FFF2-40B4-BE49-F238E27FC236}">
-                <a16:creationId xmlns:a16="http://schemas.microsoft.com/office/drawing/2014/main" id="{65D2A83F-332E-4B00-97F8-032DFF062BA4}"/>
+                <a16:creationId xmlns:a16="http://schemas.microsoft.com/office/drawing/2014/main" id="{FDD79EA4-7569-4CF6-88A9-590271AE617C}"/>
               </a:ext>
             </a:extLst>
           </p:cNvPr>
@@ -10678,7 +11482,7 @@
           <p:cNvPr id="5" name="Title 4">
             <a:extLst>
               <a:ext uri="{FF2B5EF4-FFF2-40B4-BE49-F238E27FC236}">
-                <a16:creationId xmlns:a16="http://schemas.microsoft.com/office/drawing/2014/main" id="{C19E49C0-2BCB-4461-8360-857C24861F20}"/>
+                <a16:creationId xmlns:a16="http://schemas.microsoft.com/office/drawing/2014/main" id="{7A995DC8-A655-4DFD-B19A-6262BE6879CF}"/>
               </a:ext>
             </a:extLst>
           </p:cNvPr>
@@ -10689,24 +11493,22 @@
             <p:ph type="ctrTitle"/>
           </p:nvPr>
         </p:nvSpPr>
-        <p:spPr/>
+        <p:spPr>
+          <a:xfrm>
+            <a:off x="0" y="685957"/>
+            <a:ext cx="9143999" cy="853210"/>
+          </a:xfrm>
+        </p:spPr>
         <p:txBody>
           <a:bodyPr>
-            <a:normAutofit fontScale="90000"/>
+            <a:normAutofit/>
           </a:bodyPr>
           <a:lstStyle/>
           <a:p>
+            <a:pPr algn="ctr"/>
             <a:r>
               <a:rPr lang="de-DE" dirty="0"/>
-              <a:t>Benchmarking </a:t>
-            </a:r>
-            <a:r>
-              <a:rPr lang="de-DE" dirty="0" err="1"/>
-              <a:t>using</a:t>
-            </a:r>
-            <a:r>
-              <a:rPr lang="de-DE" dirty="0"/>
-              <a:t> YCSB (1/2)</a:t>
+              <a:t>Docker Manager (2/4)</a:t>
             </a:r>
             <a:endParaRPr lang="en-GB" dirty="0"/>
           </a:p>
@@ -10715,7 +11517,7 @@
     </p:spTree>
     <p:extLst>
       <p:ext uri="{BB962C8B-B14F-4D97-AF65-F5344CB8AC3E}">
-        <p14:creationId xmlns:p14="http://schemas.microsoft.com/office/powerpoint/2010/main" val="4016305660"/>
+        <p14:creationId xmlns:p14="http://schemas.microsoft.com/office/powerpoint/2010/main" val="3130796808"/>
       </p:ext>
     </p:extLst>
   </p:cSld>

--- a/Final Presentation/final presentation ppt.pptx
+++ b/Final Presentation/final presentation ppt.pptx
@@ -6,10 +6,10 @@
     <p:sldMasterId id="2147483656" r:id="rId2"/>
   </p:sldMasterIdLst>
   <p:notesMasterIdLst>
-    <p:notesMasterId r:id="rId19"/>
+    <p:notesMasterId r:id="rId25"/>
   </p:notesMasterIdLst>
   <p:handoutMasterIdLst>
-    <p:handoutMasterId r:id="rId20"/>
+    <p:handoutMasterId r:id="rId26"/>
   </p:handoutMasterIdLst>
   <p:sldIdLst>
     <p:sldId id="256" r:id="rId3"/>
@@ -28,6 +28,12 @@
     <p:sldId id="276" r:id="rId16"/>
     <p:sldId id="277" r:id="rId17"/>
     <p:sldId id="278" r:id="rId18"/>
+    <p:sldId id="283" r:id="rId19"/>
+    <p:sldId id="284" r:id="rId20"/>
+    <p:sldId id="287" r:id="rId21"/>
+    <p:sldId id="285" r:id="rId22"/>
+    <p:sldId id="286" r:id="rId23"/>
+    <p:sldId id="288" r:id="rId24"/>
   </p:sldIdLst>
   <p:sldSz cx="9144000" cy="5143500" type="screen16x9"/>
   <p:notesSz cx="6858000" cy="9144000"/>
@@ -128,7 +134,7 @@
   </p:defaultTextStyle>
   <p:extLst>
     <p:ext uri="{EFAFB233-063F-42B5-8137-9DF3F51BA10A}">
-      <p15:sldGuideLst xmlns:p15="http://schemas.microsoft.com/office/powerpoint/2012/main">
+      <p15:sldGuideLst xmlns:p15="http://schemas.microsoft.com/office/powerpoint/2012/main" xmlns="">
         <p15:guide id="1" orient="horz" pos="1106">
           <p15:clr>
             <a:srgbClr val="A4A3A4"/>
@@ -327,7 +333,7 @@
           <a:p>
             <a:fld id="{7B39674F-4B0E-DA42-8186-0A7D4E7C2CE8}" type="slidenum">
               <a:rPr lang="de-DE" smtClean="0"/>
-              <a:t>‹Nr.›</a:t>
+              <a:t>‹N°›</a:t>
             </a:fld>
             <a:endParaRPr lang="de-DE"/>
           </a:p>
@@ -724,7 +730,7 @@
           <a:p>
             <a:fld id="{E2B266EF-51AE-2C40-8C95-8EB2C49369B2}" type="slidenum">
               <a:rPr lang="de-DE" smtClean="0"/>
-              <a:t>‹Nr.›</a:t>
+              <a:t>‹N°›</a:t>
             </a:fld>
             <a:endParaRPr lang="de-DE"/>
           </a:p>
@@ -1014,7 +1020,7 @@
           <a:p>
             <a:fld id="{8271DC61-FD4F-6F42-810D-876D2F91EC3B}" type="slidenum">
               <a:rPr lang="de-DE" smtClean="0"/>
-              <a:t>‹Nr.›</a:t>
+              <a:t>‹N°›</a:t>
             </a:fld>
             <a:endParaRPr lang="de-DE"/>
           </a:p>
@@ -1130,7 +1136,7 @@
           <a:p>
             <a:fld id="{8271DC61-FD4F-6F42-810D-876D2F91EC3B}" type="slidenum">
               <a:rPr lang="de-DE" smtClean="0"/>
-              <a:t>‹Nr.›</a:t>
+              <a:t>‹N°›</a:t>
             </a:fld>
             <a:endParaRPr lang="de-DE"/>
           </a:p>
@@ -1330,7 +1336,7 @@
           <a:p>
             <a:fld id="{8271DC61-FD4F-6F42-810D-876D2F91EC3B}" type="slidenum">
               <a:rPr lang="de-DE" smtClean="0"/>
-              <a:t>‹Nr.›</a:t>
+              <a:t>‹N°›</a:t>
             </a:fld>
             <a:endParaRPr lang="de-DE"/>
           </a:p>
@@ -1536,7 +1542,7 @@
           <a:p>
             <a:fld id="{8271DC61-FD4F-6F42-810D-876D2F91EC3B}" type="slidenum">
               <a:rPr lang="de-DE" smtClean="0"/>
-              <a:t>‹Nr.›</a:t>
+              <a:t>‹N°›</a:t>
             </a:fld>
             <a:endParaRPr lang="de-DE"/>
           </a:p>
@@ -1652,7 +1658,7 @@
           <a:p>
             <a:fld id="{8271DC61-FD4F-6F42-810D-876D2F91EC3B}" type="slidenum">
               <a:rPr lang="de-DE" smtClean="0"/>
-              <a:t>‹Nr.›</a:t>
+              <a:t>‹N°›</a:t>
             </a:fld>
             <a:endParaRPr lang="de-DE"/>
           </a:p>
@@ -1809,7 +1815,7 @@
             <a:fld id="{8271DC61-FD4F-6F42-810D-876D2F91EC3B}" type="slidenum">
               <a:rPr lang="de-DE" smtClean="0"/>
               <a:pPr/>
-              <a:t>‹Nr.›</a:t>
+              <a:t>‹N°›</a:t>
             </a:fld>
             <a:endParaRPr lang="de-DE"/>
           </a:p>
@@ -1885,7 +1891,7 @@
           <a:p>
             <a:fld id="{8271DC61-FD4F-6F42-810D-876D2F91EC3B}" type="slidenum">
               <a:rPr lang="de-DE" smtClean="0"/>
-              <a:t>‹Nr.›</a:t>
+              <a:t>‹N°›</a:t>
             </a:fld>
             <a:endParaRPr lang="de-DE"/>
           </a:p>
@@ -2124,7 +2130,7 @@
           <a:p>
             <a:fld id="{8271DC61-FD4F-6F42-810D-876D2F91EC3B}" type="slidenum">
               <a:rPr lang="de-DE" smtClean="0"/>
-              <a:t>‹Nr.›</a:t>
+              <a:t>‹N°›</a:t>
             </a:fld>
             <a:endParaRPr lang="de-DE"/>
           </a:p>
@@ -2364,7 +2370,7 @@
           <a:p>
             <a:fld id="{8271DC61-FD4F-6F42-810D-876D2F91EC3B}" type="slidenum">
               <a:rPr lang="de-DE" smtClean="0"/>
-              <a:t>‹Nr.›</a:t>
+              <a:t>‹N°›</a:t>
             </a:fld>
             <a:endParaRPr lang="de-DE"/>
           </a:p>
@@ -2570,7 +2576,7 @@
           <a:p>
             <a:fld id="{8271DC61-FD4F-6F42-810D-876D2F91EC3B}" type="slidenum">
               <a:rPr lang="de-DE" smtClean="0"/>
-              <a:t>‹Nr.›</a:t>
+              <a:t>‹N°›</a:t>
             </a:fld>
             <a:endParaRPr lang="de-DE"/>
           </a:p>
@@ -2776,7 +2782,7 @@
             <a:fld id="{8271DC61-FD4F-6F42-810D-876D2F91EC3B}" type="slidenum">
               <a:rPr lang="de-DE" smtClean="0"/>
               <a:pPr/>
-              <a:t>‹Nr.›</a:t>
+              <a:t>‹N°›</a:t>
             </a:fld>
             <a:endParaRPr lang="de-DE"/>
           </a:p>
@@ -3207,7 +3213,7 @@
             <a:fld id="{8271DC61-FD4F-6F42-810D-876D2F91EC3B}" type="slidenum">
               <a:rPr lang="de-DE" smtClean="0"/>
               <a:pPr/>
-              <a:t>‹Nr.›</a:t>
+              <a:t>‹N°›</a:t>
             </a:fld>
             <a:endParaRPr lang="de-DE"/>
           </a:p>
@@ -3696,7 +3702,7 @@
           <p:cNvPr id="4" name="Date Placeholder 3">
             <a:extLst>
               <a:ext uri="{FF2B5EF4-FFF2-40B4-BE49-F238E27FC236}">
-                <a16:creationId xmlns:a16="http://schemas.microsoft.com/office/drawing/2014/main" id="{E39506BE-721F-4005-AE38-C8B94370A520}"/>
+                <a16:creationId xmlns:a16="http://schemas.microsoft.com/office/drawing/2014/main" xmlns="" id="{E39506BE-721F-4005-AE38-C8B94370A520}"/>
               </a:ext>
             </a:extLst>
           </p:cNvPr>
@@ -3725,7 +3731,7 @@
           <p:cNvPr id="5" name="Slide Number Placeholder 4">
             <a:extLst>
               <a:ext uri="{FF2B5EF4-FFF2-40B4-BE49-F238E27FC236}">
-                <a16:creationId xmlns:a16="http://schemas.microsoft.com/office/drawing/2014/main" id="{DB302E7A-1EDC-465D-8EF9-B82B8BD9A4FE}"/>
+                <a16:creationId xmlns:a16="http://schemas.microsoft.com/office/drawing/2014/main" xmlns="" id="{DB302E7A-1EDC-465D-8EF9-B82B8BD9A4FE}"/>
               </a:ext>
             </a:extLst>
           </p:cNvPr>
@@ -3784,7 +3790,7 @@
           <p:cNvPr id="2" name="Subtitle 1">
             <a:extLst>
               <a:ext uri="{FF2B5EF4-FFF2-40B4-BE49-F238E27FC236}">
-                <a16:creationId xmlns:a16="http://schemas.microsoft.com/office/drawing/2014/main" id="{69C70F9B-BE0A-46A3-B511-ED765C376E65}"/>
+                <a16:creationId xmlns:a16="http://schemas.microsoft.com/office/drawing/2014/main" xmlns="" id="{69C70F9B-BE0A-46A3-B511-ED765C376E65}"/>
               </a:ext>
             </a:extLst>
           </p:cNvPr>
@@ -3900,7 +3906,7 @@
           <p:cNvPr id="3" name="Date Placeholder 2">
             <a:extLst>
               <a:ext uri="{FF2B5EF4-FFF2-40B4-BE49-F238E27FC236}">
-                <a16:creationId xmlns:a16="http://schemas.microsoft.com/office/drawing/2014/main" id="{C62BC312-27D7-4C9B-AA5B-BE16828B37B0}"/>
+                <a16:creationId xmlns:a16="http://schemas.microsoft.com/office/drawing/2014/main" xmlns="" id="{C62BC312-27D7-4C9B-AA5B-BE16828B37B0}"/>
               </a:ext>
             </a:extLst>
           </p:cNvPr>
@@ -3929,7 +3935,7 @@
           <p:cNvPr id="4" name="Slide Number Placeholder 3">
             <a:extLst>
               <a:ext uri="{FF2B5EF4-FFF2-40B4-BE49-F238E27FC236}">
-                <a16:creationId xmlns:a16="http://schemas.microsoft.com/office/drawing/2014/main" id="{FDD79EA4-7569-4CF6-88A9-590271AE617C}"/>
+                <a16:creationId xmlns:a16="http://schemas.microsoft.com/office/drawing/2014/main" xmlns="" id="{FDD79EA4-7569-4CF6-88A9-590271AE617C}"/>
               </a:ext>
             </a:extLst>
           </p:cNvPr>
@@ -3958,7 +3964,7 @@
           <p:cNvPr id="5" name="Title 4">
             <a:extLst>
               <a:ext uri="{FF2B5EF4-FFF2-40B4-BE49-F238E27FC236}">
-                <a16:creationId xmlns:a16="http://schemas.microsoft.com/office/drawing/2014/main" id="{7A995DC8-A655-4DFD-B19A-6262BE6879CF}"/>
+                <a16:creationId xmlns:a16="http://schemas.microsoft.com/office/drawing/2014/main" xmlns="" id="{7A995DC8-A655-4DFD-B19A-6262BE6879CF}"/>
               </a:ext>
             </a:extLst>
           </p:cNvPr>
@@ -4025,7 +4031,7 @@
           <p:cNvPr id="2" name="Subtitle 1">
             <a:extLst>
               <a:ext uri="{FF2B5EF4-FFF2-40B4-BE49-F238E27FC236}">
-                <a16:creationId xmlns:a16="http://schemas.microsoft.com/office/drawing/2014/main" id="{69C70F9B-BE0A-46A3-B511-ED765C376E65}"/>
+                <a16:creationId xmlns:a16="http://schemas.microsoft.com/office/drawing/2014/main" xmlns="" id="{69C70F9B-BE0A-46A3-B511-ED765C376E65}"/>
               </a:ext>
             </a:extLst>
           </p:cNvPr>
@@ -4128,7 +4134,7 @@
           <p:cNvPr id="3" name="Date Placeholder 2">
             <a:extLst>
               <a:ext uri="{FF2B5EF4-FFF2-40B4-BE49-F238E27FC236}">
-                <a16:creationId xmlns:a16="http://schemas.microsoft.com/office/drawing/2014/main" id="{C62BC312-27D7-4C9B-AA5B-BE16828B37B0}"/>
+                <a16:creationId xmlns:a16="http://schemas.microsoft.com/office/drawing/2014/main" xmlns="" id="{C62BC312-27D7-4C9B-AA5B-BE16828B37B0}"/>
               </a:ext>
             </a:extLst>
           </p:cNvPr>
@@ -4157,7 +4163,7 @@
           <p:cNvPr id="4" name="Slide Number Placeholder 3">
             <a:extLst>
               <a:ext uri="{FF2B5EF4-FFF2-40B4-BE49-F238E27FC236}">
-                <a16:creationId xmlns:a16="http://schemas.microsoft.com/office/drawing/2014/main" id="{FDD79EA4-7569-4CF6-88A9-590271AE617C}"/>
+                <a16:creationId xmlns:a16="http://schemas.microsoft.com/office/drawing/2014/main" xmlns="" id="{FDD79EA4-7569-4CF6-88A9-590271AE617C}"/>
               </a:ext>
             </a:extLst>
           </p:cNvPr>
@@ -4186,7 +4192,7 @@
           <p:cNvPr id="5" name="Title 4">
             <a:extLst>
               <a:ext uri="{FF2B5EF4-FFF2-40B4-BE49-F238E27FC236}">
-                <a16:creationId xmlns:a16="http://schemas.microsoft.com/office/drawing/2014/main" id="{7A995DC8-A655-4DFD-B19A-6262BE6879CF}"/>
+                <a16:creationId xmlns:a16="http://schemas.microsoft.com/office/drawing/2014/main" xmlns="" id="{7A995DC8-A655-4DFD-B19A-6262BE6879CF}"/>
               </a:ext>
             </a:extLst>
           </p:cNvPr>
@@ -4253,7 +4259,7 @@
           <p:cNvPr id="2" name="Subtitle 1">
             <a:extLst>
               <a:ext uri="{FF2B5EF4-FFF2-40B4-BE49-F238E27FC236}">
-                <a16:creationId xmlns:a16="http://schemas.microsoft.com/office/drawing/2014/main" id="{D8123F8E-6D24-430D-A62C-5E8F618227C0}"/>
+                <a16:creationId xmlns:a16="http://schemas.microsoft.com/office/drawing/2014/main" xmlns="" id="{D8123F8E-6D24-430D-A62C-5E8F618227C0}"/>
               </a:ext>
             </a:extLst>
           </p:cNvPr>
@@ -4327,7 +4333,7 @@
           <p:cNvPr id="3" name="Date Placeholder 2">
             <a:extLst>
               <a:ext uri="{FF2B5EF4-FFF2-40B4-BE49-F238E27FC236}">
-                <a16:creationId xmlns:a16="http://schemas.microsoft.com/office/drawing/2014/main" id="{542C8D2B-0DF3-4F3A-85FD-59E45C84AFFB}"/>
+                <a16:creationId xmlns:a16="http://schemas.microsoft.com/office/drawing/2014/main" xmlns="" id="{542C8D2B-0DF3-4F3A-85FD-59E45C84AFFB}"/>
               </a:ext>
             </a:extLst>
           </p:cNvPr>
@@ -4356,7 +4362,7 @@
           <p:cNvPr id="4" name="Slide Number Placeholder 3">
             <a:extLst>
               <a:ext uri="{FF2B5EF4-FFF2-40B4-BE49-F238E27FC236}">
-                <a16:creationId xmlns:a16="http://schemas.microsoft.com/office/drawing/2014/main" id="{65D2A83F-332E-4B00-97F8-032DFF062BA4}"/>
+                <a16:creationId xmlns:a16="http://schemas.microsoft.com/office/drawing/2014/main" xmlns="" id="{65D2A83F-332E-4B00-97F8-032DFF062BA4}"/>
               </a:ext>
             </a:extLst>
           </p:cNvPr>
@@ -4385,7 +4391,7 @@
           <p:cNvPr id="5" name="Title 4">
             <a:extLst>
               <a:ext uri="{FF2B5EF4-FFF2-40B4-BE49-F238E27FC236}">
-                <a16:creationId xmlns:a16="http://schemas.microsoft.com/office/drawing/2014/main" id="{C19E49C0-2BCB-4461-8360-857C24861F20}"/>
+                <a16:creationId xmlns:a16="http://schemas.microsoft.com/office/drawing/2014/main" xmlns="" id="{C19E49C0-2BCB-4461-8360-857C24861F20}"/>
               </a:ext>
             </a:extLst>
           </p:cNvPr>
@@ -4429,6 +4435,13 @@
   <p:clrMapOvr>
     <a:masterClrMapping/>
   </p:clrMapOvr>
+  <p:timing>
+    <p:tnLst>
+      <p:par>
+        <p:cTn id="1" dur="indefinite" restart="never" nodeType="tmRoot"/>
+      </p:par>
+    </p:tnLst>
+  </p:timing>
 </p:sld>
 </file>
 
@@ -4454,7 +4467,7 @@
           <p:cNvPr id="2" name="Subtitle 1">
             <a:extLst>
               <a:ext uri="{FF2B5EF4-FFF2-40B4-BE49-F238E27FC236}">
-                <a16:creationId xmlns:a16="http://schemas.microsoft.com/office/drawing/2014/main" id="{FB098B44-46A9-438B-9B0A-6B52AC43FF8F}"/>
+                <a16:creationId xmlns:a16="http://schemas.microsoft.com/office/drawing/2014/main" xmlns="" id="{FB098B44-46A9-438B-9B0A-6B52AC43FF8F}"/>
               </a:ext>
             </a:extLst>
           </p:cNvPr>
@@ -4509,7 +4522,7 @@
           <p:cNvPr id="3" name="Date Placeholder 2">
             <a:extLst>
               <a:ext uri="{FF2B5EF4-FFF2-40B4-BE49-F238E27FC236}">
-                <a16:creationId xmlns:a16="http://schemas.microsoft.com/office/drawing/2014/main" id="{332C01DB-1C21-49F2-B294-2634846223BC}"/>
+                <a16:creationId xmlns:a16="http://schemas.microsoft.com/office/drawing/2014/main" xmlns="" id="{332C01DB-1C21-49F2-B294-2634846223BC}"/>
               </a:ext>
             </a:extLst>
           </p:cNvPr>
@@ -4538,7 +4551,7 @@
           <p:cNvPr id="4" name="Slide Number Placeholder 3">
             <a:extLst>
               <a:ext uri="{FF2B5EF4-FFF2-40B4-BE49-F238E27FC236}">
-                <a16:creationId xmlns:a16="http://schemas.microsoft.com/office/drawing/2014/main" id="{A65CB15D-74F1-45DC-A7FD-5C6610B30195}"/>
+                <a16:creationId xmlns:a16="http://schemas.microsoft.com/office/drawing/2014/main" xmlns="" id="{A65CB15D-74F1-45DC-A7FD-5C6610B30195}"/>
               </a:ext>
             </a:extLst>
           </p:cNvPr>
@@ -4567,7 +4580,7 @@
           <p:cNvPr id="5" name="Title 4">
             <a:extLst>
               <a:ext uri="{FF2B5EF4-FFF2-40B4-BE49-F238E27FC236}">
-                <a16:creationId xmlns:a16="http://schemas.microsoft.com/office/drawing/2014/main" id="{3C0B74F9-2D29-4159-9538-1D2EAFE2A319}"/>
+                <a16:creationId xmlns:a16="http://schemas.microsoft.com/office/drawing/2014/main" xmlns="" id="{3C0B74F9-2D29-4159-9538-1D2EAFE2A319}"/>
               </a:ext>
             </a:extLst>
           </p:cNvPr>
@@ -4611,6 +4624,13 @@
   <p:clrMapOvr>
     <a:masterClrMapping/>
   </p:clrMapOvr>
+  <p:timing>
+    <p:tnLst>
+      <p:par>
+        <p:cTn id="1" dur="indefinite" restart="never" nodeType="tmRoot"/>
+      </p:par>
+    </p:tnLst>
+  </p:timing>
 </p:sld>
 </file>
 
@@ -4636,7 +4656,7 @@
           <p:cNvPr id="2" name="Subtitle 1">
             <a:extLst>
               <a:ext uri="{FF2B5EF4-FFF2-40B4-BE49-F238E27FC236}">
-                <a16:creationId xmlns:a16="http://schemas.microsoft.com/office/drawing/2014/main" id="{64CAD8B4-7A59-4A38-9057-4AC916D23596}"/>
+                <a16:creationId xmlns:a16="http://schemas.microsoft.com/office/drawing/2014/main" xmlns="" id="{64CAD8B4-7A59-4A38-9057-4AC916D23596}"/>
               </a:ext>
             </a:extLst>
           </p:cNvPr>
@@ -4825,7 +4845,7 @@
           <p:cNvPr id="3" name="Date Placeholder 2">
             <a:extLst>
               <a:ext uri="{FF2B5EF4-FFF2-40B4-BE49-F238E27FC236}">
-                <a16:creationId xmlns:a16="http://schemas.microsoft.com/office/drawing/2014/main" id="{552D0E73-294C-49D6-922B-EB49D5435395}"/>
+                <a16:creationId xmlns:a16="http://schemas.microsoft.com/office/drawing/2014/main" xmlns="" id="{552D0E73-294C-49D6-922B-EB49D5435395}"/>
               </a:ext>
             </a:extLst>
           </p:cNvPr>
@@ -4854,7 +4874,7 @@
           <p:cNvPr id="4" name="Slide Number Placeholder 3">
             <a:extLst>
               <a:ext uri="{FF2B5EF4-FFF2-40B4-BE49-F238E27FC236}">
-                <a16:creationId xmlns:a16="http://schemas.microsoft.com/office/drawing/2014/main" id="{CAB3C53D-CC94-45F7-9874-3C12F5ED0BB3}"/>
+                <a16:creationId xmlns:a16="http://schemas.microsoft.com/office/drawing/2014/main" xmlns="" id="{CAB3C53D-CC94-45F7-9874-3C12F5ED0BB3}"/>
               </a:ext>
             </a:extLst>
           </p:cNvPr>
@@ -4883,7 +4903,7 @@
           <p:cNvPr id="5" name="Title 4">
             <a:extLst>
               <a:ext uri="{FF2B5EF4-FFF2-40B4-BE49-F238E27FC236}">
-                <a16:creationId xmlns:a16="http://schemas.microsoft.com/office/drawing/2014/main" id="{28277C3F-4CEE-4B5F-A496-C5BDC543E412}"/>
+                <a16:creationId xmlns:a16="http://schemas.microsoft.com/office/drawing/2014/main" xmlns="" id="{28277C3F-4CEE-4B5F-A496-C5BDC543E412}"/>
               </a:ext>
             </a:extLst>
           </p:cNvPr>
@@ -4919,6 +4939,13 @@
   <p:clrMapOvr>
     <a:masterClrMapping/>
   </p:clrMapOvr>
+  <p:timing>
+    <p:tnLst>
+      <p:par>
+        <p:cTn id="1" dur="indefinite" restart="never" nodeType="tmRoot"/>
+      </p:par>
+    </p:tnLst>
+  </p:timing>
 </p:sld>
 </file>
 
@@ -4944,7 +4971,7 @@
           <p:cNvPr id="2" name="Subtitle 1">
             <a:extLst>
               <a:ext uri="{FF2B5EF4-FFF2-40B4-BE49-F238E27FC236}">
-                <a16:creationId xmlns:a16="http://schemas.microsoft.com/office/drawing/2014/main" id="{BD2BC735-4E05-46BE-AA6A-17F59E903933}"/>
+                <a16:creationId xmlns:a16="http://schemas.microsoft.com/office/drawing/2014/main" xmlns="" id="{BD2BC735-4E05-46BE-AA6A-17F59E903933}"/>
               </a:ext>
             </a:extLst>
           </p:cNvPr>
@@ -5073,7 +5100,7 @@
           <p:cNvPr id="3" name="Date Placeholder 2">
             <a:extLst>
               <a:ext uri="{FF2B5EF4-FFF2-40B4-BE49-F238E27FC236}">
-                <a16:creationId xmlns:a16="http://schemas.microsoft.com/office/drawing/2014/main" id="{2644ACFE-91AE-4B33-A167-3EF36FCF900F}"/>
+                <a16:creationId xmlns:a16="http://schemas.microsoft.com/office/drawing/2014/main" xmlns="" id="{2644ACFE-91AE-4B33-A167-3EF36FCF900F}"/>
               </a:ext>
             </a:extLst>
           </p:cNvPr>
@@ -5102,7 +5129,7 @@
           <p:cNvPr id="4" name="Slide Number Placeholder 3">
             <a:extLst>
               <a:ext uri="{FF2B5EF4-FFF2-40B4-BE49-F238E27FC236}">
-                <a16:creationId xmlns:a16="http://schemas.microsoft.com/office/drawing/2014/main" id="{8E1437FD-5039-4C22-AC5D-CFD3C052FBED}"/>
+                <a16:creationId xmlns:a16="http://schemas.microsoft.com/office/drawing/2014/main" xmlns="" id="{8E1437FD-5039-4C22-AC5D-CFD3C052FBED}"/>
               </a:ext>
             </a:extLst>
           </p:cNvPr>
@@ -5131,7 +5158,7 @@
           <p:cNvPr id="5" name="Title 4">
             <a:extLst>
               <a:ext uri="{FF2B5EF4-FFF2-40B4-BE49-F238E27FC236}">
-                <a16:creationId xmlns:a16="http://schemas.microsoft.com/office/drawing/2014/main" id="{C74E2CD4-5B49-4C41-84AB-50E7C758AAE1}"/>
+                <a16:creationId xmlns:a16="http://schemas.microsoft.com/office/drawing/2014/main" xmlns="" id="{C74E2CD4-5B49-4C41-84AB-50E7C758AAE1}"/>
               </a:ext>
             </a:extLst>
           </p:cNvPr>
@@ -5160,7 +5187,7 @@
           <p:cNvPr id="6" name="Rectangle 5">
             <a:extLst>
               <a:ext uri="{FF2B5EF4-FFF2-40B4-BE49-F238E27FC236}">
-                <a16:creationId xmlns:a16="http://schemas.microsoft.com/office/drawing/2014/main" id="{143F8B14-9C3A-4458-9C4C-40FDE74DA99D}"/>
+                <a16:creationId xmlns:a16="http://schemas.microsoft.com/office/drawing/2014/main" xmlns="" id="{143F8B14-9C3A-4458-9C4C-40FDE74DA99D}"/>
               </a:ext>
             </a:extLst>
           </p:cNvPr>
@@ -5321,7 +5348,7 @@
           <p:cNvPr id="7" name="Rectangle 6">
             <a:extLst>
               <a:ext uri="{FF2B5EF4-FFF2-40B4-BE49-F238E27FC236}">
-                <a16:creationId xmlns:a16="http://schemas.microsoft.com/office/drawing/2014/main" id="{A67B3176-677B-4A41-AE81-D219F4C92BF1}"/>
+                <a16:creationId xmlns:a16="http://schemas.microsoft.com/office/drawing/2014/main" xmlns="" id="{A67B3176-677B-4A41-AE81-D219F4C92BF1}"/>
               </a:ext>
             </a:extLst>
           </p:cNvPr>
@@ -5568,7 +5595,7 @@
           <p:cNvPr id="12" name="Rectangle 11">
             <a:extLst>
               <a:ext uri="{FF2B5EF4-FFF2-40B4-BE49-F238E27FC236}">
-                <a16:creationId xmlns:a16="http://schemas.microsoft.com/office/drawing/2014/main" id="{6B4BD9AC-078C-4177-B25F-6121F6E46783}"/>
+                <a16:creationId xmlns:a16="http://schemas.microsoft.com/office/drawing/2014/main" xmlns="" id="{6B4BD9AC-078C-4177-B25F-6121F6E46783}"/>
               </a:ext>
             </a:extLst>
           </p:cNvPr>
@@ -5761,7 +5788,7 @@
           <p:cNvPr id="19" name="Straight Arrow Connector 18">
             <a:extLst>
               <a:ext uri="{FF2B5EF4-FFF2-40B4-BE49-F238E27FC236}">
-                <a16:creationId xmlns:a16="http://schemas.microsoft.com/office/drawing/2014/main" id="{B25D8612-6663-445D-806D-BECB0C64FD24}"/>
+                <a16:creationId xmlns:a16="http://schemas.microsoft.com/office/drawing/2014/main" xmlns="" id="{B25D8612-6663-445D-806D-BECB0C64FD24}"/>
               </a:ext>
             </a:extLst>
           </p:cNvPr>
@@ -5803,7 +5830,7 @@
           <p:cNvPr id="20" name="TextBox 19">
             <a:extLst>
               <a:ext uri="{FF2B5EF4-FFF2-40B4-BE49-F238E27FC236}">
-                <a16:creationId xmlns:a16="http://schemas.microsoft.com/office/drawing/2014/main" id="{BC120263-74E9-4C5F-B8EB-B79619E1AFFF}"/>
+                <a16:creationId xmlns:a16="http://schemas.microsoft.com/office/drawing/2014/main" xmlns="" id="{BC120263-74E9-4C5F-B8EB-B79619E1AFFF}"/>
               </a:ext>
             </a:extLst>
           </p:cNvPr>
@@ -5840,7 +5867,7 @@
           <p:cNvPr id="22" name="Straight Arrow Connector 21">
             <a:extLst>
               <a:ext uri="{FF2B5EF4-FFF2-40B4-BE49-F238E27FC236}">
-                <a16:creationId xmlns:a16="http://schemas.microsoft.com/office/drawing/2014/main" id="{9AF7F6F0-5441-4457-8718-1F33D22C5B09}"/>
+                <a16:creationId xmlns:a16="http://schemas.microsoft.com/office/drawing/2014/main" xmlns="" id="{9AF7F6F0-5441-4457-8718-1F33D22C5B09}"/>
               </a:ext>
             </a:extLst>
           </p:cNvPr>
@@ -6139,7 +6166,7 @@
           <p:cNvPr id="2" name="Subtitle 1">
             <a:extLst>
               <a:ext uri="{FF2B5EF4-FFF2-40B4-BE49-F238E27FC236}">
-                <a16:creationId xmlns:a16="http://schemas.microsoft.com/office/drawing/2014/main" id="{F4D34063-F0A9-49BC-BD39-CCB7DA5B1882}"/>
+                <a16:creationId xmlns:a16="http://schemas.microsoft.com/office/drawing/2014/main" xmlns="" id="{F4D34063-F0A9-49BC-BD39-CCB7DA5B1882}"/>
               </a:ext>
             </a:extLst>
           </p:cNvPr>
@@ -6158,20 +6185,70 @@
           <a:lstStyle/>
           <a:p>
             <a:r>
-              <a:rPr lang="en-US" dirty="0" err="1"/>
-              <a:t>JFreeChart</a:t>
-            </a:r>
-            <a:r>
               <a:rPr lang="en-US" dirty="0"/>
-              <a:t> for the Visualization of Results</a:t>
-            </a:r>
-          </a:p>
-          <a:p>
+              <a:t>JFreeChart for the Visualization of Results</a:t>
+            </a:r>
+          </a:p>
+          <a:p>
+            <a:endParaRPr lang="en-US" dirty="0" smtClean="0"/>
+          </a:p>
+          <a:p>
+            <a:pPr marL="285750" indent="-285750">
+              <a:buFontTx/>
+              <a:buChar char="-"/>
+            </a:pPr>
+            <a:r>
+              <a:rPr lang="en-US" dirty="0" smtClean="0"/>
+              <a:t>What </a:t>
+            </a:r>
+            <a:r>
+              <a:rPr lang="en-US" dirty="0"/>
+              <a:t>is </a:t>
+            </a:r>
+            <a:r>
+              <a:rPr lang="en-US" dirty="0" smtClean="0"/>
+              <a:t>JFreeChart?</a:t>
+            </a:r>
+          </a:p>
+          <a:p>
+            <a:pPr marL="285750" indent="-285750">
+              <a:buFontTx/>
+              <a:buChar char="-"/>
+            </a:pPr>
+            <a:r>
+              <a:rPr lang="en-US" dirty="0" smtClean="0"/>
+              <a:t>What kind of graphs can be modeled with JFreeChart?</a:t>
+            </a:r>
+          </a:p>
+          <a:p>
+            <a:pPr marL="285750" indent="-285750">
+              <a:buFontTx/>
+              <a:buChar char="-"/>
+            </a:pPr>
+            <a:r>
+              <a:rPr lang="en-US" dirty="0" smtClean="0"/>
+              <a:t>What kind of </a:t>
+            </a:r>
+            <a:r>
+              <a:rPr lang="en-US" dirty="0"/>
+              <a:t>Output-files can </a:t>
+            </a:r>
+            <a:r>
+              <a:rPr lang="en-US" dirty="0" smtClean="0"/>
+              <a:t>JFreeChart support?</a:t>
+            </a:r>
+          </a:p>
+          <a:p>
+            <a:pPr marL="285750" indent="-285750">
+              <a:buFontTx/>
+              <a:buChar char="-"/>
+            </a:pPr>
+            <a:r>
+              <a:rPr lang="en-US" dirty="0" smtClean="0"/>
+              <a:t>Code example for a XY-Chart</a:t>
+            </a:r>
             <a:endParaRPr lang="en-US" dirty="0"/>
           </a:p>
-          <a:p>
-            <a:endParaRPr lang="en-US" dirty="0"/>
-          </a:p>
         </p:txBody>
       </p:sp>
       <p:sp>
@@ -6179,7 +6256,7 @@
           <p:cNvPr id="3" name="Date Placeholder 2">
             <a:extLst>
               <a:ext uri="{FF2B5EF4-FFF2-40B4-BE49-F238E27FC236}">
-                <a16:creationId xmlns:a16="http://schemas.microsoft.com/office/drawing/2014/main" id="{89359392-62F7-4379-8110-61E822768C94}"/>
+                <a16:creationId xmlns:a16="http://schemas.microsoft.com/office/drawing/2014/main" xmlns="" id="{89359392-62F7-4379-8110-61E822768C94}"/>
               </a:ext>
             </a:extLst>
           </p:cNvPr>
@@ -6208,7 +6285,7 @@
           <p:cNvPr id="4" name="Slide Number Placeholder 3">
             <a:extLst>
               <a:ext uri="{FF2B5EF4-FFF2-40B4-BE49-F238E27FC236}">
-                <a16:creationId xmlns:a16="http://schemas.microsoft.com/office/drawing/2014/main" id="{A6E6832B-EB59-46B0-A215-C28A39A4E6F1}"/>
+                <a16:creationId xmlns:a16="http://schemas.microsoft.com/office/drawing/2014/main" xmlns="" id="{A6E6832B-EB59-46B0-A215-C28A39A4E6F1}"/>
               </a:ext>
             </a:extLst>
           </p:cNvPr>
@@ -6237,7 +6314,7 @@
           <p:cNvPr id="5" name="Title 4">
             <a:extLst>
               <a:ext uri="{FF2B5EF4-FFF2-40B4-BE49-F238E27FC236}">
-                <a16:creationId xmlns:a16="http://schemas.microsoft.com/office/drawing/2014/main" id="{8830312A-3C52-43E5-A670-BFF011CE9FEE}"/>
+                <a16:creationId xmlns:a16="http://schemas.microsoft.com/office/drawing/2014/main" xmlns="" id="{8830312A-3C52-43E5-A670-BFF011CE9FEE}"/>
               </a:ext>
             </a:extLst>
           </p:cNvPr>
@@ -6256,24 +6333,28 @@
           <a:lstStyle/>
           <a:p>
             <a:r>
+              <a:rPr lang="de-DE" dirty="0"/>
+              <a:t>Visualization </a:t>
+            </a:r>
+            <a:r>
               <a:rPr lang="de-DE" dirty="0" err="1"/>
-              <a:t>Visualization</a:t>
+              <a:t>of</a:t>
             </a:r>
             <a:r>
               <a:rPr lang="de-DE" dirty="0"/>
               <a:t> </a:t>
             </a:r>
             <a:r>
-              <a:rPr lang="de-DE" dirty="0" err="1"/>
-              <a:t>of</a:t>
+              <a:rPr lang="de-DE" dirty="0" err="1" smtClean="0"/>
+              <a:t>Results</a:t>
             </a:r>
             <a:r>
               <a:rPr lang="de-DE" dirty="0"/>
               <a:t> </a:t>
             </a:r>
             <a:r>
-              <a:rPr lang="de-DE" dirty="0" err="1"/>
-              <a:t>Results</a:t>
+              <a:rPr lang="de-DE" dirty="0" smtClean="0"/>
+              <a:t>(1/7)</a:t>
             </a:r>
             <a:endParaRPr lang="en-GB" dirty="0"/>
           </a:p>
@@ -6289,6 +6370,916 @@
   <p:clrMapOvr>
     <a:masterClrMapping/>
   </p:clrMapOvr>
+  <p:timing>
+    <p:tnLst>
+      <p:par>
+        <p:cTn id="1" dur="indefinite" restart="never" nodeType="tmRoot"/>
+      </p:par>
+    </p:tnLst>
+  </p:timing>
+</p:sld>
+</file>
+
+<file path=ppt/slides/slide17.xml><?xml version="1.0" encoding="utf-8"?>
+<p:sld xmlns:a="http://schemas.openxmlformats.org/drawingml/2006/main" xmlns:r="http://schemas.openxmlformats.org/officeDocument/2006/relationships" xmlns:p="http://schemas.openxmlformats.org/presentationml/2006/main">
+  <p:cSld>
+    <p:spTree>
+      <p:nvGrpSpPr>
+        <p:cNvPr id="1" name=""/>
+        <p:cNvGrpSpPr/>
+        <p:nvPr/>
+      </p:nvGrpSpPr>
+      <p:grpSpPr>
+        <a:xfrm>
+          <a:off x="0" y="0"/>
+          <a:ext cx="0" cy="0"/>
+          <a:chOff x="0" y="0"/>
+          <a:chExt cx="0" cy="0"/>
+        </a:xfrm>
+      </p:grpSpPr>
+      <p:sp>
+        <p:nvSpPr>
+          <p:cNvPr id="2" name="Subtitle 1">
+            <a:extLst>
+              <a:ext uri="{FF2B5EF4-FFF2-40B4-BE49-F238E27FC236}">
+                <a16:creationId xmlns:a16="http://schemas.microsoft.com/office/drawing/2014/main" xmlns="" id="{F4D34063-F0A9-49BC-BD39-CCB7DA5B1882}"/>
+              </a:ext>
+            </a:extLst>
+          </p:cNvPr>
+          <p:cNvSpPr>
+            <a:spLocks noGrp="1"/>
+          </p:cNvSpPr>
+          <p:nvPr>
+            <p:ph type="subTitle" idx="1"/>
+          </p:nvPr>
+        </p:nvSpPr>
+        <p:spPr/>
+        <p:txBody>
+          <a:bodyPr>
+            <a:normAutofit/>
+          </a:bodyPr>
+          <a:lstStyle/>
+          <a:p>
+            <a:endParaRPr lang="en-US" dirty="0"/>
+          </a:p>
+          <a:p>
+            <a:pPr marL="285750" indent="-285750">
+              <a:buFontTx/>
+              <a:buChar char="-"/>
+            </a:pPr>
+            <a:r>
+              <a:rPr lang="en-US" dirty="0" smtClean="0"/>
+              <a:t>What is JFreeChart?</a:t>
+            </a:r>
+          </a:p>
+          <a:p>
+            <a:pPr marL="285750" indent="-285750">
+              <a:buFontTx/>
+              <a:buChar char="-"/>
+            </a:pPr>
+            <a:endParaRPr lang="en-US" dirty="0"/>
+          </a:p>
+          <a:p>
+            <a:pPr marL="285750" indent="-285750">
+              <a:buFontTx/>
+              <a:buChar char="-"/>
+            </a:pPr>
+            <a:r>
+              <a:rPr lang="en-US" dirty="0" smtClean="0"/>
+              <a:t>JFreeChart as a free 100</a:t>
+            </a:r>
+            <a:r>
+              <a:rPr lang="en-US" dirty="0"/>
+              <a:t>% </a:t>
+            </a:r>
+            <a:r>
+              <a:rPr lang="en-US" dirty="0" smtClean="0"/>
+              <a:t>Java </a:t>
+            </a:r>
+            <a:r>
+              <a:rPr lang="en-US" dirty="0"/>
+              <a:t>chart library</a:t>
+            </a:r>
+            <a:endParaRPr lang="en-US" dirty="0"/>
+          </a:p>
+        </p:txBody>
+      </p:sp>
+      <p:sp>
+        <p:nvSpPr>
+          <p:cNvPr id="3" name="Date Placeholder 2">
+            <a:extLst>
+              <a:ext uri="{FF2B5EF4-FFF2-40B4-BE49-F238E27FC236}">
+                <a16:creationId xmlns:a16="http://schemas.microsoft.com/office/drawing/2014/main" xmlns="" id="{89359392-62F7-4379-8110-61E822768C94}"/>
+              </a:ext>
+            </a:extLst>
+          </p:cNvPr>
+          <p:cNvSpPr>
+            <a:spLocks noGrp="1"/>
+          </p:cNvSpPr>
+          <p:nvPr>
+            <p:ph type="dt" sz="half" idx="10"/>
+          </p:nvPr>
+        </p:nvSpPr>
+        <p:spPr/>
+        <p:txBody>
+          <a:bodyPr/>
+          <a:lstStyle/>
+          <a:p>
+            <a:r>
+              <a:rPr lang="en-US" dirty="0"/>
+              <a:t>06.03.2018</a:t>
+            </a:r>
+            <a:endParaRPr lang="de-DE" dirty="0"/>
+          </a:p>
+        </p:txBody>
+      </p:sp>
+      <p:sp>
+        <p:nvSpPr>
+          <p:cNvPr id="4" name="Slide Number Placeholder 3">
+            <a:extLst>
+              <a:ext uri="{FF2B5EF4-FFF2-40B4-BE49-F238E27FC236}">
+                <a16:creationId xmlns:a16="http://schemas.microsoft.com/office/drawing/2014/main" xmlns="" id="{A6E6832B-EB59-46B0-A215-C28A39A4E6F1}"/>
+              </a:ext>
+            </a:extLst>
+          </p:cNvPr>
+          <p:cNvSpPr>
+            <a:spLocks noGrp="1"/>
+          </p:cNvSpPr>
+          <p:nvPr>
+            <p:ph type="sldNum" sz="quarter" idx="12"/>
+          </p:nvPr>
+        </p:nvSpPr>
+        <p:spPr/>
+        <p:txBody>
+          <a:bodyPr/>
+          <a:lstStyle/>
+          <a:p>
+            <a:fld id="{8271DC61-FD4F-6F42-810D-876D2F91EC3B}" type="slidenum">
+              <a:rPr lang="de-DE" smtClean="0"/>
+              <a:t>17</a:t>
+            </a:fld>
+            <a:endParaRPr lang="de-DE"/>
+          </a:p>
+        </p:txBody>
+      </p:sp>
+      <p:sp>
+        <p:nvSpPr>
+          <p:cNvPr id="5" name="Title 4">
+            <a:extLst>
+              <a:ext uri="{FF2B5EF4-FFF2-40B4-BE49-F238E27FC236}">
+                <a16:creationId xmlns:a16="http://schemas.microsoft.com/office/drawing/2014/main" xmlns="" id="{8830312A-3C52-43E5-A670-BFF011CE9FEE}"/>
+              </a:ext>
+            </a:extLst>
+          </p:cNvPr>
+          <p:cNvSpPr>
+            <a:spLocks noGrp="1"/>
+          </p:cNvSpPr>
+          <p:nvPr>
+            <p:ph type="ctrTitle"/>
+          </p:nvPr>
+        </p:nvSpPr>
+        <p:spPr/>
+        <p:txBody>
+          <a:bodyPr>
+            <a:normAutofit/>
+          </a:bodyPr>
+          <a:lstStyle/>
+          <a:p>
+            <a:r>
+              <a:rPr lang="de-DE" dirty="0"/>
+              <a:t>Visualization </a:t>
+            </a:r>
+            <a:r>
+              <a:rPr lang="de-DE" dirty="0" err="1"/>
+              <a:t>of</a:t>
+            </a:r>
+            <a:r>
+              <a:rPr lang="de-DE" dirty="0"/>
+              <a:t> </a:t>
+            </a:r>
+            <a:r>
+              <a:rPr lang="de-DE" dirty="0" err="1" smtClean="0"/>
+              <a:t>Results</a:t>
+            </a:r>
+            <a:r>
+              <a:rPr lang="de-DE" dirty="0"/>
+              <a:t> (</a:t>
+            </a:r>
+            <a:r>
+              <a:rPr lang="de-DE" dirty="0" smtClean="0"/>
+              <a:t>2/7)</a:t>
+            </a:r>
+            <a:endParaRPr lang="en-GB" dirty="0"/>
+          </a:p>
+        </p:txBody>
+      </p:sp>
+    </p:spTree>
+    <p:extLst>
+      <p:ext uri="{BB962C8B-B14F-4D97-AF65-F5344CB8AC3E}">
+        <p14:creationId xmlns:p14="http://schemas.microsoft.com/office/powerpoint/2010/main" val="1124148944"/>
+      </p:ext>
+    </p:extLst>
+  </p:cSld>
+  <p:clrMapOvr>
+    <a:masterClrMapping/>
+  </p:clrMapOvr>
+  <p:timing>
+    <p:tnLst>
+      <p:par>
+        <p:cTn id="1" dur="indefinite" restart="never" nodeType="tmRoot"/>
+      </p:par>
+    </p:tnLst>
+  </p:timing>
+</p:sld>
+</file>
+
+<file path=ppt/slides/slide18.xml><?xml version="1.0" encoding="utf-8"?>
+<p:sld xmlns:a="http://schemas.openxmlformats.org/drawingml/2006/main" xmlns:r="http://schemas.openxmlformats.org/officeDocument/2006/relationships" xmlns:p="http://schemas.openxmlformats.org/presentationml/2006/main">
+  <p:cSld>
+    <p:spTree>
+      <p:nvGrpSpPr>
+        <p:cNvPr id="1" name=""/>
+        <p:cNvGrpSpPr/>
+        <p:nvPr/>
+      </p:nvGrpSpPr>
+      <p:grpSpPr>
+        <a:xfrm>
+          <a:off x="0" y="0"/>
+          <a:ext cx="0" cy="0"/>
+          <a:chOff x="0" y="0"/>
+          <a:chExt cx="0" cy="0"/>
+        </a:xfrm>
+      </p:grpSpPr>
+      <p:sp>
+        <p:nvSpPr>
+          <p:cNvPr id="2" name="Subtitle 1">
+            <a:extLst>
+              <a:ext uri="{FF2B5EF4-FFF2-40B4-BE49-F238E27FC236}">
+                <a16:creationId xmlns:a16="http://schemas.microsoft.com/office/drawing/2014/main" xmlns="" id="{F4D34063-F0A9-49BC-BD39-CCB7DA5B1882}"/>
+              </a:ext>
+            </a:extLst>
+          </p:cNvPr>
+          <p:cNvSpPr>
+            <a:spLocks noGrp="1"/>
+          </p:cNvSpPr>
+          <p:nvPr>
+            <p:ph type="subTitle" idx="1"/>
+          </p:nvPr>
+        </p:nvSpPr>
+        <p:spPr/>
+        <p:txBody>
+          <a:bodyPr>
+            <a:normAutofit/>
+          </a:bodyPr>
+          <a:lstStyle/>
+          <a:p>
+            <a:pPr marL="285750" indent="-285750">
+              <a:buFontTx/>
+              <a:buChar char="-"/>
+            </a:pPr>
+            <a:r>
+              <a:rPr lang="en-US" dirty="0" smtClean="0"/>
+              <a:t>What </a:t>
+            </a:r>
+            <a:r>
+              <a:rPr lang="en-US" dirty="0"/>
+              <a:t>kind of graphs can be modeled with </a:t>
+            </a:r>
+            <a:r>
+              <a:rPr lang="en-US" dirty="0" smtClean="0"/>
+              <a:t>JFreeChart?</a:t>
+            </a:r>
+          </a:p>
+          <a:p>
+            <a:r>
+              <a:rPr lang="en-US" dirty="0"/>
+              <a:t>	</a:t>
+            </a:r>
+            <a:endParaRPr lang="en-US" dirty="0" smtClean="0"/>
+          </a:p>
+          <a:p>
+            <a:r>
+              <a:rPr lang="en-US" dirty="0" smtClean="0"/>
+              <a:t>- </a:t>
+            </a:r>
+            <a:r>
+              <a:rPr lang="en-US" dirty="0"/>
+              <a:t>Pie </a:t>
+            </a:r>
+            <a:r>
+              <a:rPr lang="en-US" dirty="0" smtClean="0"/>
+              <a:t>Chart</a:t>
+            </a:r>
+          </a:p>
+          <a:p>
+            <a:endParaRPr lang="en-US" dirty="0" smtClean="0"/>
+          </a:p>
+          <a:p>
+            <a:r>
+              <a:rPr lang="en-US" dirty="0"/>
+              <a:t>	</a:t>
+            </a:r>
+            <a:endParaRPr lang="en-US" dirty="0" smtClean="0"/>
+          </a:p>
+          <a:p>
+            <a:endParaRPr lang="en-US" dirty="0"/>
+          </a:p>
+          <a:p>
+            <a:endParaRPr lang="en-US" dirty="0" smtClean="0"/>
+          </a:p>
+          <a:p>
+            <a:r>
+              <a:rPr lang="en-US" dirty="0" smtClean="0"/>
+              <a:t>- Bar Chart</a:t>
+            </a:r>
+          </a:p>
+          <a:p>
+            <a:r>
+              <a:rPr lang="en-US" dirty="0"/>
+              <a:t>	</a:t>
+            </a:r>
+            <a:endParaRPr lang="en-US" dirty="0" smtClean="0"/>
+          </a:p>
+          <a:p>
+            <a:endParaRPr lang="en-US" dirty="0"/>
+          </a:p>
+        </p:txBody>
+      </p:sp>
+      <p:sp>
+        <p:nvSpPr>
+          <p:cNvPr id="3" name="Date Placeholder 2">
+            <a:extLst>
+              <a:ext uri="{FF2B5EF4-FFF2-40B4-BE49-F238E27FC236}">
+                <a16:creationId xmlns:a16="http://schemas.microsoft.com/office/drawing/2014/main" xmlns="" id="{89359392-62F7-4379-8110-61E822768C94}"/>
+              </a:ext>
+            </a:extLst>
+          </p:cNvPr>
+          <p:cNvSpPr>
+            <a:spLocks noGrp="1"/>
+          </p:cNvSpPr>
+          <p:nvPr>
+            <p:ph type="dt" sz="half" idx="10"/>
+          </p:nvPr>
+        </p:nvSpPr>
+        <p:spPr/>
+        <p:txBody>
+          <a:bodyPr/>
+          <a:lstStyle/>
+          <a:p>
+            <a:r>
+              <a:rPr lang="en-US"/>
+              <a:t>06.03.2018</a:t>
+            </a:r>
+            <a:endParaRPr lang="de-DE"/>
+          </a:p>
+        </p:txBody>
+      </p:sp>
+      <p:sp>
+        <p:nvSpPr>
+          <p:cNvPr id="4" name="Slide Number Placeholder 3">
+            <a:extLst>
+              <a:ext uri="{FF2B5EF4-FFF2-40B4-BE49-F238E27FC236}">
+                <a16:creationId xmlns:a16="http://schemas.microsoft.com/office/drawing/2014/main" xmlns="" id="{A6E6832B-EB59-46B0-A215-C28A39A4E6F1}"/>
+              </a:ext>
+            </a:extLst>
+          </p:cNvPr>
+          <p:cNvSpPr>
+            <a:spLocks noGrp="1"/>
+          </p:cNvSpPr>
+          <p:nvPr>
+            <p:ph type="sldNum" sz="quarter" idx="12"/>
+          </p:nvPr>
+        </p:nvSpPr>
+        <p:spPr/>
+        <p:txBody>
+          <a:bodyPr/>
+          <a:lstStyle/>
+          <a:p>
+            <a:fld id="{8271DC61-FD4F-6F42-810D-876D2F91EC3B}" type="slidenum">
+              <a:rPr lang="de-DE" smtClean="0"/>
+              <a:t>18</a:t>
+            </a:fld>
+            <a:endParaRPr lang="de-DE"/>
+          </a:p>
+        </p:txBody>
+      </p:sp>
+      <p:sp>
+        <p:nvSpPr>
+          <p:cNvPr id="5" name="Title 4">
+            <a:extLst>
+              <a:ext uri="{FF2B5EF4-FFF2-40B4-BE49-F238E27FC236}">
+                <a16:creationId xmlns:a16="http://schemas.microsoft.com/office/drawing/2014/main" xmlns="" id="{8830312A-3C52-43E5-A670-BFF011CE9FEE}"/>
+              </a:ext>
+            </a:extLst>
+          </p:cNvPr>
+          <p:cNvSpPr>
+            <a:spLocks noGrp="1"/>
+          </p:cNvSpPr>
+          <p:nvPr>
+            <p:ph type="ctrTitle"/>
+          </p:nvPr>
+        </p:nvSpPr>
+        <p:spPr/>
+        <p:txBody>
+          <a:bodyPr>
+            <a:normAutofit/>
+          </a:bodyPr>
+          <a:lstStyle/>
+          <a:p>
+            <a:r>
+              <a:rPr lang="de-DE" dirty="0"/>
+              <a:t>Visualization </a:t>
+            </a:r>
+            <a:r>
+              <a:rPr lang="de-DE" dirty="0" err="1"/>
+              <a:t>of</a:t>
+            </a:r>
+            <a:r>
+              <a:rPr lang="de-DE" dirty="0"/>
+              <a:t> </a:t>
+            </a:r>
+            <a:r>
+              <a:rPr lang="de-DE" dirty="0" err="1" smtClean="0"/>
+              <a:t>Results</a:t>
+            </a:r>
+            <a:r>
+              <a:rPr lang="de-DE" dirty="0"/>
+              <a:t> </a:t>
+            </a:r>
+            <a:r>
+              <a:rPr lang="de-DE" dirty="0" smtClean="0"/>
+              <a:t>(3/7)</a:t>
+            </a:r>
+            <a:endParaRPr lang="en-GB" dirty="0"/>
+          </a:p>
+        </p:txBody>
+      </p:sp>
+      <p:pic>
+        <p:nvPicPr>
+          <p:cNvPr id="2050" name="Picture 2"/>
+          <p:cNvPicPr>
+            <a:picLocks noChangeAspect="1" noChangeArrowheads="1"/>
+          </p:cNvPicPr>
+          <p:nvPr/>
+        </p:nvPicPr>
+        <p:blipFill>
+          <a:blip r:embed="rId2">
+            <a:extLst>
+              <a:ext uri="{28A0092B-C50C-407E-A947-70E740481C1C}">
+                <a14:useLocalDpi xmlns:a14="http://schemas.microsoft.com/office/drawing/2010/main" val="0"/>
+              </a:ext>
+            </a:extLst>
+          </a:blip>
+          <a:srcRect/>
+          <a:stretch>
+            <a:fillRect/>
+          </a:stretch>
+        </p:blipFill>
+        <p:spPr bwMode="auto">
+          <a:xfrm>
+            <a:off x="4132428" y="1905206"/>
+            <a:ext cx="2078179" cy="1222458"/>
+          </a:xfrm>
+          <a:prstGeom prst="rect">
+            <a:avLst/>
+          </a:prstGeom>
+          <a:noFill/>
+          <a:ln>
+            <a:noFill/>
+          </a:ln>
+          <a:extLst>
+            <a:ext uri="{909E8E84-426E-40DD-AFC4-6F175D3DCCD1}">
+              <a14:hiddenFill xmlns:a14="http://schemas.microsoft.com/office/drawing/2010/main">
+                <a:solidFill>
+                  <a:schemeClr val="accent1"/>
+                </a:solidFill>
+              </a14:hiddenFill>
+            </a:ext>
+            <a:ext uri="{91240B29-F687-4F45-9708-019B960494DF}">
+              <a14:hiddenLine xmlns:a14="http://schemas.microsoft.com/office/drawing/2010/main" w="9525">
+                <a:solidFill>
+                  <a:schemeClr val="tx1"/>
+                </a:solidFill>
+                <a:miter lim="800000"/>
+                <a:headEnd/>
+                <a:tailEnd/>
+              </a14:hiddenLine>
+            </a:ext>
+          </a:extLst>
+        </p:spPr>
+      </p:pic>
+      <p:pic>
+        <p:nvPicPr>
+          <p:cNvPr id="2052" name="Picture 4"/>
+          <p:cNvPicPr>
+            <a:picLocks noChangeAspect="1" noChangeArrowheads="1"/>
+          </p:cNvPicPr>
+          <p:nvPr/>
+        </p:nvPicPr>
+        <p:blipFill>
+          <a:blip r:embed="rId3">
+            <a:extLst>
+              <a:ext uri="{28A0092B-C50C-407E-A947-70E740481C1C}">
+                <a14:useLocalDpi xmlns:a14="http://schemas.microsoft.com/office/drawing/2010/main" val="0"/>
+              </a:ext>
+            </a:extLst>
+          </a:blip>
+          <a:srcRect/>
+          <a:stretch>
+            <a:fillRect/>
+          </a:stretch>
+        </p:blipFill>
+        <p:spPr bwMode="auto">
+          <a:xfrm>
+            <a:off x="4132428" y="3421993"/>
+            <a:ext cx="2091422" cy="1222741"/>
+          </a:xfrm>
+          <a:prstGeom prst="rect">
+            <a:avLst/>
+          </a:prstGeom>
+          <a:noFill/>
+          <a:ln>
+            <a:noFill/>
+          </a:ln>
+          <a:extLst>
+            <a:ext uri="{909E8E84-426E-40DD-AFC4-6F175D3DCCD1}">
+              <a14:hiddenFill xmlns:a14="http://schemas.microsoft.com/office/drawing/2010/main">
+                <a:solidFill>
+                  <a:schemeClr val="accent1"/>
+                </a:solidFill>
+              </a14:hiddenFill>
+            </a:ext>
+            <a:ext uri="{91240B29-F687-4F45-9708-019B960494DF}">
+              <a14:hiddenLine xmlns:a14="http://schemas.microsoft.com/office/drawing/2010/main" w="9525">
+                <a:solidFill>
+                  <a:schemeClr val="tx1"/>
+                </a:solidFill>
+                <a:miter lim="800000"/>
+                <a:headEnd/>
+                <a:tailEnd/>
+              </a14:hiddenLine>
+            </a:ext>
+          </a:extLst>
+        </p:spPr>
+      </p:pic>
+    </p:spTree>
+    <p:extLst>
+      <p:ext uri="{BB962C8B-B14F-4D97-AF65-F5344CB8AC3E}">
+        <p14:creationId xmlns:p14="http://schemas.microsoft.com/office/powerpoint/2010/main" val="2434372490"/>
+      </p:ext>
+    </p:extLst>
+  </p:cSld>
+  <p:clrMapOvr>
+    <a:masterClrMapping/>
+  </p:clrMapOvr>
+  <p:timing>
+    <p:tnLst>
+      <p:par>
+        <p:cTn id="1" dur="indefinite" restart="never" nodeType="tmRoot"/>
+      </p:par>
+    </p:tnLst>
+  </p:timing>
+</p:sld>
+</file>
+
+<file path=ppt/slides/slide19.xml><?xml version="1.0" encoding="utf-8"?>
+<p:sld xmlns:a="http://schemas.openxmlformats.org/drawingml/2006/main" xmlns:r="http://schemas.openxmlformats.org/officeDocument/2006/relationships" xmlns:p="http://schemas.openxmlformats.org/presentationml/2006/main">
+  <p:cSld>
+    <p:spTree>
+      <p:nvGrpSpPr>
+        <p:cNvPr id="1" name=""/>
+        <p:cNvGrpSpPr/>
+        <p:nvPr/>
+      </p:nvGrpSpPr>
+      <p:grpSpPr>
+        <a:xfrm>
+          <a:off x="0" y="0"/>
+          <a:ext cx="0" cy="0"/>
+          <a:chOff x="0" y="0"/>
+          <a:chExt cx="0" cy="0"/>
+        </a:xfrm>
+      </p:grpSpPr>
+      <p:sp>
+        <p:nvSpPr>
+          <p:cNvPr id="2" name="Subtitle 1">
+            <a:extLst>
+              <a:ext uri="{FF2B5EF4-FFF2-40B4-BE49-F238E27FC236}">
+                <a16:creationId xmlns:a16="http://schemas.microsoft.com/office/drawing/2014/main" xmlns="" id="{F4D34063-F0A9-49BC-BD39-CCB7DA5B1882}"/>
+              </a:ext>
+            </a:extLst>
+          </p:cNvPr>
+          <p:cNvSpPr>
+            <a:spLocks noGrp="1"/>
+          </p:cNvSpPr>
+          <p:nvPr>
+            <p:ph type="subTitle" idx="1"/>
+          </p:nvPr>
+        </p:nvSpPr>
+        <p:spPr/>
+        <p:txBody>
+          <a:bodyPr>
+            <a:normAutofit/>
+          </a:bodyPr>
+          <a:lstStyle/>
+          <a:p>
+            <a:pPr marL="285750" indent="-285750">
+              <a:buFontTx/>
+              <a:buChar char="-"/>
+            </a:pPr>
+            <a:r>
+              <a:rPr lang="en-US" dirty="0" smtClean="0"/>
+              <a:t>What </a:t>
+            </a:r>
+            <a:r>
+              <a:rPr lang="en-US" dirty="0"/>
+              <a:t>kind of graphs can be modeled with </a:t>
+            </a:r>
+            <a:r>
+              <a:rPr lang="en-US" dirty="0" smtClean="0"/>
+              <a:t>JFreeChart?</a:t>
+            </a:r>
+            <a:r>
+              <a:rPr lang="en-US" dirty="0"/>
+              <a:t>	</a:t>
+            </a:r>
+            <a:endParaRPr lang="en-US" dirty="0" smtClean="0"/>
+          </a:p>
+          <a:p>
+            <a:r>
+              <a:rPr lang="en-US" dirty="0"/>
+              <a:t>	</a:t>
+            </a:r>
+            <a:endParaRPr lang="en-US" dirty="0" smtClean="0"/>
+          </a:p>
+          <a:p>
+            <a:r>
+              <a:rPr lang="en-US" dirty="0" smtClean="0"/>
+              <a:t>- XY Chart </a:t>
+            </a:r>
+          </a:p>
+          <a:p>
+            <a:endParaRPr lang="en-US" dirty="0" smtClean="0"/>
+          </a:p>
+          <a:p>
+            <a:endParaRPr lang="en-US" dirty="0" smtClean="0"/>
+          </a:p>
+          <a:p>
+            <a:endParaRPr lang="en-US" dirty="0"/>
+          </a:p>
+          <a:p>
+            <a:r>
+              <a:rPr lang="en-US" dirty="0" smtClean="0"/>
+              <a:t>- </a:t>
+            </a:r>
+            <a:r>
+              <a:rPr lang="en-US" dirty="0"/>
+              <a:t>Tim</a:t>
+            </a:r>
+            <a:r>
+              <a:rPr lang="en-US" dirty="0" smtClean="0"/>
+              <a:t>e Series Chart</a:t>
+            </a:r>
+            <a:endParaRPr lang="en-US" dirty="0" smtClean="0"/>
+          </a:p>
+          <a:p>
+            <a:endParaRPr lang="en-US" dirty="0"/>
+          </a:p>
+        </p:txBody>
+      </p:sp>
+      <p:sp>
+        <p:nvSpPr>
+          <p:cNvPr id="3" name="Date Placeholder 2">
+            <a:extLst>
+              <a:ext uri="{FF2B5EF4-FFF2-40B4-BE49-F238E27FC236}">
+                <a16:creationId xmlns:a16="http://schemas.microsoft.com/office/drawing/2014/main" xmlns="" id="{89359392-62F7-4379-8110-61E822768C94}"/>
+              </a:ext>
+            </a:extLst>
+          </p:cNvPr>
+          <p:cNvSpPr>
+            <a:spLocks noGrp="1"/>
+          </p:cNvSpPr>
+          <p:nvPr>
+            <p:ph type="dt" sz="half" idx="10"/>
+          </p:nvPr>
+        </p:nvSpPr>
+        <p:spPr/>
+        <p:txBody>
+          <a:bodyPr/>
+          <a:lstStyle/>
+          <a:p>
+            <a:r>
+              <a:rPr lang="en-US"/>
+              <a:t>06.03.2018</a:t>
+            </a:r>
+            <a:endParaRPr lang="de-DE"/>
+          </a:p>
+        </p:txBody>
+      </p:sp>
+      <p:sp>
+        <p:nvSpPr>
+          <p:cNvPr id="4" name="Slide Number Placeholder 3">
+            <a:extLst>
+              <a:ext uri="{FF2B5EF4-FFF2-40B4-BE49-F238E27FC236}">
+                <a16:creationId xmlns:a16="http://schemas.microsoft.com/office/drawing/2014/main" xmlns="" id="{A6E6832B-EB59-46B0-A215-C28A39A4E6F1}"/>
+              </a:ext>
+            </a:extLst>
+          </p:cNvPr>
+          <p:cNvSpPr>
+            <a:spLocks noGrp="1"/>
+          </p:cNvSpPr>
+          <p:nvPr>
+            <p:ph type="sldNum" sz="quarter" idx="12"/>
+          </p:nvPr>
+        </p:nvSpPr>
+        <p:spPr/>
+        <p:txBody>
+          <a:bodyPr/>
+          <a:lstStyle/>
+          <a:p>
+            <a:fld id="{8271DC61-FD4F-6F42-810D-876D2F91EC3B}" type="slidenum">
+              <a:rPr lang="de-DE" smtClean="0"/>
+              <a:t>19</a:t>
+            </a:fld>
+            <a:endParaRPr lang="de-DE"/>
+          </a:p>
+        </p:txBody>
+      </p:sp>
+      <p:sp>
+        <p:nvSpPr>
+          <p:cNvPr id="5" name="Title 4">
+            <a:extLst>
+              <a:ext uri="{FF2B5EF4-FFF2-40B4-BE49-F238E27FC236}">
+                <a16:creationId xmlns:a16="http://schemas.microsoft.com/office/drawing/2014/main" xmlns="" id="{8830312A-3C52-43E5-A670-BFF011CE9FEE}"/>
+              </a:ext>
+            </a:extLst>
+          </p:cNvPr>
+          <p:cNvSpPr>
+            <a:spLocks noGrp="1"/>
+          </p:cNvSpPr>
+          <p:nvPr>
+            <p:ph type="ctrTitle"/>
+          </p:nvPr>
+        </p:nvSpPr>
+        <p:spPr/>
+        <p:txBody>
+          <a:bodyPr>
+            <a:normAutofit/>
+          </a:bodyPr>
+          <a:lstStyle/>
+          <a:p>
+            <a:r>
+              <a:rPr lang="de-DE" dirty="0"/>
+              <a:t>Visualization </a:t>
+            </a:r>
+            <a:r>
+              <a:rPr lang="de-DE" dirty="0" err="1"/>
+              <a:t>of</a:t>
+            </a:r>
+            <a:r>
+              <a:rPr lang="de-DE" dirty="0"/>
+              <a:t> </a:t>
+            </a:r>
+            <a:r>
+              <a:rPr lang="de-DE" dirty="0" err="1" smtClean="0"/>
+              <a:t>Results</a:t>
+            </a:r>
+            <a:r>
+              <a:rPr lang="de-DE" dirty="0"/>
+              <a:t> </a:t>
+            </a:r>
+            <a:r>
+              <a:rPr lang="de-DE" dirty="0" smtClean="0"/>
+              <a:t>(4/7)</a:t>
+            </a:r>
+            <a:endParaRPr lang="en-GB" dirty="0"/>
+          </a:p>
+        </p:txBody>
+      </p:sp>
+      <p:pic>
+        <p:nvPicPr>
+          <p:cNvPr id="3074" name="Picture 2"/>
+          <p:cNvPicPr>
+            <a:picLocks noChangeAspect="1" noChangeArrowheads="1"/>
+          </p:cNvPicPr>
+          <p:nvPr/>
+        </p:nvPicPr>
+        <p:blipFill>
+          <a:blip r:embed="rId2">
+            <a:extLst>
+              <a:ext uri="{28A0092B-C50C-407E-A947-70E740481C1C}">
+                <a14:useLocalDpi xmlns:a14="http://schemas.microsoft.com/office/drawing/2010/main" val="0"/>
+              </a:ext>
+            </a:extLst>
+          </a:blip>
+          <a:srcRect/>
+          <a:stretch>
+            <a:fillRect/>
+          </a:stretch>
+        </p:blipFill>
+        <p:spPr bwMode="auto">
+          <a:xfrm>
+            <a:off x="3931399" y="1984663"/>
+            <a:ext cx="1943100" cy="1143000"/>
+          </a:xfrm>
+          <a:prstGeom prst="rect">
+            <a:avLst/>
+          </a:prstGeom>
+          <a:noFill/>
+          <a:ln>
+            <a:noFill/>
+          </a:ln>
+          <a:extLst>
+            <a:ext uri="{909E8E84-426E-40DD-AFC4-6F175D3DCCD1}">
+              <a14:hiddenFill xmlns:a14="http://schemas.microsoft.com/office/drawing/2010/main">
+                <a:solidFill>
+                  <a:schemeClr val="accent1"/>
+                </a:solidFill>
+              </a14:hiddenFill>
+            </a:ext>
+            <a:ext uri="{91240B29-F687-4F45-9708-019B960494DF}">
+              <a14:hiddenLine xmlns:a14="http://schemas.microsoft.com/office/drawing/2010/main" w="9525">
+                <a:solidFill>
+                  <a:schemeClr val="tx1"/>
+                </a:solidFill>
+                <a:miter lim="800000"/>
+                <a:headEnd/>
+                <a:tailEnd/>
+              </a14:hiddenLine>
+            </a:ext>
+          </a:extLst>
+        </p:spPr>
+      </p:pic>
+      <p:pic>
+        <p:nvPicPr>
+          <p:cNvPr id="3075" name="Picture 3"/>
+          <p:cNvPicPr>
+            <a:picLocks noChangeAspect="1" noChangeArrowheads="1"/>
+          </p:cNvPicPr>
+          <p:nvPr/>
+        </p:nvPicPr>
+        <p:blipFill>
+          <a:blip r:embed="rId3">
+            <a:extLst>
+              <a:ext uri="{28A0092B-C50C-407E-A947-70E740481C1C}">
+                <a14:useLocalDpi xmlns:a14="http://schemas.microsoft.com/office/drawing/2010/main" val="0"/>
+              </a:ext>
+            </a:extLst>
+          </a:blip>
+          <a:srcRect/>
+          <a:stretch>
+            <a:fillRect/>
+          </a:stretch>
+        </p:blipFill>
+        <p:spPr bwMode="auto">
+          <a:xfrm>
+            <a:off x="3931399" y="3335482"/>
+            <a:ext cx="1972804" cy="1153391"/>
+          </a:xfrm>
+          <a:prstGeom prst="rect">
+            <a:avLst/>
+          </a:prstGeom>
+          <a:noFill/>
+          <a:ln>
+            <a:noFill/>
+          </a:ln>
+          <a:extLst>
+            <a:ext uri="{909E8E84-426E-40DD-AFC4-6F175D3DCCD1}">
+              <a14:hiddenFill xmlns:a14="http://schemas.microsoft.com/office/drawing/2010/main">
+                <a:solidFill>
+                  <a:schemeClr val="accent1"/>
+                </a:solidFill>
+              </a14:hiddenFill>
+            </a:ext>
+            <a:ext uri="{91240B29-F687-4F45-9708-019B960494DF}">
+              <a14:hiddenLine xmlns:a14="http://schemas.microsoft.com/office/drawing/2010/main" w="9525">
+                <a:solidFill>
+                  <a:schemeClr val="tx1"/>
+                </a:solidFill>
+                <a:miter lim="800000"/>
+                <a:headEnd/>
+                <a:tailEnd/>
+              </a14:hiddenLine>
+            </a:ext>
+          </a:extLst>
+        </p:spPr>
+      </p:pic>
+    </p:spTree>
+    <p:extLst>
+      <p:ext uri="{BB962C8B-B14F-4D97-AF65-F5344CB8AC3E}">
+        <p14:creationId xmlns:p14="http://schemas.microsoft.com/office/powerpoint/2010/main" val="1251718333"/>
+      </p:ext>
+    </p:extLst>
+  </p:cSld>
+  <p:clrMapOvr>
+    <a:masterClrMapping/>
+  </p:clrMapOvr>
+  <p:timing>
+    <p:tnLst>
+      <p:par>
+        <p:cTn id="1" dur="indefinite" restart="never" nodeType="tmRoot"/>
+      </p:par>
+    </p:tnLst>
+  </p:timing>
 </p:sld>
 </file>
 
@@ -6314,7 +7305,7 @@
           <p:cNvPr id="2" name="Subtitle 1">
             <a:extLst>
               <a:ext uri="{FF2B5EF4-FFF2-40B4-BE49-F238E27FC236}">
-                <a16:creationId xmlns:a16="http://schemas.microsoft.com/office/drawing/2014/main" id="{2BBBAF41-37C6-4D89-8872-60F0D49AC704}"/>
+                <a16:creationId xmlns:a16="http://schemas.microsoft.com/office/drawing/2014/main" xmlns="" id="{2BBBAF41-37C6-4D89-8872-60F0D49AC704}"/>
               </a:ext>
             </a:extLst>
           </p:cNvPr>
@@ -6636,7 +7627,7 @@
           <p:cNvPr id="3" name="Date Placeholder 2">
             <a:extLst>
               <a:ext uri="{FF2B5EF4-FFF2-40B4-BE49-F238E27FC236}">
-                <a16:creationId xmlns:a16="http://schemas.microsoft.com/office/drawing/2014/main" id="{121FA0AF-1275-43FA-8437-9F18339AC98D}"/>
+                <a16:creationId xmlns:a16="http://schemas.microsoft.com/office/drawing/2014/main" xmlns="" id="{121FA0AF-1275-43FA-8437-9F18339AC98D}"/>
               </a:ext>
             </a:extLst>
           </p:cNvPr>
@@ -6665,7 +7656,7 @@
           <p:cNvPr id="4" name="Slide Number Placeholder 3">
             <a:extLst>
               <a:ext uri="{FF2B5EF4-FFF2-40B4-BE49-F238E27FC236}">
-                <a16:creationId xmlns:a16="http://schemas.microsoft.com/office/drawing/2014/main" id="{BDBFF7EF-EDB8-4646-A27A-36BB56EEC750}"/>
+                <a16:creationId xmlns:a16="http://schemas.microsoft.com/office/drawing/2014/main" xmlns="" id="{BDBFF7EF-EDB8-4646-A27A-36BB56EEC750}"/>
               </a:ext>
             </a:extLst>
           </p:cNvPr>
@@ -6694,7 +7685,7 @@
           <p:cNvPr id="5" name="Title 4">
             <a:extLst>
               <a:ext uri="{FF2B5EF4-FFF2-40B4-BE49-F238E27FC236}">
-                <a16:creationId xmlns:a16="http://schemas.microsoft.com/office/drawing/2014/main" id="{1B21BA66-F7CB-491D-98B6-95379BDA6EC4}"/>
+                <a16:creationId xmlns:a16="http://schemas.microsoft.com/office/drawing/2014/main" xmlns="" id="{1B21BA66-F7CB-491D-98B6-95379BDA6EC4}"/>
               </a:ext>
             </a:extLst>
           </p:cNvPr>
@@ -6728,6 +7719,783 @@
   <p:clrMapOvr>
     <a:masterClrMapping/>
   </p:clrMapOvr>
+</p:sld>
+</file>
+
+<file path=ppt/slides/slide20.xml><?xml version="1.0" encoding="utf-8"?>
+<p:sld xmlns:a="http://schemas.openxmlformats.org/drawingml/2006/main" xmlns:r="http://schemas.openxmlformats.org/officeDocument/2006/relationships" xmlns:p="http://schemas.openxmlformats.org/presentationml/2006/main">
+  <p:cSld>
+    <p:spTree>
+      <p:nvGrpSpPr>
+        <p:cNvPr id="1" name=""/>
+        <p:cNvGrpSpPr/>
+        <p:nvPr/>
+      </p:nvGrpSpPr>
+      <p:grpSpPr>
+        <a:xfrm>
+          <a:off x="0" y="0"/>
+          <a:ext cx="0" cy="0"/>
+          <a:chOff x="0" y="0"/>
+          <a:chExt cx="0" cy="0"/>
+        </a:xfrm>
+      </p:grpSpPr>
+      <p:sp>
+        <p:nvSpPr>
+          <p:cNvPr id="2" name="Subtitle 1">
+            <a:extLst>
+              <a:ext uri="{FF2B5EF4-FFF2-40B4-BE49-F238E27FC236}">
+                <a16:creationId xmlns:a16="http://schemas.microsoft.com/office/drawing/2014/main" xmlns="" id="{F4D34063-F0A9-49BC-BD39-CCB7DA5B1882}"/>
+              </a:ext>
+            </a:extLst>
+          </p:cNvPr>
+          <p:cNvSpPr>
+            <a:spLocks noGrp="1"/>
+          </p:cNvSpPr>
+          <p:nvPr>
+            <p:ph type="subTitle" idx="1"/>
+          </p:nvPr>
+        </p:nvSpPr>
+        <p:spPr/>
+        <p:txBody>
+          <a:bodyPr>
+            <a:normAutofit/>
+          </a:bodyPr>
+          <a:lstStyle/>
+          <a:p>
+            <a:pPr marL="285750" indent="-285750">
+              <a:buFontTx/>
+              <a:buChar char="-"/>
+            </a:pPr>
+            <a:r>
+              <a:rPr lang="en-US" dirty="0" smtClean="0"/>
+              <a:t>What </a:t>
+            </a:r>
+            <a:r>
+              <a:rPr lang="en-US" dirty="0"/>
+              <a:t>kind of Output-files can JFreeChart support</a:t>
+            </a:r>
+            <a:r>
+              <a:rPr lang="en-US" dirty="0" smtClean="0"/>
+              <a:t>?</a:t>
+            </a:r>
+          </a:p>
+          <a:p>
+            <a:pPr marL="285750" indent="-285750">
+              <a:buFontTx/>
+              <a:buChar char="-"/>
+            </a:pPr>
+            <a:endParaRPr lang="en-US" dirty="0"/>
+          </a:p>
+          <a:p>
+            <a:pPr marL="285750" indent="-285750">
+              <a:buFontTx/>
+              <a:buChar char="-"/>
+            </a:pPr>
+            <a:r>
+              <a:rPr lang="en-US" dirty="0"/>
+              <a:t>Swing and </a:t>
+            </a:r>
+            <a:r>
+              <a:rPr lang="en-US" dirty="0" smtClean="0"/>
+              <a:t>JavaFX</a:t>
+            </a:r>
+          </a:p>
+          <a:p>
+            <a:pPr marL="285750" indent="-285750">
+              <a:buFontTx/>
+              <a:buChar char="-"/>
+            </a:pPr>
+            <a:r>
+              <a:rPr lang="en-US" dirty="0" smtClean="0"/>
+              <a:t>PNG and JPEG</a:t>
+            </a:r>
+          </a:p>
+          <a:p>
+            <a:pPr marL="285750" indent="-285750">
+              <a:buFontTx/>
+              <a:buChar char="-"/>
+            </a:pPr>
+            <a:r>
+              <a:rPr lang="en-US" dirty="0" smtClean="0"/>
+              <a:t>PDF, EPS and SVG</a:t>
+            </a:r>
+            <a:endParaRPr lang="en-US" dirty="0"/>
+          </a:p>
+          <a:p>
+            <a:endParaRPr lang="en-US" dirty="0"/>
+          </a:p>
+        </p:txBody>
+      </p:sp>
+      <p:sp>
+        <p:nvSpPr>
+          <p:cNvPr id="3" name="Date Placeholder 2">
+            <a:extLst>
+              <a:ext uri="{FF2B5EF4-FFF2-40B4-BE49-F238E27FC236}">
+                <a16:creationId xmlns:a16="http://schemas.microsoft.com/office/drawing/2014/main" xmlns="" id="{89359392-62F7-4379-8110-61E822768C94}"/>
+              </a:ext>
+            </a:extLst>
+          </p:cNvPr>
+          <p:cNvSpPr>
+            <a:spLocks noGrp="1"/>
+          </p:cNvSpPr>
+          <p:nvPr>
+            <p:ph type="dt" sz="half" idx="10"/>
+          </p:nvPr>
+        </p:nvSpPr>
+        <p:spPr/>
+        <p:txBody>
+          <a:bodyPr/>
+          <a:lstStyle/>
+          <a:p>
+            <a:r>
+              <a:rPr lang="en-US"/>
+              <a:t>06.03.2018</a:t>
+            </a:r>
+            <a:endParaRPr lang="de-DE"/>
+          </a:p>
+        </p:txBody>
+      </p:sp>
+      <p:sp>
+        <p:nvSpPr>
+          <p:cNvPr id="4" name="Slide Number Placeholder 3">
+            <a:extLst>
+              <a:ext uri="{FF2B5EF4-FFF2-40B4-BE49-F238E27FC236}">
+                <a16:creationId xmlns:a16="http://schemas.microsoft.com/office/drawing/2014/main" xmlns="" id="{A6E6832B-EB59-46B0-A215-C28A39A4E6F1}"/>
+              </a:ext>
+            </a:extLst>
+          </p:cNvPr>
+          <p:cNvSpPr>
+            <a:spLocks noGrp="1"/>
+          </p:cNvSpPr>
+          <p:nvPr>
+            <p:ph type="sldNum" sz="quarter" idx="12"/>
+          </p:nvPr>
+        </p:nvSpPr>
+        <p:spPr/>
+        <p:txBody>
+          <a:bodyPr/>
+          <a:lstStyle/>
+          <a:p>
+            <a:fld id="{8271DC61-FD4F-6F42-810D-876D2F91EC3B}" type="slidenum">
+              <a:rPr lang="de-DE" smtClean="0"/>
+              <a:t>20</a:t>
+            </a:fld>
+            <a:endParaRPr lang="de-DE"/>
+          </a:p>
+        </p:txBody>
+      </p:sp>
+      <p:sp>
+        <p:nvSpPr>
+          <p:cNvPr id="5" name="Title 4">
+            <a:extLst>
+              <a:ext uri="{FF2B5EF4-FFF2-40B4-BE49-F238E27FC236}">
+                <a16:creationId xmlns:a16="http://schemas.microsoft.com/office/drawing/2014/main" xmlns="" id="{8830312A-3C52-43E5-A670-BFF011CE9FEE}"/>
+              </a:ext>
+            </a:extLst>
+          </p:cNvPr>
+          <p:cNvSpPr>
+            <a:spLocks noGrp="1"/>
+          </p:cNvSpPr>
+          <p:nvPr>
+            <p:ph type="ctrTitle"/>
+          </p:nvPr>
+        </p:nvSpPr>
+        <p:spPr/>
+        <p:txBody>
+          <a:bodyPr>
+            <a:normAutofit/>
+          </a:bodyPr>
+          <a:lstStyle/>
+          <a:p>
+            <a:r>
+              <a:rPr lang="de-DE" dirty="0"/>
+              <a:t>Visualization </a:t>
+            </a:r>
+            <a:r>
+              <a:rPr lang="de-DE" dirty="0" err="1"/>
+              <a:t>of</a:t>
+            </a:r>
+            <a:r>
+              <a:rPr lang="de-DE" dirty="0"/>
+              <a:t> </a:t>
+            </a:r>
+            <a:r>
+              <a:rPr lang="de-DE" dirty="0" err="1" smtClean="0"/>
+              <a:t>Results</a:t>
+            </a:r>
+            <a:r>
+              <a:rPr lang="de-DE" dirty="0"/>
+              <a:t> </a:t>
+            </a:r>
+            <a:r>
+              <a:rPr lang="de-DE" dirty="0" smtClean="0"/>
+              <a:t>(5/7)</a:t>
+            </a:r>
+            <a:endParaRPr lang="en-GB" dirty="0"/>
+          </a:p>
+        </p:txBody>
+      </p:sp>
+    </p:spTree>
+    <p:extLst>
+      <p:ext uri="{BB962C8B-B14F-4D97-AF65-F5344CB8AC3E}">
+        <p14:creationId xmlns:p14="http://schemas.microsoft.com/office/powerpoint/2010/main" val="3536177917"/>
+      </p:ext>
+    </p:extLst>
+  </p:cSld>
+  <p:clrMapOvr>
+    <a:masterClrMapping/>
+  </p:clrMapOvr>
+  <p:timing>
+    <p:tnLst>
+      <p:par>
+        <p:cTn id="1" dur="indefinite" restart="never" nodeType="tmRoot"/>
+      </p:par>
+    </p:tnLst>
+  </p:timing>
+</p:sld>
+</file>
+
+<file path=ppt/slides/slide21.xml><?xml version="1.0" encoding="utf-8"?>
+<p:sld xmlns:a="http://schemas.openxmlformats.org/drawingml/2006/main" xmlns:r="http://schemas.openxmlformats.org/officeDocument/2006/relationships" xmlns:p="http://schemas.openxmlformats.org/presentationml/2006/main">
+  <p:cSld>
+    <p:spTree>
+      <p:nvGrpSpPr>
+        <p:cNvPr id="1" name=""/>
+        <p:cNvGrpSpPr/>
+        <p:nvPr/>
+      </p:nvGrpSpPr>
+      <p:grpSpPr>
+        <a:xfrm>
+          <a:off x="0" y="0"/>
+          <a:ext cx="0" cy="0"/>
+          <a:chOff x="0" y="0"/>
+          <a:chExt cx="0" cy="0"/>
+        </a:xfrm>
+      </p:grpSpPr>
+      <p:pic>
+        <p:nvPicPr>
+          <p:cNvPr id="1026" name="Picture 2"/>
+          <p:cNvPicPr>
+            <a:picLocks noChangeAspect="1" noChangeArrowheads="1"/>
+          </p:cNvPicPr>
+          <p:nvPr/>
+        </p:nvPicPr>
+        <p:blipFill>
+          <a:blip r:embed="rId2">
+            <a:extLst>
+              <a:ext uri="{28A0092B-C50C-407E-A947-70E740481C1C}">
+                <a14:useLocalDpi xmlns:a14="http://schemas.microsoft.com/office/drawing/2010/main" val="0"/>
+              </a:ext>
+            </a:extLst>
+          </a:blip>
+          <a:srcRect/>
+          <a:stretch>
+            <a:fillRect/>
+          </a:stretch>
+        </p:blipFill>
+        <p:spPr bwMode="auto">
+          <a:xfrm>
+            <a:off x="3037919" y="1711897"/>
+            <a:ext cx="4811424" cy="3256474"/>
+          </a:xfrm>
+          <a:prstGeom prst="rect">
+            <a:avLst/>
+          </a:prstGeom>
+          <a:noFill/>
+          <a:ln>
+            <a:noFill/>
+          </a:ln>
+          <a:extLst>
+            <a:ext uri="{909E8E84-426E-40DD-AFC4-6F175D3DCCD1}">
+              <a14:hiddenFill xmlns:a14="http://schemas.microsoft.com/office/drawing/2010/main">
+                <a:solidFill>
+                  <a:schemeClr val="accent1"/>
+                </a:solidFill>
+              </a14:hiddenFill>
+            </a:ext>
+            <a:ext uri="{91240B29-F687-4F45-9708-019B960494DF}">
+              <a14:hiddenLine xmlns:a14="http://schemas.microsoft.com/office/drawing/2010/main" w="9525">
+                <a:solidFill>
+                  <a:schemeClr val="tx1"/>
+                </a:solidFill>
+                <a:miter lim="800000"/>
+                <a:headEnd/>
+                <a:tailEnd/>
+              </a14:hiddenLine>
+            </a:ext>
+          </a:extLst>
+        </p:spPr>
+      </p:pic>
+      <p:sp>
+        <p:nvSpPr>
+          <p:cNvPr id="2" name="Subtitle 1">
+            <a:extLst>
+              <a:ext uri="{FF2B5EF4-FFF2-40B4-BE49-F238E27FC236}">
+                <a16:creationId xmlns:a16="http://schemas.microsoft.com/office/drawing/2014/main" xmlns="" id="{F4D34063-F0A9-49BC-BD39-CCB7DA5B1882}"/>
+              </a:ext>
+            </a:extLst>
+          </p:cNvPr>
+          <p:cNvSpPr>
+            <a:spLocks noGrp="1"/>
+          </p:cNvSpPr>
+          <p:nvPr>
+            <p:ph type="subTitle" idx="1"/>
+          </p:nvPr>
+        </p:nvSpPr>
+        <p:spPr>
+          <a:xfrm>
+            <a:off x="1998828" y="1428255"/>
+            <a:ext cx="6687972" cy="2699602"/>
+          </a:xfrm>
+        </p:spPr>
+        <p:txBody>
+          <a:bodyPr>
+            <a:normAutofit/>
+          </a:bodyPr>
+          <a:lstStyle/>
+          <a:p>
+            <a:pPr marL="285750" indent="-285750">
+              <a:buFontTx/>
+              <a:buChar char="-"/>
+            </a:pPr>
+            <a:r>
+              <a:rPr lang="en-US" dirty="0" smtClean="0"/>
+              <a:t>Code </a:t>
+            </a:r>
+            <a:r>
+              <a:rPr lang="en-US" dirty="0"/>
+              <a:t>example for a </a:t>
+            </a:r>
+            <a:r>
+              <a:rPr lang="en-US" dirty="0" smtClean="0"/>
+              <a:t>XY-Chart</a:t>
+            </a:r>
+          </a:p>
+          <a:p>
+            <a:pPr marL="285750" indent="-285750">
+              <a:buFontTx/>
+              <a:buChar char="-"/>
+            </a:pPr>
+            <a:endParaRPr lang="en-US" dirty="0"/>
+          </a:p>
+          <a:p>
+            <a:endParaRPr lang="en-US" dirty="0"/>
+          </a:p>
+          <a:p>
+            <a:endParaRPr lang="en-US" dirty="0"/>
+          </a:p>
+        </p:txBody>
+      </p:sp>
+      <p:sp>
+        <p:nvSpPr>
+          <p:cNvPr id="3" name="Date Placeholder 2">
+            <a:extLst>
+              <a:ext uri="{FF2B5EF4-FFF2-40B4-BE49-F238E27FC236}">
+                <a16:creationId xmlns:a16="http://schemas.microsoft.com/office/drawing/2014/main" xmlns="" id="{89359392-62F7-4379-8110-61E822768C94}"/>
+              </a:ext>
+            </a:extLst>
+          </p:cNvPr>
+          <p:cNvSpPr>
+            <a:spLocks noGrp="1"/>
+          </p:cNvSpPr>
+          <p:nvPr>
+            <p:ph type="dt" sz="half" idx="10"/>
+          </p:nvPr>
+        </p:nvSpPr>
+        <p:spPr/>
+        <p:txBody>
+          <a:bodyPr/>
+          <a:lstStyle/>
+          <a:p>
+            <a:r>
+              <a:rPr lang="en-US"/>
+              <a:t>06.03.2018</a:t>
+            </a:r>
+            <a:endParaRPr lang="de-DE"/>
+          </a:p>
+        </p:txBody>
+      </p:sp>
+      <p:sp>
+        <p:nvSpPr>
+          <p:cNvPr id="4" name="Slide Number Placeholder 3">
+            <a:extLst>
+              <a:ext uri="{FF2B5EF4-FFF2-40B4-BE49-F238E27FC236}">
+                <a16:creationId xmlns:a16="http://schemas.microsoft.com/office/drawing/2014/main" xmlns="" id="{A6E6832B-EB59-46B0-A215-C28A39A4E6F1}"/>
+              </a:ext>
+            </a:extLst>
+          </p:cNvPr>
+          <p:cNvSpPr>
+            <a:spLocks noGrp="1"/>
+          </p:cNvSpPr>
+          <p:nvPr>
+            <p:ph type="sldNum" sz="quarter" idx="12"/>
+          </p:nvPr>
+        </p:nvSpPr>
+        <p:spPr/>
+        <p:txBody>
+          <a:bodyPr/>
+          <a:lstStyle/>
+          <a:p>
+            <a:fld id="{8271DC61-FD4F-6F42-810D-876D2F91EC3B}" type="slidenum">
+              <a:rPr lang="de-DE" smtClean="0"/>
+              <a:t>21</a:t>
+            </a:fld>
+            <a:endParaRPr lang="de-DE"/>
+          </a:p>
+        </p:txBody>
+      </p:sp>
+      <p:sp>
+        <p:nvSpPr>
+          <p:cNvPr id="5" name="Title 4">
+            <a:extLst>
+              <a:ext uri="{FF2B5EF4-FFF2-40B4-BE49-F238E27FC236}">
+                <a16:creationId xmlns:a16="http://schemas.microsoft.com/office/drawing/2014/main" xmlns="" id="{8830312A-3C52-43E5-A670-BFF011CE9FEE}"/>
+              </a:ext>
+            </a:extLst>
+          </p:cNvPr>
+          <p:cNvSpPr>
+            <a:spLocks noGrp="1"/>
+          </p:cNvSpPr>
+          <p:nvPr>
+            <p:ph type="ctrTitle"/>
+          </p:nvPr>
+        </p:nvSpPr>
+        <p:spPr>
+          <a:xfrm>
+            <a:off x="1998828" y="668563"/>
+            <a:ext cx="6687972" cy="853210"/>
+          </a:xfrm>
+        </p:spPr>
+        <p:txBody>
+          <a:bodyPr>
+            <a:normAutofit/>
+          </a:bodyPr>
+          <a:lstStyle/>
+          <a:p>
+            <a:r>
+              <a:rPr lang="de-DE" dirty="0"/>
+              <a:t>Visualization </a:t>
+            </a:r>
+            <a:r>
+              <a:rPr lang="de-DE" dirty="0" err="1"/>
+              <a:t>of</a:t>
+            </a:r>
+            <a:r>
+              <a:rPr lang="de-DE" dirty="0"/>
+              <a:t> </a:t>
+            </a:r>
+            <a:r>
+              <a:rPr lang="de-DE" dirty="0" err="1" smtClean="0"/>
+              <a:t>Results</a:t>
+            </a:r>
+            <a:r>
+              <a:rPr lang="de-DE" dirty="0"/>
+              <a:t> </a:t>
+            </a:r>
+            <a:r>
+              <a:rPr lang="de-DE" dirty="0" smtClean="0"/>
+              <a:t>(6/7)</a:t>
+            </a:r>
+            <a:endParaRPr lang="en-GB" dirty="0"/>
+          </a:p>
+        </p:txBody>
+      </p:sp>
+    </p:spTree>
+    <p:extLst>
+      <p:ext uri="{BB962C8B-B14F-4D97-AF65-F5344CB8AC3E}">
+        <p14:creationId xmlns:p14="http://schemas.microsoft.com/office/powerpoint/2010/main" val="2394603359"/>
+      </p:ext>
+    </p:extLst>
+  </p:cSld>
+  <p:clrMapOvr>
+    <a:masterClrMapping/>
+  </p:clrMapOvr>
+  <p:timing>
+    <p:tnLst>
+      <p:par>
+        <p:cTn id="1" dur="indefinite" restart="never" nodeType="tmRoot"/>
+      </p:par>
+    </p:tnLst>
+  </p:timing>
+</p:sld>
+</file>
+
+<file path=ppt/slides/slide22.xml><?xml version="1.0" encoding="utf-8"?>
+<p:sld xmlns:a="http://schemas.openxmlformats.org/drawingml/2006/main" xmlns:r="http://schemas.openxmlformats.org/officeDocument/2006/relationships" xmlns:p="http://schemas.openxmlformats.org/presentationml/2006/main">
+  <p:cSld>
+    <p:spTree>
+      <p:nvGrpSpPr>
+        <p:cNvPr id="1" name=""/>
+        <p:cNvGrpSpPr/>
+        <p:nvPr/>
+      </p:nvGrpSpPr>
+      <p:grpSpPr>
+        <a:xfrm>
+          <a:off x="0" y="0"/>
+          <a:ext cx="0" cy="0"/>
+          <a:chOff x="0" y="0"/>
+          <a:chExt cx="0" cy="0"/>
+        </a:xfrm>
+      </p:grpSpPr>
+      <p:pic>
+        <p:nvPicPr>
+          <p:cNvPr id="4098" name="Picture 2"/>
+          <p:cNvPicPr>
+            <a:picLocks noChangeAspect="1" noChangeArrowheads="1"/>
+          </p:cNvPicPr>
+          <p:nvPr/>
+        </p:nvPicPr>
+        <p:blipFill>
+          <a:blip r:embed="rId2">
+            <a:extLst>
+              <a:ext uri="{28A0092B-C50C-407E-A947-70E740481C1C}">
+                <a14:useLocalDpi xmlns:a14="http://schemas.microsoft.com/office/drawing/2010/main" val="0"/>
+              </a:ext>
+            </a:extLst>
+          </a:blip>
+          <a:srcRect/>
+          <a:stretch>
+            <a:fillRect/>
+          </a:stretch>
+        </p:blipFill>
+        <p:spPr bwMode="auto">
+          <a:xfrm>
+            <a:off x="2508538" y="1789833"/>
+            <a:ext cx="4438650" cy="2686050"/>
+          </a:xfrm>
+          <a:prstGeom prst="rect">
+            <a:avLst/>
+          </a:prstGeom>
+          <a:noFill/>
+          <a:ln>
+            <a:noFill/>
+          </a:ln>
+          <a:extLst>
+            <a:ext uri="{909E8E84-426E-40DD-AFC4-6F175D3DCCD1}">
+              <a14:hiddenFill xmlns:a14="http://schemas.microsoft.com/office/drawing/2010/main">
+                <a:solidFill>
+                  <a:schemeClr val="accent1"/>
+                </a:solidFill>
+              </a14:hiddenFill>
+            </a:ext>
+            <a:ext uri="{91240B29-F687-4F45-9708-019B960494DF}">
+              <a14:hiddenLine xmlns:a14="http://schemas.microsoft.com/office/drawing/2010/main" w="9525">
+                <a:solidFill>
+                  <a:schemeClr val="tx1"/>
+                </a:solidFill>
+                <a:miter lim="800000"/>
+                <a:headEnd/>
+                <a:tailEnd/>
+              </a14:hiddenLine>
+            </a:ext>
+          </a:extLst>
+        </p:spPr>
+      </p:pic>
+      <p:sp>
+        <p:nvSpPr>
+          <p:cNvPr id="2" name="Subtitle 1">
+            <a:extLst>
+              <a:ext uri="{FF2B5EF4-FFF2-40B4-BE49-F238E27FC236}">
+                <a16:creationId xmlns:a16="http://schemas.microsoft.com/office/drawing/2014/main" xmlns="" id="{F4D34063-F0A9-49BC-BD39-CCB7DA5B1882}"/>
+              </a:ext>
+            </a:extLst>
+          </p:cNvPr>
+          <p:cNvSpPr>
+            <a:spLocks noGrp="1"/>
+          </p:cNvSpPr>
+          <p:nvPr>
+            <p:ph type="subTitle" idx="1"/>
+          </p:nvPr>
+        </p:nvSpPr>
+        <p:spPr>
+          <a:xfrm>
+            <a:off x="1894919" y="1437333"/>
+            <a:ext cx="6687972" cy="2699602"/>
+          </a:xfrm>
+        </p:spPr>
+        <p:txBody>
+          <a:bodyPr>
+            <a:normAutofit/>
+          </a:bodyPr>
+          <a:lstStyle/>
+          <a:p>
+            <a:pPr marL="285750" indent="-285750">
+              <a:buFontTx/>
+              <a:buChar char="-"/>
+            </a:pPr>
+            <a:r>
+              <a:rPr lang="en-US" u="sng" dirty="0" smtClean="0"/>
+              <a:t>Output:</a:t>
+            </a:r>
+            <a:r>
+              <a:rPr lang="en-US" dirty="0" smtClean="0"/>
+              <a:t>  </a:t>
+            </a:r>
+            <a:r>
+              <a:rPr lang="en-US" dirty="0" smtClean="0">
+                <a:sym typeface="Wingdings" panose="05000000000000000000" pitchFamily="2" charset="2"/>
+              </a:rPr>
+              <a:t> </a:t>
+            </a:r>
+            <a:r>
+              <a:rPr lang="en-US" dirty="0">
+                <a:sym typeface="Wingdings" panose="05000000000000000000" pitchFamily="2" charset="2"/>
+              </a:rPr>
+              <a:t>T</a:t>
+            </a:r>
+            <a:r>
+              <a:rPr lang="en-US" dirty="0" smtClean="0"/>
+              <a:t>he following Graph</a:t>
+            </a:r>
+          </a:p>
+          <a:p>
+            <a:pPr marL="285750" indent="-285750">
+              <a:buFontTx/>
+              <a:buChar char="-"/>
+            </a:pPr>
+            <a:endParaRPr lang="en-US" dirty="0"/>
+          </a:p>
+          <a:p>
+            <a:pPr marL="285750" indent="-285750">
+              <a:buFontTx/>
+              <a:buChar char="-"/>
+            </a:pPr>
+            <a:endParaRPr lang="en-US" dirty="0"/>
+          </a:p>
+          <a:p>
+            <a:endParaRPr lang="en-US" dirty="0"/>
+          </a:p>
+          <a:p>
+            <a:endParaRPr lang="en-US" dirty="0"/>
+          </a:p>
+        </p:txBody>
+      </p:sp>
+      <p:sp>
+        <p:nvSpPr>
+          <p:cNvPr id="3" name="Date Placeholder 2">
+            <a:extLst>
+              <a:ext uri="{FF2B5EF4-FFF2-40B4-BE49-F238E27FC236}">
+                <a16:creationId xmlns:a16="http://schemas.microsoft.com/office/drawing/2014/main" xmlns="" id="{89359392-62F7-4379-8110-61E822768C94}"/>
+              </a:ext>
+            </a:extLst>
+          </p:cNvPr>
+          <p:cNvSpPr>
+            <a:spLocks noGrp="1"/>
+          </p:cNvSpPr>
+          <p:nvPr>
+            <p:ph type="dt" sz="half" idx="10"/>
+          </p:nvPr>
+        </p:nvSpPr>
+        <p:spPr/>
+        <p:txBody>
+          <a:bodyPr/>
+          <a:lstStyle/>
+          <a:p>
+            <a:r>
+              <a:rPr lang="en-US"/>
+              <a:t>06.03.2018</a:t>
+            </a:r>
+            <a:endParaRPr lang="de-DE"/>
+          </a:p>
+        </p:txBody>
+      </p:sp>
+      <p:sp>
+        <p:nvSpPr>
+          <p:cNvPr id="4" name="Slide Number Placeholder 3">
+            <a:extLst>
+              <a:ext uri="{FF2B5EF4-FFF2-40B4-BE49-F238E27FC236}">
+                <a16:creationId xmlns:a16="http://schemas.microsoft.com/office/drawing/2014/main" xmlns="" id="{A6E6832B-EB59-46B0-A215-C28A39A4E6F1}"/>
+              </a:ext>
+            </a:extLst>
+          </p:cNvPr>
+          <p:cNvSpPr>
+            <a:spLocks noGrp="1"/>
+          </p:cNvSpPr>
+          <p:nvPr>
+            <p:ph type="sldNum" sz="quarter" idx="12"/>
+          </p:nvPr>
+        </p:nvSpPr>
+        <p:spPr/>
+        <p:txBody>
+          <a:bodyPr/>
+          <a:lstStyle/>
+          <a:p>
+            <a:fld id="{8271DC61-FD4F-6F42-810D-876D2F91EC3B}" type="slidenum">
+              <a:rPr lang="de-DE" smtClean="0"/>
+              <a:t>22</a:t>
+            </a:fld>
+            <a:endParaRPr lang="de-DE"/>
+          </a:p>
+        </p:txBody>
+      </p:sp>
+      <p:sp>
+        <p:nvSpPr>
+          <p:cNvPr id="5" name="Title 4">
+            <a:extLst>
+              <a:ext uri="{FF2B5EF4-FFF2-40B4-BE49-F238E27FC236}">
+                <a16:creationId xmlns:a16="http://schemas.microsoft.com/office/drawing/2014/main" xmlns="" id="{8830312A-3C52-43E5-A670-BFF011CE9FEE}"/>
+              </a:ext>
+            </a:extLst>
+          </p:cNvPr>
+          <p:cNvSpPr>
+            <a:spLocks noGrp="1"/>
+          </p:cNvSpPr>
+          <p:nvPr>
+            <p:ph type="ctrTitle"/>
+          </p:nvPr>
+        </p:nvSpPr>
+        <p:spPr/>
+        <p:txBody>
+          <a:bodyPr>
+            <a:normAutofit/>
+          </a:bodyPr>
+          <a:lstStyle/>
+          <a:p>
+            <a:r>
+              <a:rPr lang="de-DE" dirty="0"/>
+              <a:t>Visualization </a:t>
+            </a:r>
+            <a:r>
+              <a:rPr lang="de-DE" dirty="0" err="1"/>
+              <a:t>of</a:t>
+            </a:r>
+            <a:r>
+              <a:rPr lang="de-DE" dirty="0"/>
+              <a:t> </a:t>
+            </a:r>
+            <a:r>
+              <a:rPr lang="de-DE" dirty="0" err="1" smtClean="0"/>
+              <a:t>Results</a:t>
+            </a:r>
+            <a:r>
+              <a:rPr lang="de-DE" dirty="0"/>
+              <a:t> </a:t>
+            </a:r>
+            <a:r>
+              <a:rPr lang="de-DE" dirty="0" smtClean="0"/>
+              <a:t>(7/7)</a:t>
+            </a:r>
+            <a:endParaRPr lang="en-GB" dirty="0"/>
+          </a:p>
+        </p:txBody>
+      </p:sp>
+    </p:spTree>
+    <p:extLst>
+      <p:ext uri="{BB962C8B-B14F-4D97-AF65-F5344CB8AC3E}">
+        <p14:creationId xmlns:p14="http://schemas.microsoft.com/office/powerpoint/2010/main" val="1828379264"/>
+      </p:ext>
+    </p:extLst>
+  </p:cSld>
+  <p:clrMapOvr>
+    <a:masterClrMapping/>
+  </p:clrMapOvr>
+  <p:timing>
+    <p:tnLst>
+      <p:par>
+        <p:cTn id="1" dur="indefinite" restart="never" nodeType="tmRoot"/>
+      </p:par>
+    </p:tnLst>
+  </p:timing>
 </p:sld>
 </file>
 
@@ -6753,7 +8521,7 @@
           <p:cNvPr id="3" name="Date Placeholder 2">
             <a:extLst>
               <a:ext uri="{FF2B5EF4-FFF2-40B4-BE49-F238E27FC236}">
-                <a16:creationId xmlns:a16="http://schemas.microsoft.com/office/drawing/2014/main" id="{E903DA1E-133E-490D-B5D4-EB5F04779256}"/>
+                <a16:creationId xmlns:a16="http://schemas.microsoft.com/office/drawing/2014/main" xmlns="" id="{E903DA1E-133E-490D-B5D4-EB5F04779256}"/>
               </a:ext>
             </a:extLst>
           </p:cNvPr>
@@ -6782,7 +8550,7 @@
           <p:cNvPr id="4" name="Slide Number Placeholder 3">
             <a:extLst>
               <a:ext uri="{FF2B5EF4-FFF2-40B4-BE49-F238E27FC236}">
-                <a16:creationId xmlns:a16="http://schemas.microsoft.com/office/drawing/2014/main" id="{0C948F13-FFFA-49AD-8308-F31DFA0555C7}"/>
+                <a16:creationId xmlns:a16="http://schemas.microsoft.com/office/drawing/2014/main" xmlns="" id="{0C948F13-FFFA-49AD-8308-F31DFA0555C7}"/>
               </a:ext>
             </a:extLst>
           </p:cNvPr>
@@ -6811,7 +8579,7 @@
           <p:cNvPr id="5" name="Title 4">
             <a:extLst>
               <a:ext uri="{FF2B5EF4-FFF2-40B4-BE49-F238E27FC236}">
-                <a16:creationId xmlns:a16="http://schemas.microsoft.com/office/drawing/2014/main" id="{D1C540E7-DC1B-43F2-9BA5-733DD71C4D1E}"/>
+                <a16:creationId xmlns:a16="http://schemas.microsoft.com/office/drawing/2014/main" xmlns="" id="{D1C540E7-DC1B-43F2-9BA5-733DD71C4D1E}"/>
               </a:ext>
             </a:extLst>
           </p:cNvPr>
@@ -6876,7 +8644,7 @@
           <p:cNvPr id="3" name="Date Placeholder 2">
             <a:extLst>
               <a:ext uri="{FF2B5EF4-FFF2-40B4-BE49-F238E27FC236}">
-                <a16:creationId xmlns:a16="http://schemas.microsoft.com/office/drawing/2014/main" id="{DDD94103-EF29-40B9-91E5-09293FD5F9B9}"/>
+                <a16:creationId xmlns:a16="http://schemas.microsoft.com/office/drawing/2014/main" xmlns="" id="{DDD94103-EF29-40B9-91E5-09293FD5F9B9}"/>
               </a:ext>
             </a:extLst>
           </p:cNvPr>
@@ -6905,7 +8673,7 @@
           <p:cNvPr id="4" name="Slide Number Placeholder 3">
             <a:extLst>
               <a:ext uri="{FF2B5EF4-FFF2-40B4-BE49-F238E27FC236}">
-                <a16:creationId xmlns:a16="http://schemas.microsoft.com/office/drawing/2014/main" id="{22524645-D150-4E19-9BC1-6F559EF1C13C}"/>
+                <a16:creationId xmlns:a16="http://schemas.microsoft.com/office/drawing/2014/main" xmlns="" id="{22524645-D150-4E19-9BC1-6F559EF1C13C}"/>
               </a:ext>
             </a:extLst>
           </p:cNvPr>
@@ -6934,7 +8702,7 @@
           <p:cNvPr id="5" name="Title 4">
             <a:extLst>
               <a:ext uri="{FF2B5EF4-FFF2-40B4-BE49-F238E27FC236}">
-                <a16:creationId xmlns:a16="http://schemas.microsoft.com/office/drawing/2014/main" id="{A4A8AF28-E90A-4D2D-B545-8C5CB6A7DDBC}"/>
+                <a16:creationId xmlns:a16="http://schemas.microsoft.com/office/drawing/2014/main" xmlns="" id="{A4A8AF28-E90A-4D2D-B545-8C5CB6A7DDBC}"/>
               </a:ext>
             </a:extLst>
           </p:cNvPr>
@@ -6981,7 +8749,7 @@
           <p:cNvPr id="9" name="Rectangle: Rounded Corners 8">
             <a:extLst>
               <a:ext uri="{FF2B5EF4-FFF2-40B4-BE49-F238E27FC236}">
-                <a16:creationId xmlns:a16="http://schemas.microsoft.com/office/drawing/2014/main" id="{FF1BA190-C515-4266-AEFD-CFB587C174E8}"/>
+                <a16:creationId xmlns:a16="http://schemas.microsoft.com/office/drawing/2014/main" xmlns="" id="{FF1BA190-C515-4266-AEFD-CFB587C174E8}"/>
               </a:ext>
             </a:extLst>
           </p:cNvPr>
@@ -7029,7 +8797,7 @@
           <p:cNvPr id="11" name="Rectangle: Rounded Corners 10">
             <a:extLst>
               <a:ext uri="{FF2B5EF4-FFF2-40B4-BE49-F238E27FC236}">
-                <a16:creationId xmlns:a16="http://schemas.microsoft.com/office/drawing/2014/main" id="{A925AB98-8B33-4D4F-9E49-AF93D96FDB8F}"/>
+                <a16:creationId xmlns:a16="http://schemas.microsoft.com/office/drawing/2014/main" xmlns="" id="{A925AB98-8B33-4D4F-9E49-AF93D96FDB8F}"/>
               </a:ext>
             </a:extLst>
           </p:cNvPr>
@@ -7077,7 +8845,7 @@
           <p:cNvPr id="12" name="Rectangle: Rounded Corners 11">
             <a:extLst>
               <a:ext uri="{FF2B5EF4-FFF2-40B4-BE49-F238E27FC236}">
-                <a16:creationId xmlns:a16="http://schemas.microsoft.com/office/drawing/2014/main" id="{2229C674-92D3-4074-A81C-25182A870EF9}"/>
+                <a16:creationId xmlns:a16="http://schemas.microsoft.com/office/drawing/2014/main" xmlns="" id="{2229C674-92D3-4074-A81C-25182A870EF9}"/>
               </a:ext>
             </a:extLst>
           </p:cNvPr>
@@ -7125,7 +8893,7 @@
           <p:cNvPr id="14" name="Straight Arrow Connector 13">
             <a:extLst>
               <a:ext uri="{FF2B5EF4-FFF2-40B4-BE49-F238E27FC236}">
-                <a16:creationId xmlns:a16="http://schemas.microsoft.com/office/drawing/2014/main" id="{924916C2-2F6B-4958-8901-CA1739DC4450}"/>
+                <a16:creationId xmlns:a16="http://schemas.microsoft.com/office/drawing/2014/main" xmlns="" id="{924916C2-2F6B-4958-8901-CA1739DC4450}"/>
               </a:ext>
             </a:extLst>
           </p:cNvPr>
@@ -7168,7 +8936,7 @@
           <p:cNvPr id="18" name="Straight Arrow Connector 17">
             <a:extLst>
               <a:ext uri="{FF2B5EF4-FFF2-40B4-BE49-F238E27FC236}">
-                <a16:creationId xmlns:a16="http://schemas.microsoft.com/office/drawing/2014/main" id="{BF3640FC-BF42-4019-820F-57948EA3B880}"/>
+                <a16:creationId xmlns:a16="http://schemas.microsoft.com/office/drawing/2014/main" xmlns="" id="{BF3640FC-BF42-4019-820F-57948EA3B880}"/>
               </a:ext>
             </a:extLst>
           </p:cNvPr>
@@ -7209,7 +8977,7 @@
           <p:cNvPr id="20" name="Straight Arrow Connector 19">
             <a:extLst>
               <a:ext uri="{FF2B5EF4-FFF2-40B4-BE49-F238E27FC236}">
-                <a16:creationId xmlns:a16="http://schemas.microsoft.com/office/drawing/2014/main" id="{E3A93367-06D0-412C-96F8-2223F1AB5DFA}"/>
+                <a16:creationId xmlns:a16="http://schemas.microsoft.com/office/drawing/2014/main" xmlns="" id="{E3A93367-06D0-412C-96F8-2223F1AB5DFA}"/>
               </a:ext>
             </a:extLst>
           </p:cNvPr>
@@ -7248,7 +9016,7 @@
           <p:cNvPr id="21" name="TextBox 20">
             <a:extLst>
               <a:ext uri="{FF2B5EF4-FFF2-40B4-BE49-F238E27FC236}">
-                <a16:creationId xmlns:a16="http://schemas.microsoft.com/office/drawing/2014/main" id="{7CCD273B-6929-408E-9369-38C977C3BED1}"/>
+                <a16:creationId xmlns:a16="http://schemas.microsoft.com/office/drawing/2014/main" xmlns="" id="{7CCD273B-6929-408E-9369-38C977C3BED1}"/>
               </a:ext>
             </a:extLst>
           </p:cNvPr>
@@ -7285,7 +9053,7 @@
           <p:cNvPr id="24" name="TextBox 23">
             <a:extLst>
               <a:ext uri="{FF2B5EF4-FFF2-40B4-BE49-F238E27FC236}">
-                <a16:creationId xmlns:a16="http://schemas.microsoft.com/office/drawing/2014/main" id="{1DC544F2-947F-4A34-863E-EC49CA121818}"/>
+                <a16:creationId xmlns:a16="http://schemas.microsoft.com/office/drawing/2014/main" xmlns="" id="{1DC544F2-947F-4A34-863E-EC49CA121818}"/>
               </a:ext>
             </a:extLst>
           </p:cNvPr>
@@ -7322,7 +9090,7 @@
           <p:cNvPr id="26" name="TextBox 25">
             <a:extLst>
               <a:ext uri="{FF2B5EF4-FFF2-40B4-BE49-F238E27FC236}">
-                <a16:creationId xmlns:a16="http://schemas.microsoft.com/office/drawing/2014/main" id="{C75DDC9B-1561-478E-9611-778B510FE67A}"/>
+                <a16:creationId xmlns:a16="http://schemas.microsoft.com/office/drawing/2014/main" xmlns="" id="{C75DDC9B-1561-478E-9611-778B510FE67A}"/>
               </a:ext>
             </a:extLst>
           </p:cNvPr>
@@ -7359,7 +9127,7 @@
           <p:cNvPr id="15" name="Rectangle: Rounded Corners 14">
             <a:extLst>
               <a:ext uri="{FF2B5EF4-FFF2-40B4-BE49-F238E27FC236}">
-                <a16:creationId xmlns:a16="http://schemas.microsoft.com/office/drawing/2014/main" id="{37A87D28-D6F0-42E3-8B03-6A4FEA2F5AE3}"/>
+                <a16:creationId xmlns:a16="http://schemas.microsoft.com/office/drawing/2014/main" xmlns="" id="{37A87D28-D6F0-42E3-8B03-6A4FEA2F5AE3}"/>
               </a:ext>
             </a:extLst>
           </p:cNvPr>
@@ -7407,7 +9175,7 @@
           <p:cNvPr id="7" name="Straight Arrow Connector 6">
             <a:extLst>
               <a:ext uri="{FF2B5EF4-FFF2-40B4-BE49-F238E27FC236}">
-                <a16:creationId xmlns:a16="http://schemas.microsoft.com/office/drawing/2014/main" id="{6BF1B32B-25A9-42E7-A3F0-47C0B1863657}"/>
+                <a16:creationId xmlns:a16="http://schemas.microsoft.com/office/drawing/2014/main" xmlns="" id="{6BF1B32B-25A9-42E7-A3F0-47C0B1863657}"/>
               </a:ext>
             </a:extLst>
           </p:cNvPr>
@@ -7480,7 +9248,7 @@
           <p:cNvPr id="2" name="Subtitle 1">
             <a:extLst>
               <a:ext uri="{FF2B5EF4-FFF2-40B4-BE49-F238E27FC236}">
-                <a16:creationId xmlns:a16="http://schemas.microsoft.com/office/drawing/2014/main" id="{C619DAD0-D149-43ED-9503-3DB1B6BD5D62}"/>
+                <a16:creationId xmlns:a16="http://schemas.microsoft.com/office/drawing/2014/main" xmlns="" id="{C619DAD0-D149-43ED-9503-3DB1B6BD5D62}"/>
               </a:ext>
             </a:extLst>
           </p:cNvPr>
@@ -7510,7 +9278,7 @@
           <p:cNvPr id="3" name="Date Placeholder 2">
             <a:extLst>
               <a:ext uri="{FF2B5EF4-FFF2-40B4-BE49-F238E27FC236}">
-                <a16:creationId xmlns:a16="http://schemas.microsoft.com/office/drawing/2014/main" id="{6DCBE7D1-E171-4CBC-A52C-BDCA758F6A4F}"/>
+                <a16:creationId xmlns:a16="http://schemas.microsoft.com/office/drawing/2014/main" xmlns="" id="{6DCBE7D1-E171-4CBC-A52C-BDCA758F6A4F}"/>
               </a:ext>
             </a:extLst>
           </p:cNvPr>
@@ -7539,7 +9307,7 @@
           <p:cNvPr id="4" name="Slide Number Placeholder 3">
             <a:extLst>
               <a:ext uri="{FF2B5EF4-FFF2-40B4-BE49-F238E27FC236}">
-                <a16:creationId xmlns:a16="http://schemas.microsoft.com/office/drawing/2014/main" id="{38F51E65-3A72-4FC8-BAA7-0FD18AA9B05D}"/>
+                <a16:creationId xmlns:a16="http://schemas.microsoft.com/office/drawing/2014/main" xmlns="" id="{38F51E65-3A72-4FC8-BAA7-0FD18AA9B05D}"/>
               </a:ext>
             </a:extLst>
           </p:cNvPr>
@@ -7568,7 +9336,7 @@
           <p:cNvPr id="5" name="Title 4">
             <a:extLst>
               <a:ext uri="{FF2B5EF4-FFF2-40B4-BE49-F238E27FC236}">
-                <a16:creationId xmlns:a16="http://schemas.microsoft.com/office/drawing/2014/main" id="{8EEF65E8-0BD5-43AC-A281-B5A4FE9887C2}"/>
+                <a16:creationId xmlns:a16="http://schemas.microsoft.com/office/drawing/2014/main" xmlns="" id="{8EEF65E8-0BD5-43AC-A281-B5A4FE9887C2}"/>
               </a:ext>
             </a:extLst>
           </p:cNvPr>
@@ -7609,7 +9377,7 @@
           <p:cNvPr id="6" name="Rectangle: Rounded Corners 5">
             <a:extLst>
               <a:ext uri="{FF2B5EF4-FFF2-40B4-BE49-F238E27FC236}">
-                <a16:creationId xmlns:a16="http://schemas.microsoft.com/office/drawing/2014/main" id="{CB8DA1F4-52FF-4446-87CC-3A14C4A147E6}"/>
+                <a16:creationId xmlns:a16="http://schemas.microsoft.com/office/drawing/2014/main" xmlns="" id="{CB8DA1F4-52FF-4446-87CC-3A14C4A147E6}"/>
               </a:ext>
             </a:extLst>
           </p:cNvPr>
@@ -7661,7 +9429,7 @@
           <p:cNvPr id="13" name="Rectangle: Rounded Corners 12">
             <a:extLst>
               <a:ext uri="{FF2B5EF4-FFF2-40B4-BE49-F238E27FC236}">
-                <a16:creationId xmlns:a16="http://schemas.microsoft.com/office/drawing/2014/main" id="{363ACCC1-C7A8-4D52-A9DE-4EF8CD3A272D}"/>
+                <a16:creationId xmlns:a16="http://schemas.microsoft.com/office/drawing/2014/main" xmlns="" id="{363ACCC1-C7A8-4D52-A9DE-4EF8CD3A272D}"/>
               </a:ext>
             </a:extLst>
           </p:cNvPr>
@@ -7709,7 +9477,7 @@
           <p:cNvPr id="14" name="Rectangle: Rounded Corners 13">
             <a:extLst>
               <a:ext uri="{FF2B5EF4-FFF2-40B4-BE49-F238E27FC236}">
-                <a16:creationId xmlns:a16="http://schemas.microsoft.com/office/drawing/2014/main" id="{3387208A-A42D-43A4-B10C-6706CE02893F}"/>
+                <a16:creationId xmlns:a16="http://schemas.microsoft.com/office/drawing/2014/main" xmlns="" id="{3387208A-A42D-43A4-B10C-6706CE02893F}"/>
               </a:ext>
             </a:extLst>
           </p:cNvPr>
@@ -7757,7 +9525,7 @@
           <p:cNvPr id="15" name="Rectangle: Rounded Corners 14">
             <a:extLst>
               <a:ext uri="{FF2B5EF4-FFF2-40B4-BE49-F238E27FC236}">
-                <a16:creationId xmlns:a16="http://schemas.microsoft.com/office/drawing/2014/main" id="{DF32EAA3-A941-4A8E-A819-4613992EC516}"/>
+                <a16:creationId xmlns:a16="http://schemas.microsoft.com/office/drawing/2014/main" xmlns="" id="{DF32EAA3-A941-4A8E-A819-4613992EC516}"/>
               </a:ext>
             </a:extLst>
           </p:cNvPr>
@@ -7805,7 +9573,7 @@
           <p:cNvPr id="16" name="Rectangle 15">
             <a:extLst>
               <a:ext uri="{FF2B5EF4-FFF2-40B4-BE49-F238E27FC236}">
-                <a16:creationId xmlns:a16="http://schemas.microsoft.com/office/drawing/2014/main" id="{DC645787-045F-4262-BDE3-CD720C63473A}"/>
+                <a16:creationId xmlns:a16="http://schemas.microsoft.com/office/drawing/2014/main" xmlns="" id="{DC645787-045F-4262-BDE3-CD720C63473A}"/>
               </a:ext>
             </a:extLst>
           </p:cNvPr>
@@ -7861,7 +9629,7 @@
           <p:cNvPr id="17" name="Rectangle 16">
             <a:extLst>
               <a:ext uri="{FF2B5EF4-FFF2-40B4-BE49-F238E27FC236}">
-                <a16:creationId xmlns:a16="http://schemas.microsoft.com/office/drawing/2014/main" id="{872B473E-61C4-4DE2-BF54-9B4423CC9637}"/>
+                <a16:creationId xmlns:a16="http://schemas.microsoft.com/office/drawing/2014/main" xmlns="" id="{872B473E-61C4-4DE2-BF54-9B4423CC9637}"/>
               </a:ext>
             </a:extLst>
           </p:cNvPr>
@@ -7917,7 +9685,7 @@
           <p:cNvPr id="18" name="Rectangle 17">
             <a:extLst>
               <a:ext uri="{FF2B5EF4-FFF2-40B4-BE49-F238E27FC236}">
-                <a16:creationId xmlns:a16="http://schemas.microsoft.com/office/drawing/2014/main" id="{F608BBA8-7C8E-426F-9976-3765F4D1C7FF}"/>
+                <a16:creationId xmlns:a16="http://schemas.microsoft.com/office/drawing/2014/main" xmlns="" id="{F608BBA8-7C8E-426F-9976-3765F4D1C7FF}"/>
               </a:ext>
             </a:extLst>
           </p:cNvPr>
@@ -7973,7 +9741,7 @@
           <p:cNvPr id="19" name="Rectangle 18">
             <a:extLst>
               <a:ext uri="{FF2B5EF4-FFF2-40B4-BE49-F238E27FC236}">
-                <a16:creationId xmlns:a16="http://schemas.microsoft.com/office/drawing/2014/main" id="{8161C10B-A5D5-45C6-867B-59381A06B7C9}"/>
+                <a16:creationId xmlns:a16="http://schemas.microsoft.com/office/drawing/2014/main" xmlns="" id="{8161C10B-A5D5-45C6-867B-59381A06B7C9}"/>
               </a:ext>
             </a:extLst>
           </p:cNvPr>
@@ -8029,7 +9797,7 @@
           <p:cNvPr id="20" name="Rectangle 19">
             <a:extLst>
               <a:ext uri="{FF2B5EF4-FFF2-40B4-BE49-F238E27FC236}">
-                <a16:creationId xmlns:a16="http://schemas.microsoft.com/office/drawing/2014/main" id="{8C2DB02C-A4A2-4364-B3F9-87C439A2C194}"/>
+                <a16:creationId xmlns:a16="http://schemas.microsoft.com/office/drawing/2014/main" xmlns="" id="{8C2DB02C-A4A2-4364-B3F9-87C439A2C194}"/>
               </a:ext>
             </a:extLst>
           </p:cNvPr>
@@ -8085,7 +9853,7 @@
           <p:cNvPr id="21" name="Rectangle 20">
             <a:extLst>
               <a:ext uri="{FF2B5EF4-FFF2-40B4-BE49-F238E27FC236}">
-                <a16:creationId xmlns:a16="http://schemas.microsoft.com/office/drawing/2014/main" id="{EFA03B0F-E19B-4166-8E22-8B3EC4AD0A35}"/>
+                <a16:creationId xmlns:a16="http://schemas.microsoft.com/office/drawing/2014/main" xmlns="" id="{EFA03B0F-E19B-4166-8E22-8B3EC4AD0A35}"/>
               </a:ext>
             </a:extLst>
           </p:cNvPr>
@@ -8141,7 +9909,7 @@
           <p:cNvPr id="22" name="Rectangle 21">
             <a:extLst>
               <a:ext uri="{FF2B5EF4-FFF2-40B4-BE49-F238E27FC236}">
-                <a16:creationId xmlns:a16="http://schemas.microsoft.com/office/drawing/2014/main" id="{CA15F7CA-2C59-4C6A-80DF-04D953A64DC4}"/>
+                <a16:creationId xmlns:a16="http://schemas.microsoft.com/office/drawing/2014/main" xmlns="" id="{CA15F7CA-2C59-4C6A-80DF-04D953A64DC4}"/>
               </a:ext>
             </a:extLst>
           </p:cNvPr>
@@ -8197,7 +9965,7 @@
           <p:cNvPr id="23" name="Rectangle 22">
             <a:extLst>
               <a:ext uri="{FF2B5EF4-FFF2-40B4-BE49-F238E27FC236}">
-                <a16:creationId xmlns:a16="http://schemas.microsoft.com/office/drawing/2014/main" id="{88270BD3-033A-4E76-818B-1EE338CBD975}"/>
+                <a16:creationId xmlns:a16="http://schemas.microsoft.com/office/drawing/2014/main" xmlns="" id="{88270BD3-033A-4E76-818B-1EE338CBD975}"/>
               </a:ext>
             </a:extLst>
           </p:cNvPr>
@@ -8253,7 +10021,7 @@
           <p:cNvPr id="24" name="Rectangle 23">
             <a:extLst>
               <a:ext uri="{FF2B5EF4-FFF2-40B4-BE49-F238E27FC236}">
-                <a16:creationId xmlns:a16="http://schemas.microsoft.com/office/drawing/2014/main" id="{CDADE5D5-7CD9-4D0D-BF46-8D9DBCE59281}"/>
+                <a16:creationId xmlns:a16="http://schemas.microsoft.com/office/drawing/2014/main" xmlns="" id="{CDADE5D5-7CD9-4D0D-BF46-8D9DBCE59281}"/>
               </a:ext>
             </a:extLst>
           </p:cNvPr>
@@ -8309,7 +10077,7 @@
           <p:cNvPr id="26" name="Straight Connector 25">
             <a:extLst>
               <a:ext uri="{FF2B5EF4-FFF2-40B4-BE49-F238E27FC236}">
-                <a16:creationId xmlns:a16="http://schemas.microsoft.com/office/drawing/2014/main" id="{C6AA7B77-8AF7-4C79-8C3E-BD9F8E73A0CA}"/>
+                <a16:creationId xmlns:a16="http://schemas.microsoft.com/office/drawing/2014/main" xmlns="" id="{C6AA7B77-8AF7-4C79-8C3E-BD9F8E73A0CA}"/>
               </a:ext>
             </a:extLst>
           </p:cNvPr>
@@ -8345,7 +10113,7 @@
           <p:cNvPr id="28" name="Straight Connector 27">
             <a:extLst>
               <a:ext uri="{FF2B5EF4-FFF2-40B4-BE49-F238E27FC236}">
-                <a16:creationId xmlns:a16="http://schemas.microsoft.com/office/drawing/2014/main" id="{7A95D389-6818-4DCF-A49C-799CE1693EDF}"/>
+                <a16:creationId xmlns:a16="http://schemas.microsoft.com/office/drawing/2014/main" xmlns="" id="{7A95D389-6818-4DCF-A49C-799CE1693EDF}"/>
               </a:ext>
             </a:extLst>
           </p:cNvPr>
@@ -8384,7 +10152,7 @@
           <p:cNvPr id="30" name="Straight Connector 29">
             <a:extLst>
               <a:ext uri="{FF2B5EF4-FFF2-40B4-BE49-F238E27FC236}">
-                <a16:creationId xmlns:a16="http://schemas.microsoft.com/office/drawing/2014/main" id="{76DF9232-4482-4C62-A5B6-4540929A023F}"/>
+                <a16:creationId xmlns:a16="http://schemas.microsoft.com/office/drawing/2014/main" xmlns="" id="{76DF9232-4482-4C62-A5B6-4540929A023F}"/>
               </a:ext>
             </a:extLst>
           </p:cNvPr>
@@ -8422,7 +10190,7 @@
           <p:cNvPr id="31" name="Straight Connector 30">
             <a:extLst>
               <a:ext uri="{FF2B5EF4-FFF2-40B4-BE49-F238E27FC236}">
-                <a16:creationId xmlns:a16="http://schemas.microsoft.com/office/drawing/2014/main" id="{4F26965C-85FA-466F-BB1A-5F083DA48495}"/>
+                <a16:creationId xmlns:a16="http://schemas.microsoft.com/office/drawing/2014/main" xmlns="" id="{4F26965C-85FA-466F-BB1A-5F083DA48495}"/>
               </a:ext>
             </a:extLst>
           </p:cNvPr>
@@ -8458,7 +10226,7 @@
           <p:cNvPr id="32" name="Straight Connector 31">
             <a:extLst>
               <a:ext uri="{FF2B5EF4-FFF2-40B4-BE49-F238E27FC236}">
-                <a16:creationId xmlns:a16="http://schemas.microsoft.com/office/drawing/2014/main" id="{E4EA617E-C2BE-4F6A-B66A-BA4188B6FFE9}"/>
+                <a16:creationId xmlns:a16="http://schemas.microsoft.com/office/drawing/2014/main" xmlns="" id="{E4EA617E-C2BE-4F6A-B66A-BA4188B6FFE9}"/>
               </a:ext>
             </a:extLst>
           </p:cNvPr>
@@ -8494,7 +10262,7 @@
           <p:cNvPr id="33" name="Straight Connector 32">
             <a:extLst>
               <a:ext uri="{FF2B5EF4-FFF2-40B4-BE49-F238E27FC236}">
-                <a16:creationId xmlns:a16="http://schemas.microsoft.com/office/drawing/2014/main" id="{D1AAE778-8A7C-4E1B-BFB3-3A0D5CAFA8AA}"/>
+                <a16:creationId xmlns:a16="http://schemas.microsoft.com/office/drawing/2014/main" xmlns="" id="{D1AAE778-8A7C-4E1B-BFB3-3A0D5CAFA8AA}"/>
               </a:ext>
             </a:extLst>
           </p:cNvPr>
@@ -8532,7 +10300,7 @@
           <p:cNvPr id="35" name="Straight Connector 34">
             <a:extLst>
               <a:ext uri="{FF2B5EF4-FFF2-40B4-BE49-F238E27FC236}">
-                <a16:creationId xmlns:a16="http://schemas.microsoft.com/office/drawing/2014/main" id="{E3681096-5C39-4379-B617-2F904CB07125}"/>
+                <a16:creationId xmlns:a16="http://schemas.microsoft.com/office/drawing/2014/main" xmlns="" id="{E3681096-5C39-4379-B617-2F904CB07125}"/>
               </a:ext>
             </a:extLst>
           </p:cNvPr>
@@ -8570,7 +10338,7 @@
           <p:cNvPr id="36" name="Straight Connector 35">
             <a:extLst>
               <a:ext uri="{FF2B5EF4-FFF2-40B4-BE49-F238E27FC236}">
-                <a16:creationId xmlns:a16="http://schemas.microsoft.com/office/drawing/2014/main" id="{F2CAF865-FD73-4A4E-BF69-E59435220C71}"/>
+                <a16:creationId xmlns:a16="http://schemas.microsoft.com/office/drawing/2014/main" xmlns="" id="{F2CAF865-FD73-4A4E-BF69-E59435220C71}"/>
               </a:ext>
             </a:extLst>
           </p:cNvPr>
@@ -8608,7 +10376,7 @@
           <p:cNvPr id="37" name="Straight Connector 36">
             <a:extLst>
               <a:ext uri="{FF2B5EF4-FFF2-40B4-BE49-F238E27FC236}">
-                <a16:creationId xmlns:a16="http://schemas.microsoft.com/office/drawing/2014/main" id="{3B038912-8521-4D14-884D-CF14F77FBA6C}"/>
+                <a16:creationId xmlns:a16="http://schemas.microsoft.com/office/drawing/2014/main" xmlns="" id="{3B038912-8521-4D14-884D-CF14F77FBA6C}"/>
               </a:ext>
             </a:extLst>
           </p:cNvPr>
@@ -8646,7 +10414,7 @@
           <p:cNvPr id="38" name="Straight Connector 37">
             <a:extLst>
               <a:ext uri="{FF2B5EF4-FFF2-40B4-BE49-F238E27FC236}">
-                <a16:creationId xmlns:a16="http://schemas.microsoft.com/office/drawing/2014/main" id="{F9E3284C-6368-4902-8613-C0996A1D5154}"/>
+                <a16:creationId xmlns:a16="http://schemas.microsoft.com/office/drawing/2014/main" xmlns="" id="{F9E3284C-6368-4902-8613-C0996A1D5154}"/>
               </a:ext>
             </a:extLst>
           </p:cNvPr>
@@ -8684,7 +10452,7 @@
           <p:cNvPr id="39" name="Straight Connector 38">
             <a:extLst>
               <a:ext uri="{FF2B5EF4-FFF2-40B4-BE49-F238E27FC236}">
-                <a16:creationId xmlns:a16="http://schemas.microsoft.com/office/drawing/2014/main" id="{238F8F1E-2CCB-4232-959C-BD91443A33B8}"/>
+                <a16:creationId xmlns:a16="http://schemas.microsoft.com/office/drawing/2014/main" xmlns="" id="{238F8F1E-2CCB-4232-959C-BD91443A33B8}"/>
               </a:ext>
             </a:extLst>
           </p:cNvPr>
@@ -8722,7 +10490,7 @@
           <p:cNvPr id="40" name="Straight Connector 39">
             <a:extLst>
               <a:ext uri="{FF2B5EF4-FFF2-40B4-BE49-F238E27FC236}">
-                <a16:creationId xmlns:a16="http://schemas.microsoft.com/office/drawing/2014/main" id="{9493EA10-20EB-4FA1-8B92-97D25B642ADC}"/>
+                <a16:creationId xmlns:a16="http://schemas.microsoft.com/office/drawing/2014/main" xmlns="" id="{9493EA10-20EB-4FA1-8B92-97D25B642ADC}"/>
               </a:ext>
             </a:extLst>
           </p:cNvPr>
@@ -8760,7 +10528,7 @@
           <p:cNvPr id="41" name="Straight Connector 40">
             <a:extLst>
               <a:ext uri="{FF2B5EF4-FFF2-40B4-BE49-F238E27FC236}">
-                <a16:creationId xmlns:a16="http://schemas.microsoft.com/office/drawing/2014/main" id="{4B3B7017-EB3B-4887-B143-B74DEEB42661}"/>
+                <a16:creationId xmlns:a16="http://schemas.microsoft.com/office/drawing/2014/main" xmlns="" id="{4B3B7017-EB3B-4887-B143-B74DEEB42661}"/>
               </a:ext>
             </a:extLst>
           </p:cNvPr>
@@ -8800,7 +10568,7 @@
               <p14:cNvPr id="45" name="Ink 44">
                 <a:extLst>
                   <a:ext uri="{FF2B5EF4-FFF2-40B4-BE49-F238E27FC236}">
-                    <a16:creationId xmlns:a16="http://schemas.microsoft.com/office/drawing/2014/main" id="{E36D8DF8-9926-4755-812A-2C42A83E95A1}"/>
+                    <a16:creationId xmlns:a16="http://schemas.microsoft.com/office/drawing/2014/main" xmlns="" id="{E36D8DF8-9926-4755-812A-2C42A83E95A1}"/>
                   </a:ext>
                 </a:extLst>
               </p14:cNvPr>
@@ -8851,7 +10619,7 @@
               <p14:cNvPr id="46" name="Ink 45">
                 <a:extLst>
                   <a:ext uri="{FF2B5EF4-FFF2-40B4-BE49-F238E27FC236}">
-                    <a16:creationId xmlns:a16="http://schemas.microsoft.com/office/drawing/2014/main" id="{A0B3B121-5EA6-4BD1-BC58-D179E598AD41}"/>
+                    <a16:creationId xmlns:a16="http://schemas.microsoft.com/office/drawing/2014/main" xmlns="" id="{A0B3B121-5EA6-4BD1-BC58-D179E598AD41}"/>
                   </a:ext>
                 </a:extLst>
               </p14:cNvPr>
@@ -8902,7 +10670,7 @@
               <p14:cNvPr id="47" name="Ink 46">
                 <a:extLst>
                   <a:ext uri="{FF2B5EF4-FFF2-40B4-BE49-F238E27FC236}">
-                    <a16:creationId xmlns:a16="http://schemas.microsoft.com/office/drawing/2014/main" id="{C0201A26-E74B-4562-BBDE-5C8EB60D0DFF}"/>
+                    <a16:creationId xmlns:a16="http://schemas.microsoft.com/office/drawing/2014/main" xmlns="" id="{C0201A26-E74B-4562-BBDE-5C8EB60D0DFF}"/>
                   </a:ext>
                 </a:extLst>
               </p14:cNvPr>
@@ -8953,7 +10721,7 @@
               <p14:cNvPr id="52" name="Ink 51">
                 <a:extLst>
                   <a:ext uri="{FF2B5EF4-FFF2-40B4-BE49-F238E27FC236}">
-                    <a16:creationId xmlns:a16="http://schemas.microsoft.com/office/drawing/2014/main" id="{9CE604DB-5843-4373-BFEE-9477D8BF31EA}"/>
+                    <a16:creationId xmlns:a16="http://schemas.microsoft.com/office/drawing/2014/main" xmlns="" id="{9CE604DB-5843-4373-BFEE-9477D8BF31EA}"/>
                   </a:ext>
                 </a:extLst>
               </p14:cNvPr>
@@ -9004,7 +10772,7 @@
               <p14:cNvPr id="53" name="Ink 52">
                 <a:extLst>
                   <a:ext uri="{FF2B5EF4-FFF2-40B4-BE49-F238E27FC236}">
-                    <a16:creationId xmlns:a16="http://schemas.microsoft.com/office/drawing/2014/main" id="{7BD60453-32C1-46BD-A12E-AD8FB2602B5D}"/>
+                    <a16:creationId xmlns:a16="http://schemas.microsoft.com/office/drawing/2014/main" xmlns="" id="{7BD60453-32C1-46BD-A12E-AD8FB2602B5D}"/>
                   </a:ext>
                 </a:extLst>
               </p14:cNvPr>
@@ -9944,7 +11712,7 @@
           <p:cNvPr id="2" name="Subtitle 1">
             <a:extLst>
               <a:ext uri="{FF2B5EF4-FFF2-40B4-BE49-F238E27FC236}">
-                <a16:creationId xmlns:a16="http://schemas.microsoft.com/office/drawing/2014/main" id="{D9841C7A-0436-497A-8FE7-3DBF3F5AA313}"/>
+                <a16:creationId xmlns:a16="http://schemas.microsoft.com/office/drawing/2014/main" xmlns="" id="{D9841C7A-0436-497A-8FE7-3DBF3F5AA313}"/>
               </a:ext>
             </a:extLst>
           </p:cNvPr>
@@ -9974,7 +11742,7 @@
           <p:cNvPr id="3" name="Date Placeholder 2">
             <a:extLst>
               <a:ext uri="{FF2B5EF4-FFF2-40B4-BE49-F238E27FC236}">
-                <a16:creationId xmlns:a16="http://schemas.microsoft.com/office/drawing/2014/main" id="{4B8AD892-659E-45E3-8547-36B94D9B18BB}"/>
+                <a16:creationId xmlns:a16="http://schemas.microsoft.com/office/drawing/2014/main" xmlns="" id="{4B8AD892-659E-45E3-8547-36B94D9B18BB}"/>
               </a:ext>
             </a:extLst>
           </p:cNvPr>
@@ -10003,7 +11771,7 @@
           <p:cNvPr id="4" name="Slide Number Placeholder 3">
             <a:extLst>
               <a:ext uri="{FF2B5EF4-FFF2-40B4-BE49-F238E27FC236}">
-                <a16:creationId xmlns:a16="http://schemas.microsoft.com/office/drawing/2014/main" id="{E26685A7-A435-48F7-817D-CBDF49D00C5A}"/>
+                <a16:creationId xmlns:a16="http://schemas.microsoft.com/office/drawing/2014/main" xmlns="" id="{E26685A7-A435-48F7-817D-CBDF49D00C5A}"/>
               </a:ext>
             </a:extLst>
           </p:cNvPr>
@@ -10032,7 +11800,7 @@
           <p:cNvPr id="5" name="Title 4">
             <a:extLst>
               <a:ext uri="{FF2B5EF4-FFF2-40B4-BE49-F238E27FC236}">
-                <a16:creationId xmlns:a16="http://schemas.microsoft.com/office/drawing/2014/main" id="{DABEF1F7-ABE5-4F57-9FEF-2776888F7477}"/>
+                <a16:creationId xmlns:a16="http://schemas.microsoft.com/office/drawing/2014/main" xmlns="" id="{DABEF1F7-ABE5-4F57-9FEF-2776888F7477}"/>
               </a:ext>
             </a:extLst>
           </p:cNvPr>
@@ -10071,7 +11839,7 @@
           <p:cNvPr id="6" name="Flowchart: Magnetic Disk 5">
             <a:extLst>
               <a:ext uri="{FF2B5EF4-FFF2-40B4-BE49-F238E27FC236}">
-                <a16:creationId xmlns:a16="http://schemas.microsoft.com/office/drawing/2014/main" id="{63115B9F-6D8E-45B7-85A2-132873BD9109}"/>
+                <a16:creationId xmlns:a16="http://schemas.microsoft.com/office/drawing/2014/main" xmlns="" id="{63115B9F-6D8E-45B7-85A2-132873BD9109}"/>
               </a:ext>
             </a:extLst>
           </p:cNvPr>
@@ -10119,7 +11887,7 @@
           <p:cNvPr id="7" name="Rectangle 6">
             <a:extLst>
               <a:ext uri="{FF2B5EF4-FFF2-40B4-BE49-F238E27FC236}">
-                <a16:creationId xmlns:a16="http://schemas.microsoft.com/office/drawing/2014/main" id="{8681ACB3-8FBF-4385-9AB2-1D0197F104C5}"/>
+                <a16:creationId xmlns:a16="http://schemas.microsoft.com/office/drawing/2014/main" xmlns="" id="{8681ACB3-8FBF-4385-9AB2-1D0197F104C5}"/>
               </a:ext>
             </a:extLst>
           </p:cNvPr>
@@ -10167,7 +11935,7 @@
           <p:cNvPr id="13" name="Rectangle 12">
             <a:extLst>
               <a:ext uri="{FF2B5EF4-FFF2-40B4-BE49-F238E27FC236}">
-                <a16:creationId xmlns:a16="http://schemas.microsoft.com/office/drawing/2014/main" id="{023DDFED-E5A8-4605-A253-13D2F57AFE49}"/>
+                <a16:creationId xmlns:a16="http://schemas.microsoft.com/office/drawing/2014/main" xmlns="" id="{023DDFED-E5A8-4605-A253-13D2F57AFE49}"/>
               </a:ext>
             </a:extLst>
           </p:cNvPr>
@@ -10215,7 +11983,7 @@
           <p:cNvPr id="14" name="Rectangle 13">
             <a:extLst>
               <a:ext uri="{FF2B5EF4-FFF2-40B4-BE49-F238E27FC236}">
-                <a16:creationId xmlns:a16="http://schemas.microsoft.com/office/drawing/2014/main" id="{7B11D976-8748-4435-BA4B-3517068C6549}"/>
+                <a16:creationId xmlns:a16="http://schemas.microsoft.com/office/drawing/2014/main" xmlns="" id="{7B11D976-8748-4435-BA4B-3517068C6549}"/>
               </a:ext>
             </a:extLst>
           </p:cNvPr>
@@ -10263,7 +12031,7 @@
           <p:cNvPr id="15" name="Rectangle 14">
             <a:extLst>
               <a:ext uri="{FF2B5EF4-FFF2-40B4-BE49-F238E27FC236}">
-                <a16:creationId xmlns:a16="http://schemas.microsoft.com/office/drawing/2014/main" id="{096CFDD8-4264-492D-9A73-C8EC9213A1F1}"/>
+                <a16:creationId xmlns:a16="http://schemas.microsoft.com/office/drawing/2014/main" xmlns="" id="{096CFDD8-4264-492D-9A73-C8EC9213A1F1}"/>
               </a:ext>
             </a:extLst>
           </p:cNvPr>
@@ -10335,7 +12103,7 @@
           <p:cNvPr id="16" name="Rectangle 15">
             <a:extLst>
               <a:ext uri="{FF2B5EF4-FFF2-40B4-BE49-F238E27FC236}">
-                <a16:creationId xmlns:a16="http://schemas.microsoft.com/office/drawing/2014/main" id="{BBAFC401-E0B0-4581-A3AB-FD319F54C067}"/>
+                <a16:creationId xmlns:a16="http://schemas.microsoft.com/office/drawing/2014/main" xmlns="" id="{BBAFC401-E0B0-4581-A3AB-FD319F54C067}"/>
               </a:ext>
             </a:extLst>
           </p:cNvPr>
@@ -10383,7 +12151,7 @@
           <p:cNvPr id="17" name="Rectangle 16">
             <a:extLst>
               <a:ext uri="{FF2B5EF4-FFF2-40B4-BE49-F238E27FC236}">
-                <a16:creationId xmlns:a16="http://schemas.microsoft.com/office/drawing/2014/main" id="{306374B0-EE97-4BAC-AE73-99D3BD2F1DB7}"/>
+                <a16:creationId xmlns:a16="http://schemas.microsoft.com/office/drawing/2014/main" xmlns="" id="{306374B0-EE97-4BAC-AE73-99D3BD2F1DB7}"/>
               </a:ext>
             </a:extLst>
           </p:cNvPr>
@@ -10431,7 +12199,7 @@
           <p:cNvPr id="18" name="Rectangle 17">
             <a:extLst>
               <a:ext uri="{FF2B5EF4-FFF2-40B4-BE49-F238E27FC236}">
-                <a16:creationId xmlns:a16="http://schemas.microsoft.com/office/drawing/2014/main" id="{60DEEF44-0EB5-4872-8DA5-F597C9E8F283}"/>
+                <a16:creationId xmlns:a16="http://schemas.microsoft.com/office/drawing/2014/main" xmlns="" id="{60DEEF44-0EB5-4872-8DA5-F597C9E8F283}"/>
               </a:ext>
             </a:extLst>
           </p:cNvPr>
@@ -10479,7 +12247,7 @@
           <p:cNvPr id="29" name="Straight Arrow Connector 28">
             <a:extLst>
               <a:ext uri="{FF2B5EF4-FFF2-40B4-BE49-F238E27FC236}">
-                <a16:creationId xmlns:a16="http://schemas.microsoft.com/office/drawing/2014/main" id="{060C1E80-A75B-4ABC-BCAB-54C67CD5E441}"/>
+                <a16:creationId xmlns:a16="http://schemas.microsoft.com/office/drawing/2014/main" xmlns="" id="{060C1E80-A75B-4ABC-BCAB-54C67CD5E441}"/>
               </a:ext>
             </a:extLst>
           </p:cNvPr>
@@ -10521,7 +12289,7 @@
           <p:cNvPr id="31" name="Straight Arrow Connector 30">
             <a:extLst>
               <a:ext uri="{FF2B5EF4-FFF2-40B4-BE49-F238E27FC236}">
-                <a16:creationId xmlns:a16="http://schemas.microsoft.com/office/drawing/2014/main" id="{5991950D-7935-437F-9025-252D61CD39A6}"/>
+                <a16:creationId xmlns:a16="http://schemas.microsoft.com/office/drawing/2014/main" xmlns="" id="{5991950D-7935-437F-9025-252D61CD39A6}"/>
               </a:ext>
             </a:extLst>
           </p:cNvPr>
@@ -10564,7 +12332,7 @@
           <p:cNvPr id="33" name="Straight Arrow Connector 32">
             <a:extLst>
               <a:ext uri="{FF2B5EF4-FFF2-40B4-BE49-F238E27FC236}">
-                <a16:creationId xmlns:a16="http://schemas.microsoft.com/office/drawing/2014/main" id="{FF3D4A33-9CBC-43EE-86D4-08C1502368C2}"/>
+                <a16:creationId xmlns:a16="http://schemas.microsoft.com/office/drawing/2014/main" xmlns="" id="{FF3D4A33-9CBC-43EE-86D4-08C1502368C2}"/>
               </a:ext>
             </a:extLst>
           </p:cNvPr>
@@ -10608,7 +12376,7 @@
           <p:cNvPr id="35" name="Straight Arrow Connector 34">
             <a:extLst>
               <a:ext uri="{FF2B5EF4-FFF2-40B4-BE49-F238E27FC236}">
-                <a16:creationId xmlns:a16="http://schemas.microsoft.com/office/drawing/2014/main" id="{9BC0CBC3-FA63-4881-AD47-AC932802BCA8}"/>
+                <a16:creationId xmlns:a16="http://schemas.microsoft.com/office/drawing/2014/main" xmlns="" id="{9BC0CBC3-FA63-4881-AD47-AC932802BCA8}"/>
               </a:ext>
             </a:extLst>
           </p:cNvPr>
@@ -10652,7 +12420,7 @@
           <p:cNvPr id="37" name="Straight Arrow Connector 36">
             <a:extLst>
               <a:ext uri="{FF2B5EF4-FFF2-40B4-BE49-F238E27FC236}">
-                <a16:creationId xmlns:a16="http://schemas.microsoft.com/office/drawing/2014/main" id="{6F4A1EDF-B67D-4BE4-AAEC-EC62EA5BBC44}"/>
+                <a16:creationId xmlns:a16="http://schemas.microsoft.com/office/drawing/2014/main" xmlns="" id="{6F4A1EDF-B67D-4BE4-AAEC-EC62EA5BBC44}"/>
               </a:ext>
             </a:extLst>
           </p:cNvPr>
@@ -10696,7 +12464,7 @@
           <p:cNvPr id="40" name="Straight Arrow Connector 39">
             <a:extLst>
               <a:ext uri="{FF2B5EF4-FFF2-40B4-BE49-F238E27FC236}">
-                <a16:creationId xmlns:a16="http://schemas.microsoft.com/office/drawing/2014/main" id="{633EC22B-BDBF-49AC-A28E-B33CCFFC7F8B}"/>
+                <a16:creationId xmlns:a16="http://schemas.microsoft.com/office/drawing/2014/main" xmlns="" id="{633EC22B-BDBF-49AC-A28E-B33CCFFC7F8B}"/>
               </a:ext>
             </a:extLst>
           </p:cNvPr>
@@ -10738,7 +12506,7 @@
           <p:cNvPr id="71" name="Connector: Elbow 70">
             <a:extLst>
               <a:ext uri="{FF2B5EF4-FFF2-40B4-BE49-F238E27FC236}">
-                <a16:creationId xmlns:a16="http://schemas.microsoft.com/office/drawing/2014/main" id="{450EAEA0-E488-491C-A713-5C15B972B6DB}"/>
+                <a16:creationId xmlns:a16="http://schemas.microsoft.com/office/drawing/2014/main" xmlns="" id="{450EAEA0-E488-491C-A713-5C15B972B6DB}"/>
               </a:ext>
             </a:extLst>
           </p:cNvPr>
@@ -10782,7 +12550,7 @@
           <p:cNvPr id="78" name="Connector: Elbow 77">
             <a:extLst>
               <a:ext uri="{FF2B5EF4-FFF2-40B4-BE49-F238E27FC236}">
-                <a16:creationId xmlns:a16="http://schemas.microsoft.com/office/drawing/2014/main" id="{B407DDD0-23AB-4A18-B5C5-DF70D6CC3644}"/>
+                <a16:creationId xmlns:a16="http://schemas.microsoft.com/office/drawing/2014/main" xmlns="" id="{B407DDD0-23AB-4A18-B5C5-DF70D6CC3644}"/>
               </a:ext>
             </a:extLst>
           </p:cNvPr>
@@ -10854,7 +12622,7 @@
           <p:cNvPr id="2" name="Subtitle 1">
             <a:extLst>
               <a:ext uri="{FF2B5EF4-FFF2-40B4-BE49-F238E27FC236}">
-                <a16:creationId xmlns:a16="http://schemas.microsoft.com/office/drawing/2014/main" id="{E4BD737E-20F0-474A-A9D5-7B480061DEE2}"/>
+                <a16:creationId xmlns:a16="http://schemas.microsoft.com/office/drawing/2014/main" xmlns="" id="{E4BD737E-20F0-474A-A9D5-7B480061DEE2}"/>
               </a:ext>
             </a:extLst>
           </p:cNvPr>
@@ -10973,7 +12741,7 @@
           <p:cNvPr id="3" name="Date Placeholder 2">
             <a:extLst>
               <a:ext uri="{FF2B5EF4-FFF2-40B4-BE49-F238E27FC236}">
-                <a16:creationId xmlns:a16="http://schemas.microsoft.com/office/drawing/2014/main" id="{DD59A8C1-F784-4CED-827F-184F8AE44EE1}"/>
+                <a16:creationId xmlns:a16="http://schemas.microsoft.com/office/drawing/2014/main" xmlns="" id="{DD59A8C1-F784-4CED-827F-184F8AE44EE1}"/>
               </a:ext>
             </a:extLst>
           </p:cNvPr>
@@ -11002,7 +12770,7 @@
           <p:cNvPr id="4" name="Slide Number Placeholder 3">
             <a:extLst>
               <a:ext uri="{FF2B5EF4-FFF2-40B4-BE49-F238E27FC236}">
-                <a16:creationId xmlns:a16="http://schemas.microsoft.com/office/drawing/2014/main" id="{EF78747E-D286-4D93-8E19-1608642782AB}"/>
+                <a16:creationId xmlns:a16="http://schemas.microsoft.com/office/drawing/2014/main" xmlns="" id="{EF78747E-D286-4D93-8E19-1608642782AB}"/>
               </a:ext>
             </a:extLst>
           </p:cNvPr>
@@ -11031,7 +12799,7 @@
           <p:cNvPr id="5" name="Title 4">
             <a:extLst>
               <a:ext uri="{FF2B5EF4-FFF2-40B4-BE49-F238E27FC236}">
-                <a16:creationId xmlns:a16="http://schemas.microsoft.com/office/drawing/2014/main" id="{35002D85-FCD5-4CB6-B7B1-A472659F28B5}"/>
+                <a16:creationId xmlns:a16="http://schemas.microsoft.com/office/drawing/2014/main" xmlns="" id="{35002D85-FCD5-4CB6-B7B1-A472659F28B5}"/>
               </a:ext>
             </a:extLst>
           </p:cNvPr>
@@ -11096,7 +12864,7 @@
           <p:cNvPr id="2" name="Subtitle 1">
             <a:extLst>
               <a:ext uri="{FF2B5EF4-FFF2-40B4-BE49-F238E27FC236}">
-                <a16:creationId xmlns:a16="http://schemas.microsoft.com/office/drawing/2014/main" id="{69C70F9B-BE0A-46A3-B511-ED765C376E65}"/>
+                <a16:creationId xmlns:a16="http://schemas.microsoft.com/office/drawing/2014/main" xmlns="" id="{69C70F9B-BE0A-46A3-B511-ED765C376E65}"/>
               </a:ext>
             </a:extLst>
           </p:cNvPr>
@@ -11193,7 +12961,7 @@
           <p:cNvPr id="3" name="Date Placeholder 2">
             <a:extLst>
               <a:ext uri="{FF2B5EF4-FFF2-40B4-BE49-F238E27FC236}">
-                <a16:creationId xmlns:a16="http://schemas.microsoft.com/office/drawing/2014/main" id="{C62BC312-27D7-4C9B-AA5B-BE16828B37B0}"/>
+                <a16:creationId xmlns:a16="http://schemas.microsoft.com/office/drawing/2014/main" xmlns="" id="{C62BC312-27D7-4C9B-AA5B-BE16828B37B0}"/>
               </a:ext>
             </a:extLst>
           </p:cNvPr>
@@ -11222,7 +12990,7 @@
           <p:cNvPr id="4" name="Slide Number Placeholder 3">
             <a:extLst>
               <a:ext uri="{FF2B5EF4-FFF2-40B4-BE49-F238E27FC236}">
-                <a16:creationId xmlns:a16="http://schemas.microsoft.com/office/drawing/2014/main" id="{FDD79EA4-7569-4CF6-88A9-590271AE617C}"/>
+                <a16:creationId xmlns:a16="http://schemas.microsoft.com/office/drawing/2014/main" xmlns="" id="{FDD79EA4-7569-4CF6-88A9-590271AE617C}"/>
               </a:ext>
             </a:extLst>
           </p:cNvPr>
@@ -11251,7 +13019,7 @@
           <p:cNvPr id="5" name="Title 4">
             <a:extLst>
               <a:ext uri="{FF2B5EF4-FFF2-40B4-BE49-F238E27FC236}">
-                <a16:creationId xmlns:a16="http://schemas.microsoft.com/office/drawing/2014/main" id="{7A995DC8-A655-4DFD-B19A-6262BE6879CF}"/>
+                <a16:creationId xmlns:a16="http://schemas.microsoft.com/office/drawing/2014/main" xmlns="" id="{7A995DC8-A655-4DFD-B19A-6262BE6879CF}"/>
               </a:ext>
             </a:extLst>
           </p:cNvPr>
@@ -11318,7 +13086,7 @@
           <p:cNvPr id="2" name="Subtitle 1">
             <a:extLst>
               <a:ext uri="{FF2B5EF4-FFF2-40B4-BE49-F238E27FC236}">
-                <a16:creationId xmlns:a16="http://schemas.microsoft.com/office/drawing/2014/main" id="{69C70F9B-BE0A-46A3-B511-ED765C376E65}"/>
+                <a16:creationId xmlns:a16="http://schemas.microsoft.com/office/drawing/2014/main" xmlns="" id="{69C70F9B-BE0A-46A3-B511-ED765C376E65}"/>
               </a:ext>
             </a:extLst>
           </p:cNvPr>
@@ -11424,7 +13192,7 @@
           <p:cNvPr id="3" name="Date Placeholder 2">
             <a:extLst>
               <a:ext uri="{FF2B5EF4-FFF2-40B4-BE49-F238E27FC236}">
-                <a16:creationId xmlns:a16="http://schemas.microsoft.com/office/drawing/2014/main" id="{C62BC312-27D7-4C9B-AA5B-BE16828B37B0}"/>
+                <a16:creationId xmlns:a16="http://schemas.microsoft.com/office/drawing/2014/main" xmlns="" id="{C62BC312-27D7-4C9B-AA5B-BE16828B37B0}"/>
               </a:ext>
             </a:extLst>
           </p:cNvPr>
@@ -11453,7 +13221,7 @@
           <p:cNvPr id="4" name="Slide Number Placeholder 3">
             <a:extLst>
               <a:ext uri="{FF2B5EF4-FFF2-40B4-BE49-F238E27FC236}">
-                <a16:creationId xmlns:a16="http://schemas.microsoft.com/office/drawing/2014/main" id="{FDD79EA4-7569-4CF6-88A9-590271AE617C}"/>
+                <a16:creationId xmlns:a16="http://schemas.microsoft.com/office/drawing/2014/main" xmlns="" id="{FDD79EA4-7569-4CF6-88A9-590271AE617C}"/>
               </a:ext>
             </a:extLst>
           </p:cNvPr>
@@ -11482,7 +13250,7 @@
           <p:cNvPr id="5" name="Title 4">
             <a:extLst>
               <a:ext uri="{FF2B5EF4-FFF2-40B4-BE49-F238E27FC236}">
-                <a16:creationId xmlns:a16="http://schemas.microsoft.com/office/drawing/2014/main" id="{7A995DC8-A655-4DFD-B19A-6262BE6879CF}"/>
+                <a16:creationId xmlns:a16="http://schemas.microsoft.com/office/drawing/2014/main" xmlns="" id="{7A995DC8-A655-4DFD-B19A-6262BE6879CF}"/>
               </a:ext>
             </a:extLst>
           </p:cNvPr>
